--- a/doc/Implier - Background.pptx
+++ b/doc/Implier - Background.pptx
@@ -8,26 +8,19 @@
     <p:sldId id="287" r:id="rId2"/>
     <p:sldId id="279" r:id="rId3"/>
     <p:sldId id="257" r:id="rId4"/>
-    <p:sldId id="280" r:id="rId5"/>
-    <p:sldId id="284" r:id="rId6"/>
-    <p:sldId id="259" r:id="rId7"/>
-    <p:sldId id="258" r:id="rId8"/>
-    <p:sldId id="282" r:id="rId9"/>
-    <p:sldId id="265" r:id="rId10"/>
-    <p:sldId id="266" r:id="rId11"/>
-    <p:sldId id="267" r:id="rId12"/>
-    <p:sldId id="271" r:id="rId13"/>
-    <p:sldId id="272" r:id="rId14"/>
-    <p:sldId id="273" r:id="rId15"/>
-    <p:sldId id="274" r:id="rId16"/>
-    <p:sldId id="276" r:id="rId17"/>
-    <p:sldId id="277" r:id="rId18"/>
-    <p:sldId id="281" r:id="rId19"/>
-    <p:sldId id="278" r:id="rId20"/>
-    <p:sldId id="268" r:id="rId21"/>
-    <p:sldId id="285" r:id="rId22"/>
-    <p:sldId id="286" r:id="rId23"/>
-    <p:sldId id="288" r:id="rId24"/>
+    <p:sldId id="259" r:id="rId5"/>
+    <p:sldId id="258" r:id="rId6"/>
+    <p:sldId id="282" r:id="rId7"/>
+    <p:sldId id="265" r:id="rId8"/>
+    <p:sldId id="266" r:id="rId9"/>
+    <p:sldId id="267" r:id="rId10"/>
+    <p:sldId id="271" r:id="rId11"/>
+    <p:sldId id="272" r:id="rId12"/>
+    <p:sldId id="273" r:id="rId13"/>
+    <p:sldId id="274" r:id="rId14"/>
+    <p:sldId id="276" r:id="rId15"/>
+    <p:sldId id="288" r:id="rId16"/>
+    <p:sldId id="289" r:id="rId17"/>
   </p:sldIdLst>
   <p:sldSz cx="9144000" cy="6858000" type="screen4x3"/>
   <p:notesSz cx="6858000" cy="9144000"/>
@@ -3097,12 +3090,8 @@
           <a:lstStyle/>
           <a:p>
             <a:r>
-              <a:rPr lang="en-US" dirty="0" err="1" smtClean="0"/>
-              <a:t>Implier</a:t>
-            </a:r>
-            <a:r>
-              <a:rPr lang="en-US" smtClean="0"/>
-              <a:t> – Background</a:t>
+              <a:rPr lang="en-US" dirty="0" smtClean="0"/>
+              <a:t>Implier – Background</a:t>
             </a:r>
             <a:endParaRPr lang="en-US" dirty="0"/>
           </a:p>
@@ -3178,7 +3167,7 @@
           <a:p>
             <a:r>
               <a:rPr lang="en-US" dirty="0" smtClean="0"/>
-              <a:t>LIFFE - EURIBOR</a:t>
+              <a:t>CME – Implied In</a:t>
             </a:r>
             <a:endParaRPr lang="en-US" dirty="0"/>
           </a:p>
@@ -3196,71 +3185,45 @@
         </p:nvSpPr>
         <p:spPr/>
         <p:txBody>
-          <a:bodyPr>
-            <a:normAutofit fontScale="70000" lnSpcReduction="20000"/>
-          </a:bodyPr>
+          <a:bodyPr/>
           <a:lstStyle/>
           <a:p>
+            <a:pPr marL="0" indent="0">
+              <a:buNone/>
+            </a:pPr>
+            <a:r>
+              <a:rPr lang="en-US" dirty="0" smtClean="0"/>
+              <a:t>1</a:t>
+            </a:r>
             <a:r>
               <a:rPr lang="en-US" dirty="0"/>
-              <a:t>1</a:t>
-            </a:r>
-            <a:r>
-              <a:rPr lang="en-US" baseline="30000" dirty="0"/>
-              <a:t>st</a:t>
-            </a:r>
+              <a:t>. There is a Bid in SIZ6 at 13955.</a:t>
+            </a:r>
+          </a:p>
+          <a:p>
+            <a:pPr marL="0" indent="0">
+              <a:buNone/>
+            </a:pPr>
             <a:r>
               <a:rPr lang="en-US" dirty="0"/>
-              <a:t> Generation implied volume </a:t>
+              <a:t>2. There is an Ask in SIG7 at </a:t>
             </a:r>
             <a:r>
               <a:rPr lang="en-US" dirty="0" smtClean="0"/>
-              <a:t>supported</a:t>
-            </a:r>
-          </a:p>
-          <a:p>
-            <a:r>
-              <a:rPr lang="en-US" dirty="0">
-                <a:hlinkClick r:id="rId2"/>
-              </a:rPr>
-              <a:t>http://</a:t>
-            </a:r>
-            <a:r>
-              <a:rPr lang="en-US" dirty="0" smtClean="0">
-                <a:hlinkClick r:id="rId2"/>
-              </a:rPr>
-              <a:t>www.nyse.com/pdfs/6471_LRS.pdf</a:t>
-            </a:r>
-            <a:endParaRPr lang="en-US" dirty="0" smtClean="0"/>
-          </a:p>
-          <a:p>
+              <a:t>14025.</a:t>
+            </a:r>
+          </a:p>
+          <a:p>
+            <a:pPr marL="0" indent="0">
+              <a:buNone/>
+            </a:pPr>
+            <a:r>
+              <a:rPr lang="en-US" dirty="0" smtClean="0"/>
+              <a:t>3. This </a:t>
+            </a:r>
             <a:r>
               <a:rPr lang="en-US" dirty="0"/>
-              <a:t>The </a:t>
-            </a:r>
-            <a:r>
-              <a:rPr lang="en-US" dirty="0" err="1"/>
-              <a:t>ArcaBook</a:t>
-            </a:r>
-            <a:r>
-              <a:rPr lang="en-US" dirty="0"/>
-              <a:t> market data feed for NYSE </a:t>
-            </a:r>
-            <a:r>
-              <a:rPr lang="en-US" dirty="0" err="1"/>
-              <a:t>Liffe</a:t>
-            </a:r>
-            <a:r>
-              <a:rPr lang="en-US" dirty="0"/>
-              <a:t> also disseminates ‘Implied Out’ </a:t>
-            </a:r>
-            <a:r>
-              <a:rPr lang="en-US" dirty="0" smtClean="0"/>
-              <a:t>prices. Indeed</a:t>
-            </a:r>
-            <a:r>
-              <a:rPr lang="en-US" dirty="0"/>
-              <a:t>, the LIFFE CONNECT platform supports both Implied Ins and Implied Outs prices</a:t>
+              <a:t>creates an Implied IN Bid in the Silver calendar spread SIZ6-SIG7 at -70</a:t>
             </a:r>
             <a:r>
               <a:rPr lang="en-US" dirty="0" smtClean="0"/>
@@ -3268,69 +3231,27 @@
             </a:r>
           </a:p>
           <a:p>
-            <a:pPr lvl="1"/>
+            <a:pPr marL="0" indent="0">
+              <a:buNone/>
+            </a:pPr>
+            <a:endParaRPr lang="en-US" dirty="0" smtClean="0"/>
+          </a:p>
+          <a:p>
+            <a:pPr marL="0" indent="0">
+              <a:buNone/>
+            </a:pPr>
             <a:r>
               <a:rPr lang="en-US" dirty="0" smtClean="0"/>
-              <a:t>‘ </a:t>
-            </a:r>
-            <a:r>
-              <a:rPr lang="en-US" dirty="0"/>
-              <a:t>Implied Ins’ are prices in a strategy market derived from prices in the associated </a:t>
-            </a:r>
-            <a:r>
-              <a:rPr lang="en-US" dirty="0" smtClean="0"/>
-              <a:t>outright markets</a:t>
-            </a:r>
-            <a:r>
-              <a:rPr lang="en-US" dirty="0"/>
-              <a:t>. They are calculated by the Trading Host but not disseminated</a:t>
-            </a:r>
-            <a:r>
-              <a:rPr lang="en-US" dirty="0" smtClean="0"/>
-              <a:t>.</a:t>
-            </a:r>
-          </a:p>
-          <a:p>
-            <a:pPr lvl="1"/>
-            <a:r>
-              <a:rPr lang="en-US" dirty="0" smtClean="0"/>
-              <a:t>‘ </a:t>
-            </a:r>
-            <a:r>
-              <a:rPr lang="en-US" dirty="0"/>
-              <a:t>Implied Outs’ are prices in an outright market derived from prices in one strategy </a:t>
-            </a:r>
-            <a:r>
-              <a:rPr lang="en-US" dirty="0" smtClean="0"/>
-              <a:t>and prices </a:t>
-            </a:r>
-            <a:r>
-              <a:rPr lang="en-US" dirty="0"/>
-              <a:t>in associated legs of the strategy. Although the LIFFE CONNECT. Trading </a:t>
-            </a:r>
-            <a:r>
-              <a:rPr lang="en-US" dirty="0" smtClean="0"/>
-              <a:t>Host continuously </a:t>
-            </a:r>
-            <a:r>
-              <a:rPr lang="en-US" dirty="0"/>
-              <a:t>calculates ‘implied out’ prices, it only transmits ‘implied out’ prices </a:t>
-            </a:r>
-            <a:r>
-              <a:rPr lang="en-US" dirty="0" smtClean="0"/>
-              <a:t>when they </a:t>
-            </a:r>
-            <a:r>
-              <a:rPr lang="en-US" dirty="0"/>
-              <a:t>are equal to or better than the Best price in the central Order Book.</a:t>
-            </a:r>
+              <a:t>Implied IN Bid in nearby/deferred spread = Bid in nearby – Ask in deferred</a:t>
+            </a:r>
+            <a:endParaRPr lang="en-US" dirty="0"/>
           </a:p>
         </p:txBody>
       </p:sp>
     </p:spTree>
     <p:extLst>
       <p:ext uri="{BB962C8B-B14F-4D97-AF65-F5344CB8AC3E}">
-        <p14:creationId xmlns:p14="http://schemas.microsoft.com/office/powerpoint/2010/main" val="1745493679"/>
+        <p14:creationId xmlns:p14="http://schemas.microsoft.com/office/powerpoint/2010/main" val="2060120788"/>
       </p:ext>
     </p:extLst>
   </p:cSld>
@@ -3381,7 +3302,7 @@
           <a:p>
             <a:r>
               <a:rPr lang="en-US" dirty="0" smtClean="0"/>
-              <a:t>CME</a:t>
+              <a:t>CME – Implied Out Bid</a:t>
             </a:r>
             <a:endParaRPr lang="en-US" dirty="0"/>
           </a:p>
@@ -3399,65 +3320,88 @@
         </p:nvSpPr>
         <p:spPr/>
         <p:txBody>
-          <a:bodyPr/>
+          <a:bodyPr>
+            <a:normAutofit fontScale="92500" lnSpcReduction="20000"/>
+          </a:bodyPr>
           <a:lstStyle/>
           <a:p>
+            <a:pPr marL="0" indent="0">
+              <a:buNone/>
+            </a:pPr>
+            <a:r>
+              <a:rPr lang="en-US" dirty="0" smtClean="0"/>
+              <a:t>1</a:t>
+            </a:r>
             <a:r>
               <a:rPr lang="en-US" dirty="0"/>
-              <a:t>1</a:t>
-            </a:r>
-            <a:r>
-              <a:rPr lang="en-US" baseline="30000" dirty="0"/>
-              <a:t>st</a:t>
-            </a:r>
+              <a:t>. There is a Bid in SIZ6 at 13955.</a:t>
+            </a:r>
+          </a:p>
+          <a:p>
+            <a:pPr marL="0" indent="0">
+              <a:buNone/>
+            </a:pPr>
             <a:r>
               <a:rPr lang="en-US" dirty="0"/>
-              <a:t> </a:t>
+              <a:t>2. There is an Ask in the Silver calendar spread of SIZ6-SIG7 at -74</a:t>
             </a:r>
             <a:r>
               <a:rPr lang="en-US" dirty="0" smtClean="0"/>
-              <a:t>and 2</a:t>
-            </a:r>
-            <a:r>
-              <a:rPr lang="en-US" baseline="30000" dirty="0" smtClean="0"/>
-              <a:t>nd</a:t>
+              <a:t>.</a:t>
+            </a:r>
+          </a:p>
+          <a:p>
+            <a:pPr marL="0" indent="0">
+              <a:buNone/>
+            </a:pPr>
+            <a:r>
+              <a:rPr lang="en-US" dirty="0"/>
+              <a:t>3. This creates an Implied OUT Bid in SIG7 at 14029.</a:t>
+            </a:r>
+          </a:p>
+          <a:p>
+            <a:pPr marL="0" indent="0">
+              <a:buNone/>
+            </a:pPr>
+            <a:r>
+              <a:rPr lang="en-US" dirty="0"/>
+              <a:t>4. All implied OUT bids are rounded down to the next standard tick.</a:t>
+            </a:r>
+          </a:p>
+          <a:p>
+            <a:pPr marL="0" indent="0">
+              <a:buNone/>
+            </a:pPr>
+            <a:r>
+              <a:rPr lang="en-US" dirty="0"/>
+              <a:t>5. Implied OUT Bid is created in SIG7 at 14025</a:t>
             </a:r>
             <a:r>
               <a:rPr lang="en-US" dirty="0" smtClean="0"/>
-              <a:t> Generation </a:t>
-            </a:r>
-            <a:r>
-              <a:rPr lang="en-US" dirty="0"/>
-              <a:t>implied volume supported</a:t>
-            </a:r>
-          </a:p>
-          <a:p>
-            <a:r>
-              <a:rPr lang="en-US" dirty="0" smtClean="0">
-                <a:hlinkClick r:id="rId2"/>
-              </a:rPr>
-              <a:t>http</a:t>
-            </a:r>
-            <a:r>
-              <a:rPr lang="en-US" dirty="0">
-                <a:hlinkClick r:id="rId2"/>
-              </a:rPr>
-              <a:t>://</a:t>
-            </a:r>
-            <a:r>
-              <a:rPr lang="en-US" dirty="0" smtClean="0">
-                <a:hlinkClick r:id="rId2"/>
-              </a:rPr>
-              <a:t>www.cmegroup.com/globex/files/ImpliedPriceOverview.pdf</a:t>
-            </a:r>
-            <a:endParaRPr lang="en-US" dirty="0" smtClean="0"/>
+              <a:t>.</a:t>
+            </a:r>
+          </a:p>
+          <a:p>
+            <a:pPr marL="0" indent="0">
+              <a:buNone/>
+            </a:pPr>
+            <a:endParaRPr lang="en-US" dirty="0"/>
+          </a:p>
+          <a:p>
+            <a:pPr marL="0" indent="0">
+              <a:buNone/>
+            </a:pPr>
+            <a:r>
+              <a:rPr lang="en-US" dirty="0" smtClean="0"/>
+              <a:t>Implied OUT bid in deferred = Bid in nearby – Ask in spread of nearby/deferred</a:t>
+            </a:r>
           </a:p>
         </p:txBody>
       </p:sp>
     </p:spTree>
     <p:extLst>
       <p:ext uri="{BB962C8B-B14F-4D97-AF65-F5344CB8AC3E}">
-        <p14:creationId xmlns:p14="http://schemas.microsoft.com/office/powerpoint/2010/main" val="2363632775"/>
+        <p14:creationId xmlns:p14="http://schemas.microsoft.com/office/powerpoint/2010/main" val="170838426"/>
       </p:ext>
     </p:extLst>
   </p:cSld>
@@ -3508,7 +3452,7 @@
           <a:p>
             <a:r>
               <a:rPr lang="en-US" dirty="0" smtClean="0"/>
-              <a:t>CME – Implied In</a:t>
+              <a:t>CME – Implied Out Ask</a:t>
             </a:r>
             <a:endParaRPr lang="en-US" dirty="0"/>
           </a:p>
@@ -3526,19 +3470,17 @@
         </p:nvSpPr>
         <p:spPr/>
         <p:txBody>
-          <a:bodyPr/>
+          <a:bodyPr>
+            <a:normAutofit fontScale="85000" lnSpcReduction="10000"/>
+          </a:bodyPr>
           <a:lstStyle/>
           <a:p>
             <a:pPr marL="0" indent="0">
               <a:buNone/>
             </a:pPr>
             <a:r>
-              <a:rPr lang="en-US" dirty="0" smtClean="0"/>
-              <a:t>1</a:t>
-            </a:r>
-            <a:r>
               <a:rPr lang="en-US" dirty="0"/>
-              <a:t>. There is a Bid in SIZ6 at 13955.</a:t>
+              <a:t>1. There is an Ask in SIZ6 at 13955.</a:t>
             </a:r>
           </a:p>
           <a:p>
@@ -3547,11 +3489,7 @@
             </a:pPr>
             <a:r>
               <a:rPr lang="en-US" dirty="0"/>
-              <a:t>2. There is an Ask in SIG7 at </a:t>
-            </a:r>
-            <a:r>
-              <a:rPr lang="en-US" dirty="0" smtClean="0"/>
-              <a:t>14025.</a:t>
+              <a:t>2. There is a Bid in the Silver calendar spread of SIZ6-SIG7 at -74.</a:t>
             </a:r>
           </a:p>
           <a:p>
@@ -3559,12 +3497,26 @@
               <a:buNone/>
             </a:pPr>
             <a:r>
-              <a:rPr lang="en-US" dirty="0" smtClean="0"/>
-              <a:t>3. This </a:t>
-            </a:r>
-            <a:r>
               <a:rPr lang="en-US" dirty="0"/>
-              <a:t>creates an Implied IN Bid in the Silver calendar spread SIZ6-SIG7 at -70</a:t>
+              <a:t>3. This calculates an Implied OUT Ask in SIG7 at 14029.</a:t>
+            </a:r>
+          </a:p>
+          <a:p>
+            <a:pPr marL="0" indent="0">
+              <a:buNone/>
+            </a:pPr>
+            <a:r>
+              <a:rPr lang="en-US" dirty="0"/>
+              <a:t>4. All implied OUT asks are rounded up to the next standard tick.</a:t>
+            </a:r>
+          </a:p>
+          <a:p>
+            <a:pPr marL="0" indent="0">
+              <a:buNone/>
+            </a:pPr>
+            <a:r>
+              <a:rPr lang="en-US" dirty="0"/>
+              <a:t>5. Implied OUT Bid is created in SIG7 at 14030</a:t>
             </a:r>
             <a:r>
               <a:rPr lang="en-US" dirty="0" smtClean="0"/>
@@ -3575,7 +3527,7 @@
             <a:pPr marL="0" indent="0">
               <a:buNone/>
             </a:pPr>
-            <a:endParaRPr lang="en-US" dirty="0" smtClean="0"/>
+            <a:endParaRPr lang="en-US" dirty="0"/>
           </a:p>
           <a:p>
             <a:pPr marL="0" indent="0">
@@ -3583,16 +3535,15 @@
             </a:pPr>
             <a:r>
               <a:rPr lang="en-US" dirty="0" smtClean="0"/>
-              <a:t>Implied IN Bid in nearby/deferred spread = Bid in nearby – Ask in deferred</a:t>
-            </a:r>
-            <a:endParaRPr lang="en-US" dirty="0"/>
+              <a:t>Implied OUT ask in deferred = ask in nearby – bid in spread nearby/deferred</a:t>
+            </a:r>
           </a:p>
         </p:txBody>
       </p:sp>
     </p:spTree>
     <p:extLst>
       <p:ext uri="{BB962C8B-B14F-4D97-AF65-F5344CB8AC3E}">
-        <p14:creationId xmlns:p14="http://schemas.microsoft.com/office/powerpoint/2010/main" val="2060120788"/>
+        <p14:creationId xmlns:p14="http://schemas.microsoft.com/office/powerpoint/2010/main" val="4238843867"/>
       </p:ext>
     </p:extLst>
   </p:cSld>
@@ -3643,7 +3594,15 @@
           <a:p>
             <a:r>
               <a:rPr lang="en-US" dirty="0" smtClean="0"/>
-              <a:t>CME – Implied Out Bid</a:t>
+              <a:t>CME – 2</a:t>
+            </a:r>
+            <a:r>
+              <a:rPr lang="en-US" baseline="30000" dirty="0" smtClean="0"/>
+              <a:t>nd</a:t>
+            </a:r>
+            <a:r>
+              <a:rPr lang="en-US" dirty="0" smtClean="0"/>
+              <a:t> Generation Implied</a:t>
             </a:r>
             <a:endParaRPr lang="en-US" dirty="0"/>
           </a:p>
@@ -3662,7 +3621,7 @@
         <p:spPr/>
         <p:txBody>
           <a:bodyPr>
-            <a:normAutofit fontScale="92500" lnSpcReduction="20000"/>
+            <a:normAutofit lnSpcReduction="10000"/>
           </a:bodyPr>
           <a:lstStyle/>
           <a:p>
@@ -3670,12 +3629,8 @@
               <a:buNone/>
             </a:pPr>
             <a:r>
-              <a:rPr lang="en-US" dirty="0" smtClean="0"/>
-              <a:t>1</a:t>
-            </a:r>
-            <a:r>
               <a:rPr lang="en-US" dirty="0"/>
-              <a:t>. There is a Bid in SIZ6 at 13955.</a:t>
+              <a:t>1. There is an Implied OUT Bid in the SIZ6 at 14010.</a:t>
             </a:r>
           </a:p>
           <a:p>
@@ -3684,7 +3639,16 @@
             </a:pPr>
             <a:r>
               <a:rPr lang="en-US" dirty="0"/>
-              <a:t>2. There is an Ask in the Silver calendar spread of SIZ6-SIG7 at -74</a:t>
+              <a:t>2. There is a real order for a 2-lot Ask in the SIF7 at 13995.</a:t>
+            </a:r>
+          </a:p>
+          <a:p>
+            <a:pPr marL="0" indent="0">
+              <a:buNone/>
+            </a:pPr>
+            <a:r>
+              <a:rPr lang="en-US" dirty="0"/>
+              <a:t>3. This creates an Implied 2nd Gen IN Bid order in the SIZ6-SIF7 at 15</a:t>
             </a:r>
             <a:r>
               <a:rPr lang="en-US" dirty="0" smtClean="0"/>
@@ -3695,46 +3659,23 @@
             <a:pPr marL="0" indent="0">
               <a:buNone/>
             </a:pPr>
-            <a:r>
-              <a:rPr lang="en-US" dirty="0"/>
-              <a:t>3. This creates an Implied OUT Bid in SIG7 at 14029.</a:t>
-            </a:r>
+            <a:endParaRPr lang="en-US" dirty="0"/>
           </a:p>
           <a:p>
             <a:pPr marL="0" indent="0">
               <a:buNone/>
             </a:pPr>
             <a:r>
-              <a:rPr lang="en-US" dirty="0"/>
-              <a:t>4. All implied OUT bids are rounded down to the next standard tick.</a:t>
-            </a:r>
-          </a:p>
-          <a:p>
-            <a:pPr marL="0" indent="0">
-              <a:buNone/>
-            </a:pPr>
-            <a:r>
-              <a:rPr lang="en-US" dirty="0"/>
-              <a:t>5. Implied OUT Bid is created in SIG7 at 14025</a:t>
-            </a:r>
-            <a:r>
               <a:rPr lang="en-US" dirty="0" smtClean="0"/>
-              <a:t>.</a:t>
-            </a:r>
-          </a:p>
-          <a:p>
-            <a:pPr marL="0" indent="0">
-              <a:buNone/>
-            </a:pPr>
-            <a:endParaRPr lang="en-US" dirty="0"/>
-          </a:p>
-          <a:p>
-            <a:pPr marL="0" indent="0">
-              <a:buNone/>
-            </a:pPr>
+              <a:t>2</a:t>
+            </a:r>
+            <a:r>
+              <a:rPr lang="en-US" baseline="30000" dirty="0" smtClean="0"/>
+              <a:t>nd</a:t>
+            </a:r>
             <a:r>
               <a:rPr lang="en-US" dirty="0" smtClean="0"/>
-              <a:t>Implied OUT bid in deferred = Bid in nearby – Ask in spread of nearby/deferred</a:t>
+              <a:t> generation implied IN bid in spread = implied bid in nearby – ask in deferred</a:t>
             </a:r>
           </a:p>
         </p:txBody>
@@ -3742,7 +3683,7 @@
     </p:spTree>
     <p:extLst>
       <p:ext uri="{BB962C8B-B14F-4D97-AF65-F5344CB8AC3E}">
-        <p14:creationId xmlns:p14="http://schemas.microsoft.com/office/powerpoint/2010/main" val="170838426"/>
+        <p14:creationId xmlns:p14="http://schemas.microsoft.com/office/powerpoint/2010/main" val="1254939572"/>
       </p:ext>
     </p:extLst>
   </p:cSld>
@@ -3793,7 +3734,7 @@
           <a:p>
             <a:r>
               <a:rPr lang="en-US" dirty="0" smtClean="0"/>
-              <a:t>CME – Implied Out Ask</a:t>
+              <a:t>Generalizing</a:t>
             </a:r>
             <a:endParaRPr lang="en-US" dirty="0"/>
           </a:p>
@@ -3811,80 +3752,39 @@
         </p:nvSpPr>
         <p:spPr/>
         <p:txBody>
-          <a:bodyPr>
-            <a:normAutofit fontScale="85000" lnSpcReduction="10000"/>
-          </a:bodyPr>
+          <a:bodyPr/>
           <a:lstStyle/>
           <a:p>
-            <a:pPr marL="0" indent="0">
-              <a:buNone/>
-            </a:pPr>
-            <a:r>
-              <a:rPr lang="en-US" dirty="0"/>
-              <a:t>1. There is an Ask in SIZ6 at 13955.</a:t>
-            </a:r>
-          </a:p>
-          <a:p>
-            <a:pPr marL="0" indent="0">
-              <a:buNone/>
-            </a:pPr>
-            <a:r>
-              <a:rPr lang="en-US" dirty="0"/>
-              <a:t>2. There is a Bid in the Silver calendar spread of SIZ6-SIG7 at -74.</a:t>
-            </a:r>
-          </a:p>
-          <a:p>
-            <a:pPr marL="0" indent="0">
-              <a:buNone/>
-            </a:pPr>
-            <a:r>
-              <a:rPr lang="en-US" dirty="0"/>
-              <a:t>3. This calculates an Implied OUT Ask in SIG7 at 14029.</a:t>
-            </a:r>
-          </a:p>
-          <a:p>
-            <a:pPr marL="0" indent="0">
-              <a:buNone/>
-            </a:pPr>
-            <a:r>
-              <a:rPr lang="en-US" dirty="0"/>
-              <a:t>4. All implied OUT asks are rounded up to the next standard tick.</a:t>
-            </a:r>
-          </a:p>
-          <a:p>
-            <a:pPr marL="0" indent="0">
-              <a:buNone/>
-            </a:pPr>
-            <a:r>
-              <a:rPr lang="en-US" dirty="0"/>
-              <a:t>5. Implied OUT Bid is created in SIG7 at 14030</a:t>
-            </a:r>
             <a:r>
               <a:rPr lang="en-US" dirty="0" smtClean="0"/>
-              <a:t>.</a:t>
-            </a:r>
-          </a:p>
-          <a:p>
-            <a:pPr marL="0" indent="0">
-              <a:buNone/>
-            </a:pPr>
+              <a:t>Implied Bid in spread = Bid in nearby – Ask in deferred</a:t>
+            </a:r>
+          </a:p>
+          <a:p>
+            <a:r>
+              <a:rPr lang="en-US" dirty="0" smtClean="0"/>
+              <a:t>Implied Ask in spread = Ask in nearby – Bid in deferred</a:t>
+            </a:r>
+          </a:p>
+          <a:p>
+            <a:r>
+              <a:rPr lang="en-US" dirty="0" smtClean="0"/>
+              <a:t>Implied Bid in deferred = Bid in nearby – Ask in spread</a:t>
+            </a:r>
+          </a:p>
+          <a:p>
+            <a:r>
+              <a:rPr lang="en-US" dirty="0" smtClean="0"/>
+              <a:t>Implied Ask in deferred = Ask in nearby – Bid in spread</a:t>
+            </a:r>
             <a:endParaRPr lang="en-US" dirty="0"/>
-          </a:p>
-          <a:p>
-            <a:pPr marL="0" indent="0">
-              <a:buNone/>
-            </a:pPr>
-            <a:r>
-              <a:rPr lang="en-US" dirty="0" smtClean="0"/>
-              <a:t>Implied OUT ask in deferred = ask in nearby – bid in spread nearby/deferred</a:t>
-            </a:r>
           </a:p>
         </p:txBody>
       </p:sp>
     </p:spTree>
     <p:extLst>
       <p:ext uri="{BB962C8B-B14F-4D97-AF65-F5344CB8AC3E}">
-        <p14:creationId xmlns:p14="http://schemas.microsoft.com/office/powerpoint/2010/main" val="4238843867"/>
+        <p14:creationId xmlns:p14="http://schemas.microsoft.com/office/powerpoint/2010/main" val="2770255972"/>
       </p:ext>
     </p:extLst>
   </p:cSld>
@@ -3935,96 +3835,81 @@
           <a:p>
             <a:r>
               <a:rPr lang="en-US" dirty="0" smtClean="0"/>
-              <a:t>CME – 2</a:t>
-            </a:r>
-            <a:r>
-              <a:rPr lang="en-US" baseline="30000" dirty="0" smtClean="0"/>
-              <a:t>nd</a:t>
+              <a:t>Pure Arbitrage</a:t>
+            </a:r>
+            <a:endParaRPr lang="en-US" dirty="0"/>
+          </a:p>
+        </p:txBody>
+      </p:sp>
+      <p:sp>
+        <p:nvSpPr>
+          <p:cNvPr id="3" name="Content Placeholder 2"/>
+          <p:cNvSpPr>
+            <a:spLocks noGrp="1"/>
+          </p:cNvSpPr>
+          <p:nvPr>
+            <p:ph idx="1"/>
+          </p:nvPr>
+        </p:nvSpPr>
+        <p:spPr/>
+        <p:txBody>
+          <a:bodyPr/>
+          <a:lstStyle/>
+          <a:p>
+            <a:r>
+              <a:rPr lang="en-US" dirty="0" err="1" smtClean="0"/>
+              <a:t>Implieds</a:t>
             </a:r>
             <a:r>
               <a:rPr lang="en-US" dirty="0" smtClean="0"/>
-              <a:t> Generation Implied</a:t>
-            </a:r>
-            <a:endParaRPr lang="en-US" dirty="0"/>
-          </a:p>
-        </p:txBody>
-      </p:sp>
-      <p:sp>
-        <p:nvSpPr>
-          <p:cNvPr id="3" name="Content Placeholder 2"/>
-          <p:cNvSpPr>
-            <a:spLocks noGrp="1"/>
-          </p:cNvSpPr>
-          <p:nvPr>
-            <p:ph idx="1"/>
-          </p:nvPr>
-        </p:nvSpPr>
-        <p:spPr/>
-        <p:txBody>
-          <a:bodyPr>
-            <a:normAutofit lnSpcReduction="10000"/>
-          </a:bodyPr>
-          <a:lstStyle/>
-          <a:p>
-            <a:pPr marL="0" indent="0">
-              <a:buNone/>
-            </a:pPr>
-            <a:r>
-              <a:rPr lang="en-US" dirty="0"/>
-              <a:t>1. There is an Implied OUT Bid in the SIZ6 at 14010.</a:t>
-            </a:r>
-          </a:p>
-          <a:p>
-            <a:pPr marL="0" indent="0">
-              <a:buNone/>
-            </a:pPr>
-            <a:r>
-              <a:rPr lang="en-US" dirty="0"/>
-              <a:t>2. There is a real order for a 2-lot Ask in the SIF7 at 13995.</a:t>
-            </a:r>
-          </a:p>
-          <a:p>
-            <a:pPr marL="0" indent="0">
-              <a:buNone/>
-            </a:pPr>
-            <a:r>
-              <a:rPr lang="en-US" dirty="0"/>
-              <a:t>3. This creates an Implied 2nd Gen IN Bid order in the SIZ6-SIF7 at 15</a:t>
+              <a:t> can result in </a:t>
+            </a:r>
+            <a:r>
+              <a:rPr lang="en-US" dirty="0" err="1" smtClean="0"/>
+              <a:t>multileg</a:t>
             </a:r>
             <a:r>
               <a:rPr lang="en-US" dirty="0" smtClean="0"/>
-              <a:t>.</a:t>
-            </a:r>
-          </a:p>
-          <a:p>
-            <a:pPr marL="0" indent="0">
-              <a:buNone/>
-            </a:pPr>
-            <a:endParaRPr lang="en-US" dirty="0"/>
-          </a:p>
-          <a:p>
-            <a:pPr marL="0" indent="0">
-              <a:buNone/>
-            </a:pPr>
+              <a:t> trades that give a price below the market price</a:t>
+            </a:r>
+          </a:p>
+          <a:p>
+            <a:pPr lvl="1"/>
             <a:r>
               <a:rPr lang="en-US" dirty="0" smtClean="0"/>
-              <a:t>2</a:t>
-            </a:r>
-            <a:r>
-              <a:rPr lang="en-US" baseline="30000" dirty="0" smtClean="0"/>
-              <a:t>nd</a:t>
-            </a:r>
+              <a:t>This is an opportunity for pure arbitrage</a:t>
+            </a:r>
+            <a:endParaRPr lang="en-US" dirty="0" smtClean="0"/>
+          </a:p>
+          <a:p>
             <a:r>
               <a:rPr lang="en-US" dirty="0" smtClean="0"/>
-              <a:t> generation implied IN bid in spread = implied bid in nearby – ask in deferred</a:t>
-            </a:r>
+              <a:t>Buying one of these </a:t>
+            </a:r>
+            <a:r>
+              <a:rPr lang="en-US" dirty="0" err="1" smtClean="0"/>
+              <a:t>multileg</a:t>
+            </a:r>
+            <a:r>
+              <a:rPr lang="en-US" dirty="0" smtClean="0"/>
+              <a:t> instruments gives a butterfly that needs unrolling</a:t>
+            </a:r>
+            <a:endParaRPr lang="en-US" dirty="0" smtClean="0"/>
+          </a:p>
+          <a:p>
+            <a:pPr lvl="1"/>
+            <a:r>
+              <a:rPr lang="en-US" dirty="0" smtClean="0"/>
+              <a:t>The trade can be unrolled at a later date provided the expiration is not immediate</a:t>
+            </a:r>
+            <a:endParaRPr lang="en-US" dirty="0" smtClean="0"/>
           </a:p>
         </p:txBody>
       </p:sp>
     </p:spTree>
     <p:extLst>
       <p:ext uri="{BB962C8B-B14F-4D97-AF65-F5344CB8AC3E}">
-        <p14:creationId xmlns:p14="http://schemas.microsoft.com/office/powerpoint/2010/main" val="1254939572"/>
+        <p14:creationId xmlns:p14="http://schemas.microsoft.com/office/powerpoint/2010/main" val="3937704795"/>
       </p:ext>
     </p:extLst>
   </p:cSld>
@@ -4070,220 +3955,6 @@
         </p:nvSpPr>
         <p:spPr/>
         <p:txBody>
-          <a:bodyPr/>
-          <a:lstStyle/>
-          <a:p>
-            <a:r>
-              <a:rPr lang="en-US" dirty="0" smtClean="0"/>
-              <a:t>Generalizing</a:t>
-            </a:r>
-            <a:endParaRPr lang="en-US" dirty="0"/>
-          </a:p>
-        </p:txBody>
-      </p:sp>
-      <p:sp>
-        <p:nvSpPr>
-          <p:cNvPr id="3" name="Content Placeholder 2"/>
-          <p:cNvSpPr>
-            <a:spLocks noGrp="1"/>
-          </p:cNvSpPr>
-          <p:nvPr>
-            <p:ph idx="1"/>
-          </p:nvPr>
-        </p:nvSpPr>
-        <p:spPr/>
-        <p:txBody>
-          <a:bodyPr/>
-          <a:lstStyle/>
-          <a:p>
-            <a:r>
-              <a:rPr lang="en-US" dirty="0" smtClean="0"/>
-              <a:t>Implied Bid in spread = Bid in nearby – Ask in deferred</a:t>
-            </a:r>
-          </a:p>
-          <a:p>
-            <a:r>
-              <a:rPr lang="en-US" dirty="0" smtClean="0"/>
-              <a:t>Implied Ask in spread = Ask in nearby – Bid in deferred</a:t>
-            </a:r>
-          </a:p>
-          <a:p>
-            <a:r>
-              <a:rPr lang="en-US" dirty="0" smtClean="0"/>
-              <a:t>Implied Bid in deferred = Bid in nearby – Ask in spread</a:t>
-            </a:r>
-          </a:p>
-          <a:p>
-            <a:r>
-              <a:rPr lang="en-US" dirty="0" smtClean="0"/>
-              <a:t>Implied Ask in deferred = Ask in nearby – Bid in spread</a:t>
-            </a:r>
-            <a:endParaRPr lang="en-US" dirty="0"/>
-          </a:p>
-        </p:txBody>
-      </p:sp>
-    </p:spTree>
-    <p:extLst>
-      <p:ext uri="{BB962C8B-B14F-4D97-AF65-F5344CB8AC3E}">
-        <p14:creationId xmlns:p14="http://schemas.microsoft.com/office/powerpoint/2010/main" val="2770255972"/>
-      </p:ext>
-    </p:extLst>
-  </p:cSld>
-  <p:clrMapOvr>
-    <a:masterClrMapping/>
-  </p:clrMapOvr>
-  <p:timing>
-    <p:tnLst>
-      <p:par>
-        <p:cTn xmlns:p14="http://schemas.microsoft.com/office/powerpoint/2010/main" id="1" dur="indefinite" restart="never" nodeType="tmRoot"/>
-      </p:par>
-    </p:tnLst>
-  </p:timing>
-</p:sld>
-</file>
-
-<file path=ppt/slides/slide17.xml><?xml version="1.0" encoding="utf-8"?>
-<p:sld xmlns:a="http://schemas.openxmlformats.org/drawingml/2006/main" xmlns:r="http://schemas.openxmlformats.org/officeDocument/2006/relationships" xmlns:p="http://schemas.openxmlformats.org/presentationml/2006/main">
-  <p:cSld>
-    <p:spTree>
-      <p:nvGrpSpPr>
-        <p:cNvPr id="1" name=""/>
-        <p:cNvGrpSpPr/>
-        <p:nvPr/>
-      </p:nvGrpSpPr>
-      <p:grpSpPr>
-        <a:xfrm>
-          <a:off x="0" y="0"/>
-          <a:ext cx="0" cy="0"/>
-          <a:chOff x="0" y="0"/>
-          <a:chExt cx="0" cy="0"/>
-        </a:xfrm>
-      </p:grpSpPr>
-      <p:sp>
-        <p:nvSpPr>
-          <p:cNvPr id="2" name="Title 1"/>
-          <p:cNvSpPr>
-            <a:spLocks noGrp="1"/>
-          </p:cNvSpPr>
-          <p:nvPr>
-            <p:ph type="title"/>
-          </p:nvPr>
-        </p:nvSpPr>
-        <p:spPr/>
-        <p:txBody>
-          <a:bodyPr/>
-          <a:lstStyle/>
-          <a:p>
-            <a:r>
-              <a:rPr lang="en-US" dirty="0" smtClean="0"/>
-              <a:t>Question</a:t>
-            </a:r>
-            <a:endParaRPr lang="en-US" dirty="0"/>
-          </a:p>
-        </p:txBody>
-      </p:sp>
-      <p:sp>
-        <p:nvSpPr>
-          <p:cNvPr id="3" name="Content Placeholder 2"/>
-          <p:cNvSpPr>
-            <a:spLocks noGrp="1"/>
-          </p:cNvSpPr>
-          <p:nvPr>
-            <p:ph idx="1"/>
-          </p:nvPr>
-        </p:nvSpPr>
-        <p:spPr/>
-        <p:txBody>
-          <a:bodyPr/>
-          <a:lstStyle/>
-          <a:p>
-            <a:r>
-              <a:rPr lang="en-US" dirty="0" smtClean="0"/>
-              <a:t>Are there ever implied OUTs in the nearby?</a:t>
-            </a:r>
-          </a:p>
-          <a:p>
-            <a:r>
-              <a:rPr lang="en-US" dirty="0" smtClean="0"/>
-              <a:t>E.g.</a:t>
-            </a:r>
-          </a:p>
-          <a:p>
-            <a:pPr lvl="1"/>
-            <a:r>
-              <a:rPr lang="en-US" dirty="0"/>
-              <a:t>Implied Bid in nearby = Bid in deferred + Bid in spread</a:t>
-            </a:r>
-          </a:p>
-          <a:p>
-            <a:pPr lvl="1"/>
-            <a:r>
-              <a:rPr lang="en-US" dirty="0"/>
-              <a:t>Implied Ask in nearby = Ask in deferred + ask in </a:t>
-            </a:r>
-            <a:r>
-              <a:rPr lang="en-US" dirty="0" smtClean="0"/>
-              <a:t>spread</a:t>
-            </a:r>
-            <a:endParaRPr lang="en-US" dirty="0"/>
-          </a:p>
-          <a:p>
-            <a:r>
-              <a:rPr lang="en-US" dirty="0" smtClean="0"/>
-              <a:t>See next slide for an example</a:t>
-            </a:r>
-          </a:p>
-        </p:txBody>
-      </p:sp>
-    </p:spTree>
-    <p:extLst>
-      <p:ext uri="{BB962C8B-B14F-4D97-AF65-F5344CB8AC3E}">
-        <p14:creationId xmlns:p14="http://schemas.microsoft.com/office/powerpoint/2010/main" val="1602358065"/>
-      </p:ext>
-    </p:extLst>
-  </p:cSld>
-  <p:clrMapOvr>
-    <a:masterClrMapping/>
-  </p:clrMapOvr>
-  <p:timing>
-    <p:tnLst>
-      <p:par>
-        <p:cTn xmlns:p14="http://schemas.microsoft.com/office/powerpoint/2010/main" id="1" dur="indefinite" restart="never" nodeType="tmRoot"/>
-      </p:par>
-    </p:tnLst>
-  </p:timing>
-</p:sld>
-</file>
-
-<file path=ppt/slides/slide18.xml><?xml version="1.0" encoding="utf-8"?>
-<p:sld xmlns:a="http://schemas.openxmlformats.org/drawingml/2006/main" xmlns:r="http://schemas.openxmlformats.org/officeDocument/2006/relationships" xmlns:p="http://schemas.openxmlformats.org/presentationml/2006/main">
-  <p:cSld>
-    <p:spTree>
-      <p:nvGrpSpPr>
-        <p:cNvPr id="1" name=""/>
-        <p:cNvGrpSpPr/>
-        <p:nvPr/>
-      </p:nvGrpSpPr>
-      <p:grpSpPr>
-        <a:xfrm>
-          <a:off x="0" y="0"/>
-          <a:ext cx="0" cy="0"/>
-          <a:chOff x="0" y="0"/>
-          <a:chExt cx="0" cy="0"/>
-        </a:xfrm>
-      </p:grpSpPr>
-      <p:sp>
-        <p:nvSpPr>
-          <p:cNvPr id="2" name="Title 1"/>
-          <p:cNvSpPr>
-            <a:spLocks noGrp="1"/>
-          </p:cNvSpPr>
-          <p:nvPr>
-            <p:ph type="title"/>
-          </p:nvPr>
-        </p:nvSpPr>
-        <p:spPr/>
-        <p:txBody>
           <a:bodyPr>
             <a:normAutofit fontScale="90000"/>
           </a:bodyPr>
@@ -4291,1408 +3962,78 @@
           <a:p>
             <a:r>
               <a:rPr lang="en-US" dirty="0" smtClean="0"/>
-              <a:t>Question – Is this correctly implied?</a:t>
+              <a:t>Using Implied for an Execution Management System</a:t>
             </a:r>
             <a:endParaRPr lang="en-US" dirty="0"/>
           </a:p>
         </p:txBody>
       </p:sp>
-      <p:grpSp>
-        <p:nvGrpSpPr>
-          <p:cNvPr id="80" name="Group 79"/>
-          <p:cNvGrpSpPr/>
-          <p:nvPr/>
-        </p:nvGrpSpPr>
-        <p:grpSpPr>
-          <a:xfrm>
-            <a:off x="304800" y="3048000"/>
-            <a:ext cx="2819400" cy="1828800"/>
-            <a:chOff x="533400" y="1219200"/>
-            <a:chExt cx="2819400" cy="1828800"/>
-          </a:xfrm>
-        </p:grpSpPr>
-        <p:sp>
-          <p:nvSpPr>
-            <p:cNvPr id="81" name="Rounded Rectangle 80"/>
-            <p:cNvSpPr/>
-            <p:nvPr/>
-          </p:nvSpPr>
-          <p:spPr>
-            <a:xfrm>
-              <a:off x="533400" y="1219200"/>
-              <a:ext cx="2819400" cy="1828800"/>
-            </a:xfrm>
-            <a:prstGeom prst="roundRect">
-              <a:avLst/>
-            </a:prstGeom>
-          </p:spPr>
-          <p:style>
-            <a:lnRef idx="0">
-              <a:schemeClr val="accent6"/>
-            </a:lnRef>
-            <a:fillRef idx="3">
-              <a:schemeClr val="accent6"/>
-            </a:fillRef>
-            <a:effectRef idx="3">
-              <a:schemeClr val="accent6"/>
-            </a:effectRef>
-            <a:fontRef idx="minor">
-              <a:schemeClr val="lt1"/>
-            </a:fontRef>
-          </p:style>
-          <p:txBody>
-            <a:bodyPr rtlCol="0" anchor="ctr"/>
-            <a:lstStyle/>
-            <a:p>
-              <a:pPr algn="ctr"/>
-              <a:endParaRPr lang="en-US"/>
-            </a:p>
-          </p:txBody>
-        </p:sp>
-        <p:sp>
-          <p:nvSpPr>
-            <p:cNvPr id="82" name="Rounded Rectangle 81"/>
-            <p:cNvSpPr/>
-            <p:nvPr/>
-          </p:nvSpPr>
-          <p:spPr>
-            <a:xfrm>
-              <a:off x="601435" y="1295400"/>
-              <a:ext cx="2675165" cy="381000"/>
-            </a:xfrm>
-            <a:prstGeom prst="roundRect">
-              <a:avLst/>
-            </a:prstGeom>
-          </p:spPr>
-          <p:style>
-            <a:lnRef idx="0">
-              <a:schemeClr val="accent1"/>
-            </a:lnRef>
-            <a:fillRef idx="3">
-              <a:schemeClr val="accent1"/>
-            </a:fillRef>
-            <a:effectRef idx="3">
-              <a:schemeClr val="accent1"/>
-            </a:effectRef>
-            <a:fontRef idx="minor">
-              <a:schemeClr val="lt1"/>
-            </a:fontRef>
-          </p:style>
-          <p:txBody>
-            <a:bodyPr rtlCol="0" anchor="ctr"/>
-            <a:lstStyle/>
-            <a:p>
-              <a:pPr algn="ctr"/>
-              <a:r>
-                <a:rPr lang="en-US" dirty="0" smtClean="0"/>
-                <a:t>March/June</a:t>
-              </a:r>
-              <a:endParaRPr lang="en-US" dirty="0"/>
-            </a:p>
-          </p:txBody>
-        </p:sp>
-        <p:sp>
-          <p:nvSpPr>
-            <p:cNvPr id="83" name="Rounded Rectangle 82"/>
-            <p:cNvSpPr/>
-            <p:nvPr/>
-          </p:nvSpPr>
-          <p:spPr>
-            <a:xfrm>
-              <a:off x="605517" y="1741714"/>
-              <a:ext cx="1295400" cy="1230086"/>
-            </a:xfrm>
-            <a:prstGeom prst="roundRect">
-              <a:avLst/>
-            </a:prstGeom>
-          </p:spPr>
-          <p:style>
-            <a:lnRef idx="0">
-              <a:schemeClr val="accent3"/>
-            </a:lnRef>
-            <a:fillRef idx="3">
-              <a:schemeClr val="accent3"/>
-            </a:fillRef>
-            <a:effectRef idx="3">
-              <a:schemeClr val="accent3"/>
-            </a:effectRef>
-            <a:fontRef idx="minor">
-              <a:schemeClr val="lt1"/>
-            </a:fontRef>
-          </p:style>
-          <p:txBody>
-            <a:bodyPr rtlCol="0" anchor="t"/>
-            <a:lstStyle/>
-            <a:p>
-              <a:pPr algn="ctr"/>
-              <a:r>
-                <a:rPr lang="en-US" dirty="0" smtClean="0"/>
-                <a:t>Bid</a:t>
-              </a:r>
-            </a:p>
-          </p:txBody>
-        </p:sp>
-        <p:sp>
-          <p:nvSpPr>
-            <p:cNvPr id="84" name="Rounded Rectangle 83"/>
-            <p:cNvSpPr/>
-            <p:nvPr/>
-          </p:nvSpPr>
-          <p:spPr>
-            <a:xfrm>
-              <a:off x="1981200" y="1741714"/>
-              <a:ext cx="1295400" cy="1230086"/>
-            </a:xfrm>
-            <a:prstGeom prst="roundRect">
-              <a:avLst/>
-            </a:prstGeom>
-          </p:spPr>
-          <p:style>
-            <a:lnRef idx="0">
-              <a:schemeClr val="accent3"/>
-            </a:lnRef>
-            <a:fillRef idx="3">
-              <a:schemeClr val="accent3"/>
-            </a:fillRef>
-            <a:effectRef idx="3">
-              <a:schemeClr val="accent3"/>
-            </a:effectRef>
-            <a:fontRef idx="minor">
-              <a:schemeClr val="lt1"/>
-            </a:fontRef>
-          </p:style>
-          <p:txBody>
-            <a:bodyPr rtlCol="0" anchor="t"/>
-            <a:lstStyle/>
-            <a:p>
-              <a:pPr algn="ctr"/>
-              <a:r>
-                <a:rPr lang="en-US" dirty="0" smtClean="0"/>
-                <a:t>Ask</a:t>
-              </a:r>
-            </a:p>
-            <a:p>
-              <a:pPr algn="ctr"/>
-              <a:endParaRPr lang="en-US" dirty="0" smtClean="0"/>
-            </a:p>
-          </p:txBody>
-        </p:sp>
-      </p:grpSp>
-      <p:grpSp>
-        <p:nvGrpSpPr>
-          <p:cNvPr id="85" name="Group 84"/>
-          <p:cNvGrpSpPr/>
-          <p:nvPr/>
-        </p:nvGrpSpPr>
-        <p:grpSpPr>
-          <a:xfrm>
-            <a:off x="308883" y="4953000"/>
-            <a:ext cx="2819400" cy="1828800"/>
-            <a:chOff x="533400" y="1219200"/>
-            <a:chExt cx="2819400" cy="1828800"/>
-          </a:xfrm>
-        </p:grpSpPr>
-        <p:sp>
-          <p:nvSpPr>
-            <p:cNvPr id="86" name="Rounded Rectangle 85"/>
-            <p:cNvSpPr/>
-            <p:nvPr/>
-          </p:nvSpPr>
-          <p:spPr>
-            <a:xfrm>
-              <a:off x="533400" y="1219200"/>
-              <a:ext cx="2819400" cy="1828800"/>
-            </a:xfrm>
-            <a:prstGeom prst="roundRect">
-              <a:avLst/>
-            </a:prstGeom>
-          </p:spPr>
-          <p:style>
-            <a:lnRef idx="0">
-              <a:schemeClr val="accent6"/>
-            </a:lnRef>
-            <a:fillRef idx="3">
-              <a:schemeClr val="accent6"/>
-            </a:fillRef>
-            <a:effectRef idx="3">
-              <a:schemeClr val="accent6"/>
-            </a:effectRef>
-            <a:fontRef idx="minor">
-              <a:schemeClr val="lt1"/>
-            </a:fontRef>
-          </p:style>
-          <p:txBody>
-            <a:bodyPr rtlCol="0" anchor="ctr"/>
-            <a:lstStyle/>
-            <a:p>
-              <a:pPr algn="ctr"/>
-              <a:endParaRPr lang="en-US"/>
-            </a:p>
-          </p:txBody>
-        </p:sp>
-        <p:sp>
-          <p:nvSpPr>
-            <p:cNvPr id="87" name="Rounded Rectangle 86"/>
-            <p:cNvSpPr/>
-            <p:nvPr/>
-          </p:nvSpPr>
-          <p:spPr>
-            <a:xfrm>
-              <a:off x="601435" y="1295400"/>
-              <a:ext cx="2675165" cy="381000"/>
-            </a:xfrm>
-            <a:prstGeom prst="roundRect">
-              <a:avLst/>
-            </a:prstGeom>
-          </p:spPr>
-          <p:style>
-            <a:lnRef idx="0">
-              <a:schemeClr val="accent1"/>
-            </a:lnRef>
-            <a:fillRef idx="3">
-              <a:schemeClr val="accent1"/>
-            </a:fillRef>
-            <a:effectRef idx="3">
-              <a:schemeClr val="accent1"/>
-            </a:effectRef>
-            <a:fontRef idx="minor">
-              <a:schemeClr val="lt1"/>
-            </a:fontRef>
-          </p:style>
-          <p:txBody>
-            <a:bodyPr rtlCol="0" anchor="ctr"/>
-            <a:lstStyle/>
-            <a:p>
-              <a:pPr algn="ctr"/>
-              <a:r>
-                <a:rPr lang="en-US" dirty="0" smtClean="0"/>
-                <a:t>March/September</a:t>
-              </a:r>
-              <a:endParaRPr lang="en-US" dirty="0"/>
-            </a:p>
-          </p:txBody>
-        </p:sp>
-        <p:sp>
-          <p:nvSpPr>
-            <p:cNvPr id="88" name="Rounded Rectangle 87"/>
-            <p:cNvSpPr/>
-            <p:nvPr/>
-          </p:nvSpPr>
-          <p:spPr>
-            <a:xfrm>
-              <a:off x="605517" y="1741714"/>
-              <a:ext cx="1295400" cy="1230086"/>
-            </a:xfrm>
-            <a:prstGeom prst="roundRect">
-              <a:avLst/>
-            </a:prstGeom>
-          </p:spPr>
-          <p:style>
-            <a:lnRef idx="0">
-              <a:schemeClr val="accent3"/>
-            </a:lnRef>
-            <a:fillRef idx="3">
-              <a:schemeClr val="accent3"/>
-            </a:fillRef>
-            <a:effectRef idx="3">
-              <a:schemeClr val="accent3"/>
-            </a:effectRef>
-            <a:fontRef idx="minor">
-              <a:schemeClr val="lt1"/>
-            </a:fontRef>
-          </p:style>
-          <p:txBody>
-            <a:bodyPr rtlCol="0" anchor="t"/>
-            <a:lstStyle/>
-            <a:p>
-              <a:pPr algn="ctr"/>
-              <a:r>
-                <a:rPr lang="en-US" dirty="0" smtClean="0"/>
-                <a:t>Bid</a:t>
-              </a:r>
-            </a:p>
-          </p:txBody>
-        </p:sp>
-        <p:sp>
-          <p:nvSpPr>
-            <p:cNvPr id="89" name="Rounded Rectangle 88"/>
-            <p:cNvSpPr/>
-            <p:nvPr/>
-          </p:nvSpPr>
-          <p:spPr>
-            <a:xfrm>
-              <a:off x="1981200" y="1741714"/>
-              <a:ext cx="1295400" cy="1230086"/>
-            </a:xfrm>
-            <a:prstGeom prst="roundRect">
-              <a:avLst/>
-            </a:prstGeom>
-          </p:spPr>
-          <p:style>
-            <a:lnRef idx="0">
-              <a:schemeClr val="accent3"/>
-            </a:lnRef>
-            <a:fillRef idx="3">
-              <a:schemeClr val="accent3"/>
-            </a:fillRef>
-            <a:effectRef idx="3">
-              <a:schemeClr val="accent3"/>
-            </a:effectRef>
-            <a:fontRef idx="minor">
-              <a:schemeClr val="lt1"/>
-            </a:fontRef>
-          </p:style>
-          <p:txBody>
-            <a:bodyPr rtlCol="0" anchor="t"/>
-            <a:lstStyle/>
-            <a:p>
-              <a:pPr algn="ctr"/>
-              <a:r>
-                <a:rPr lang="en-US" dirty="0" smtClean="0"/>
-                <a:t>Ask</a:t>
-              </a:r>
-            </a:p>
-          </p:txBody>
-        </p:sp>
-      </p:grpSp>
-      <p:grpSp>
-        <p:nvGrpSpPr>
-          <p:cNvPr id="90" name="Group 89"/>
-          <p:cNvGrpSpPr/>
-          <p:nvPr/>
-        </p:nvGrpSpPr>
-        <p:grpSpPr>
-          <a:xfrm>
-            <a:off x="3204483" y="4963886"/>
-            <a:ext cx="2819400" cy="1828800"/>
-            <a:chOff x="533400" y="1219200"/>
-            <a:chExt cx="2819400" cy="1828800"/>
-          </a:xfrm>
-        </p:grpSpPr>
-        <p:sp>
-          <p:nvSpPr>
-            <p:cNvPr id="91" name="Rounded Rectangle 90"/>
-            <p:cNvSpPr/>
-            <p:nvPr/>
-          </p:nvSpPr>
-          <p:spPr>
-            <a:xfrm>
-              <a:off x="533400" y="1219200"/>
-              <a:ext cx="2819400" cy="1828800"/>
-            </a:xfrm>
-            <a:prstGeom prst="roundRect">
-              <a:avLst/>
-            </a:prstGeom>
-          </p:spPr>
-          <p:style>
-            <a:lnRef idx="0">
-              <a:schemeClr val="accent6"/>
-            </a:lnRef>
-            <a:fillRef idx="3">
-              <a:schemeClr val="accent6"/>
-            </a:fillRef>
-            <a:effectRef idx="3">
-              <a:schemeClr val="accent6"/>
-            </a:effectRef>
-            <a:fontRef idx="minor">
-              <a:schemeClr val="lt1"/>
-            </a:fontRef>
-          </p:style>
-          <p:txBody>
-            <a:bodyPr rtlCol="0" anchor="ctr"/>
-            <a:lstStyle/>
-            <a:p>
-              <a:pPr algn="ctr"/>
-              <a:endParaRPr lang="en-US"/>
-            </a:p>
-          </p:txBody>
-        </p:sp>
-        <p:sp>
-          <p:nvSpPr>
-            <p:cNvPr id="92" name="Rounded Rectangle 91"/>
-            <p:cNvSpPr/>
-            <p:nvPr/>
-          </p:nvSpPr>
-          <p:spPr>
-            <a:xfrm>
-              <a:off x="601435" y="1295400"/>
-              <a:ext cx="2675165" cy="381000"/>
-            </a:xfrm>
-            <a:prstGeom prst="roundRect">
-              <a:avLst/>
-            </a:prstGeom>
-          </p:spPr>
-          <p:style>
-            <a:lnRef idx="0">
-              <a:schemeClr val="accent1"/>
-            </a:lnRef>
-            <a:fillRef idx="3">
-              <a:schemeClr val="accent1"/>
-            </a:fillRef>
-            <a:effectRef idx="3">
-              <a:schemeClr val="accent1"/>
-            </a:effectRef>
-            <a:fontRef idx="minor">
-              <a:schemeClr val="lt1"/>
-            </a:fontRef>
-          </p:style>
-          <p:txBody>
-            <a:bodyPr rtlCol="0" anchor="ctr"/>
-            <a:lstStyle/>
-            <a:p>
-              <a:pPr algn="ctr"/>
-              <a:r>
-                <a:rPr lang="en-US" dirty="0" smtClean="0"/>
-                <a:t>June/September</a:t>
-              </a:r>
-              <a:endParaRPr lang="en-US" dirty="0"/>
-            </a:p>
-          </p:txBody>
-        </p:sp>
-        <p:sp>
-          <p:nvSpPr>
-            <p:cNvPr id="93" name="Rounded Rectangle 92"/>
-            <p:cNvSpPr/>
-            <p:nvPr/>
-          </p:nvSpPr>
-          <p:spPr>
-            <a:xfrm>
-              <a:off x="605517" y="1741714"/>
-              <a:ext cx="1295400" cy="1230086"/>
-            </a:xfrm>
-            <a:prstGeom prst="roundRect">
-              <a:avLst/>
-            </a:prstGeom>
-          </p:spPr>
-          <p:style>
-            <a:lnRef idx="0">
-              <a:schemeClr val="accent3"/>
-            </a:lnRef>
-            <a:fillRef idx="3">
-              <a:schemeClr val="accent3"/>
-            </a:fillRef>
-            <a:effectRef idx="3">
-              <a:schemeClr val="accent3"/>
-            </a:effectRef>
-            <a:fontRef idx="minor">
-              <a:schemeClr val="lt1"/>
-            </a:fontRef>
-          </p:style>
-          <p:txBody>
-            <a:bodyPr rtlCol="0" anchor="t"/>
-            <a:lstStyle/>
-            <a:p>
-              <a:pPr algn="ctr"/>
-              <a:r>
-                <a:rPr lang="en-US" dirty="0" smtClean="0"/>
-                <a:t>Bid</a:t>
-              </a:r>
-            </a:p>
-            <a:p>
-              <a:r>
-                <a:rPr lang="en-US" dirty="0" smtClean="0"/>
-                <a:t>050x00.15</a:t>
-              </a:r>
-              <a:endParaRPr lang="en-US" dirty="0"/>
-            </a:p>
-          </p:txBody>
-        </p:sp>
-        <p:sp>
-          <p:nvSpPr>
-            <p:cNvPr id="94" name="Rounded Rectangle 93"/>
-            <p:cNvSpPr/>
-            <p:nvPr/>
-          </p:nvSpPr>
-          <p:spPr>
-            <a:xfrm>
-              <a:off x="1981200" y="1741714"/>
-              <a:ext cx="1295400" cy="1230086"/>
-            </a:xfrm>
-            <a:prstGeom prst="roundRect">
-              <a:avLst/>
-            </a:prstGeom>
-          </p:spPr>
-          <p:style>
-            <a:lnRef idx="0">
-              <a:schemeClr val="accent3"/>
-            </a:lnRef>
-            <a:fillRef idx="3">
-              <a:schemeClr val="accent3"/>
-            </a:fillRef>
-            <a:effectRef idx="3">
-              <a:schemeClr val="accent3"/>
-            </a:effectRef>
-            <a:fontRef idx="minor">
-              <a:schemeClr val="lt1"/>
-            </a:fontRef>
-          </p:style>
-          <p:txBody>
-            <a:bodyPr rtlCol="0" anchor="t"/>
-            <a:lstStyle/>
-            <a:p>
-              <a:pPr algn="ctr"/>
-              <a:r>
-                <a:rPr lang="en-US" dirty="0" smtClean="0"/>
-                <a:t>Ask</a:t>
-              </a:r>
-            </a:p>
-          </p:txBody>
-        </p:sp>
-      </p:grpSp>
-      <p:grpSp>
-        <p:nvGrpSpPr>
-          <p:cNvPr id="95" name="Group 94"/>
-          <p:cNvGrpSpPr/>
-          <p:nvPr/>
-        </p:nvGrpSpPr>
-        <p:grpSpPr>
-          <a:xfrm>
-            <a:off x="3200400" y="3048000"/>
-            <a:ext cx="2819400" cy="1828800"/>
-            <a:chOff x="533400" y="1219200"/>
-            <a:chExt cx="2819400" cy="1828800"/>
-          </a:xfrm>
-        </p:grpSpPr>
-        <p:sp>
-          <p:nvSpPr>
-            <p:cNvPr id="96" name="Rounded Rectangle 95"/>
-            <p:cNvSpPr/>
-            <p:nvPr/>
-          </p:nvSpPr>
-          <p:spPr>
-            <a:xfrm>
-              <a:off x="533400" y="1219200"/>
-              <a:ext cx="2819400" cy="1828800"/>
-            </a:xfrm>
-            <a:prstGeom prst="roundRect">
-              <a:avLst/>
-            </a:prstGeom>
-          </p:spPr>
-          <p:style>
-            <a:lnRef idx="0">
-              <a:schemeClr val="accent6"/>
-            </a:lnRef>
-            <a:fillRef idx="3">
-              <a:schemeClr val="accent6"/>
-            </a:fillRef>
-            <a:effectRef idx="3">
-              <a:schemeClr val="accent6"/>
-            </a:effectRef>
-            <a:fontRef idx="minor">
-              <a:schemeClr val="lt1"/>
-            </a:fontRef>
-          </p:style>
-          <p:txBody>
-            <a:bodyPr rtlCol="0" anchor="ctr"/>
-            <a:lstStyle/>
-            <a:p>
-              <a:pPr algn="ctr"/>
-              <a:endParaRPr lang="en-US"/>
-            </a:p>
-          </p:txBody>
-        </p:sp>
-        <p:sp>
-          <p:nvSpPr>
-            <p:cNvPr id="97" name="Rounded Rectangle 96"/>
-            <p:cNvSpPr/>
-            <p:nvPr/>
-          </p:nvSpPr>
-          <p:spPr>
-            <a:xfrm>
-              <a:off x="601435" y="1295400"/>
-              <a:ext cx="2675165" cy="381000"/>
-            </a:xfrm>
-            <a:prstGeom prst="roundRect">
-              <a:avLst/>
-            </a:prstGeom>
-          </p:spPr>
-          <p:style>
-            <a:lnRef idx="0">
-              <a:schemeClr val="accent1"/>
-            </a:lnRef>
-            <a:fillRef idx="3">
-              <a:schemeClr val="accent1"/>
-            </a:fillRef>
-            <a:effectRef idx="3">
-              <a:schemeClr val="accent1"/>
-            </a:effectRef>
-            <a:fontRef idx="minor">
-              <a:schemeClr val="lt1"/>
-            </a:fontRef>
-          </p:style>
-          <p:txBody>
-            <a:bodyPr rtlCol="0" anchor="ctr"/>
-            <a:lstStyle/>
-            <a:p>
-              <a:pPr algn="ctr"/>
-              <a:r>
-                <a:rPr lang="en-US" dirty="0" smtClean="0"/>
-                <a:t>June</a:t>
-              </a:r>
-              <a:endParaRPr lang="en-US" dirty="0"/>
-            </a:p>
-          </p:txBody>
-        </p:sp>
-        <p:sp>
-          <p:nvSpPr>
-            <p:cNvPr id="98" name="Rounded Rectangle 97"/>
-            <p:cNvSpPr/>
-            <p:nvPr/>
-          </p:nvSpPr>
-          <p:spPr>
-            <a:xfrm>
-              <a:off x="605517" y="1741714"/>
-              <a:ext cx="1295400" cy="1230086"/>
-            </a:xfrm>
-            <a:prstGeom prst="roundRect">
-              <a:avLst/>
-            </a:prstGeom>
-          </p:spPr>
-          <p:style>
-            <a:lnRef idx="0">
-              <a:schemeClr val="accent3"/>
-            </a:lnRef>
-            <a:fillRef idx="3">
-              <a:schemeClr val="accent3"/>
-            </a:fillRef>
-            <a:effectRef idx="3">
-              <a:schemeClr val="accent3"/>
-            </a:effectRef>
-            <a:fontRef idx="minor">
-              <a:schemeClr val="lt1"/>
-            </a:fontRef>
-          </p:style>
-          <p:txBody>
-            <a:bodyPr rtlCol="0" anchor="t"/>
-            <a:lstStyle/>
-            <a:p>
-              <a:pPr algn="ctr"/>
-              <a:r>
-                <a:rPr lang="en-US" dirty="0" smtClean="0"/>
-                <a:t>Bid</a:t>
-              </a:r>
-            </a:p>
-            <a:p>
-              <a:r>
-                <a:rPr lang="en-US" dirty="0" smtClean="0"/>
-                <a:t>100x95.40</a:t>
-              </a:r>
-            </a:p>
-            <a:p>
-              <a:r>
-                <a:rPr lang="en-US" dirty="0" smtClean="0"/>
-                <a:t>050x95.40</a:t>
-              </a:r>
-              <a:endParaRPr lang="en-US" dirty="0"/>
-            </a:p>
-          </p:txBody>
-        </p:sp>
-        <p:sp>
-          <p:nvSpPr>
-            <p:cNvPr id="99" name="Rounded Rectangle 98"/>
-            <p:cNvSpPr/>
-            <p:nvPr/>
-          </p:nvSpPr>
-          <p:spPr>
-            <a:xfrm>
-              <a:off x="1981200" y="1741714"/>
-              <a:ext cx="1295400" cy="1230086"/>
-            </a:xfrm>
-            <a:prstGeom prst="roundRect">
-              <a:avLst/>
-            </a:prstGeom>
-          </p:spPr>
-          <p:style>
-            <a:lnRef idx="0">
-              <a:schemeClr val="accent3"/>
-            </a:lnRef>
-            <a:fillRef idx="3">
-              <a:schemeClr val="accent3"/>
-            </a:fillRef>
-            <a:effectRef idx="3">
-              <a:schemeClr val="accent3"/>
-            </a:effectRef>
-            <a:fontRef idx="minor">
-              <a:schemeClr val="lt1"/>
-            </a:fontRef>
-          </p:style>
-          <p:txBody>
-            <a:bodyPr rtlCol="0" anchor="t"/>
-            <a:lstStyle/>
-            <a:p>
-              <a:pPr algn="ctr"/>
-              <a:r>
-                <a:rPr lang="en-US" dirty="0" smtClean="0"/>
-                <a:t>Ask</a:t>
-              </a:r>
-            </a:p>
-          </p:txBody>
-        </p:sp>
-      </p:grpSp>
-      <p:grpSp>
-        <p:nvGrpSpPr>
-          <p:cNvPr id="100" name="Group 99"/>
-          <p:cNvGrpSpPr/>
-          <p:nvPr/>
-        </p:nvGrpSpPr>
-        <p:grpSpPr>
-          <a:xfrm>
-            <a:off x="6100083" y="4974772"/>
-            <a:ext cx="2819400" cy="1828800"/>
-            <a:chOff x="533400" y="1219200"/>
-            <a:chExt cx="2819400" cy="1828800"/>
-          </a:xfrm>
-        </p:grpSpPr>
-        <p:sp>
-          <p:nvSpPr>
-            <p:cNvPr id="101" name="Rounded Rectangle 100"/>
-            <p:cNvSpPr/>
-            <p:nvPr/>
-          </p:nvSpPr>
-          <p:spPr>
-            <a:xfrm>
-              <a:off x="533400" y="1219200"/>
-              <a:ext cx="2819400" cy="1828800"/>
-            </a:xfrm>
-            <a:prstGeom prst="roundRect">
-              <a:avLst/>
-            </a:prstGeom>
-          </p:spPr>
-          <p:style>
-            <a:lnRef idx="0">
-              <a:schemeClr val="accent6"/>
-            </a:lnRef>
-            <a:fillRef idx="3">
-              <a:schemeClr val="accent6"/>
-            </a:fillRef>
-            <a:effectRef idx="3">
-              <a:schemeClr val="accent6"/>
-            </a:effectRef>
-            <a:fontRef idx="minor">
-              <a:schemeClr val="lt1"/>
-            </a:fontRef>
-          </p:style>
-          <p:txBody>
-            <a:bodyPr rtlCol="0" anchor="ctr"/>
-            <a:lstStyle/>
-            <a:p>
-              <a:pPr algn="ctr"/>
-              <a:endParaRPr lang="en-US"/>
-            </a:p>
-          </p:txBody>
-        </p:sp>
-        <p:sp>
-          <p:nvSpPr>
-            <p:cNvPr id="102" name="Rounded Rectangle 101"/>
-            <p:cNvSpPr/>
-            <p:nvPr/>
-          </p:nvSpPr>
-          <p:spPr>
-            <a:xfrm>
-              <a:off x="601435" y="1295400"/>
-              <a:ext cx="2675165" cy="381000"/>
-            </a:xfrm>
-            <a:prstGeom prst="roundRect">
-              <a:avLst/>
-            </a:prstGeom>
-          </p:spPr>
-          <p:style>
-            <a:lnRef idx="0">
-              <a:schemeClr val="accent1"/>
-            </a:lnRef>
-            <a:fillRef idx="3">
-              <a:schemeClr val="accent1"/>
-            </a:fillRef>
-            <a:effectRef idx="3">
-              <a:schemeClr val="accent1"/>
-            </a:effectRef>
-            <a:fontRef idx="minor">
-              <a:schemeClr val="lt1"/>
-            </a:fontRef>
-          </p:style>
-          <p:txBody>
-            <a:bodyPr rtlCol="0" anchor="ctr"/>
-            <a:lstStyle/>
-            <a:p>
-              <a:pPr algn="ctr"/>
-              <a:r>
-                <a:rPr lang="en-US" dirty="0" smtClean="0"/>
-                <a:t>September</a:t>
-              </a:r>
-              <a:endParaRPr lang="en-US" dirty="0"/>
-            </a:p>
-          </p:txBody>
-        </p:sp>
-        <p:sp>
-          <p:nvSpPr>
-            <p:cNvPr id="103" name="Rounded Rectangle 102"/>
-            <p:cNvSpPr/>
-            <p:nvPr/>
-          </p:nvSpPr>
-          <p:spPr>
-            <a:xfrm>
-              <a:off x="605517" y="1741714"/>
-              <a:ext cx="1295400" cy="1230086"/>
-            </a:xfrm>
-            <a:prstGeom prst="roundRect">
-              <a:avLst/>
-            </a:prstGeom>
-          </p:spPr>
-          <p:style>
-            <a:lnRef idx="0">
-              <a:schemeClr val="accent3"/>
-            </a:lnRef>
-            <a:fillRef idx="3">
-              <a:schemeClr val="accent3"/>
-            </a:fillRef>
-            <a:effectRef idx="3">
-              <a:schemeClr val="accent3"/>
-            </a:effectRef>
-            <a:fontRef idx="minor">
-              <a:schemeClr val="lt1"/>
-            </a:fontRef>
-          </p:style>
-          <p:txBody>
-            <a:bodyPr rtlCol="0" anchor="t"/>
-            <a:lstStyle/>
-            <a:p>
-              <a:pPr algn="ctr"/>
-              <a:r>
-                <a:rPr lang="en-US" dirty="0" smtClean="0"/>
-                <a:t>Bid</a:t>
-              </a:r>
-            </a:p>
-            <a:p>
-              <a:r>
-                <a:rPr lang="en-US" dirty="0" smtClean="0"/>
-                <a:t>100x95.25</a:t>
-              </a:r>
-              <a:endParaRPr lang="en-US" dirty="0"/>
-            </a:p>
-          </p:txBody>
-        </p:sp>
-        <p:sp>
-          <p:nvSpPr>
-            <p:cNvPr id="104" name="Rounded Rectangle 103"/>
-            <p:cNvSpPr/>
-            <p:nvPr/>
-          </p:nvSpPr>
-          <p:spPr>
-            <a:xfrm>
-              <a:off x="1981200" y="1741714"/>
-              <a:ext cx="1295400" cy="1230086"/>
-            </a:xfrm>
-            <a:prstGeom prst="roundRect">
-              <a:avLst/>
-            </a:prstGeom>
-          </p:spPr>
-          <p:style>
-            <a:lnRef idx="0">
-              <a:schemeClr val="accent3"/>
-            </a:lnRef>
-            <a:fillRef idx="3">
-              <a:schemeClr val="accent3"/>
-            </a:fillRef>
-            <a:effectRef idx="3">
-              <a:schemeClr val="accent3"/>
-            </a:effectRef>
-            <a:fontRef idx="minor">
-              <a:schemeClr val="lt1"/>
-            </a:fontRef>
-          </p:style>
-          <p:txBody>
-            <a:bodyPr rtlCol="0" anchor="t"/>
-            <a:lstStyle/>
-            <a:p>
-              <a:pPr algn="ctr"/>
-              <a:r>
-                <a:rPr lang="en-US" dirty="0" smtClean="0"/>
-                <a:t>Ask</a:t>
-              </a:r>
-            </a:p>
-          </p:txBody>
-        </p:sp>
-      </p:grpSp>
-      <p:grpSp>
-        <p:nvGrpSpPr>
-          <p:cNvPr id="105" name="Group 104"/>
-          <p:cNvGrpSpPr/>
-          <p:nvPr/>
-        </p:nvGrpSpPr>
-        <p:grpSpPr>
-          <a:xfrm>
-            <a:off x="308883" y="1143000"/>
-            <a:ext cx="2819400" cy="1828800"/>
-            <a:chOff x="533400" y="1219200"/>
-            <a:chExt cx="2819400" cy="1828800"/>
-          </a:xfrm>
-        </p:grpSpPr>
-        <p:sp>
-          <p:nvSpPr>
-            <p:cNvPr id="106" name="Rounded Rectangle 105"/>
-            <p:cNvSpPr/>
-            <p:nvPr/>
-          </p:nvSpPr>
-          <p:spPr>
-            <a:xfrm>
-              <a:off x="533400" y="1219200"/>
-              <a:ext cx="2819400" cy="1828800"/>
-            </a:xfrm>
-            <a:prstGeom prst="roundRect">
-              <a:avLst/>
-            </a:prstGeom>
-          </p:spPr>
-          <p:style>
-            <a:lnRef idx="0">
-              <a:schemeClr val="accent6"/>
-            </a:lnRef>
-            <a:fillRef idx="3">
-              <a:schemeClr val="accent6"/>
-            </a:fillRef>
-            <a:effectRef idx="3">
-              <a:schemeClr val="accent6"/>
-            </a:effectRef>
-            <a:fontRef idx="minor">
-              <a:schemeClr val="lt1"/>
-            </a:fontRef>
-          </p:style>
-          <p:txBody>
-            <a:bodyPr rtlCol="0" anchor="ctr"/>
-            <a:lstStyle/>
-            <a:p>
-              <a:pPr algn="ctr"/>
-              <a:endParaRPr lang="en-US"/>
-            </a:p>
-          </p:txBody>
-        </p:sp>
-        <p:sp>
-          <p:nvSpPr>
-            <p:cNvPr id="107" name="Rounded Rectangle 106"/>
-            <p:cNvSpPr/>
-            <p:nvPr/>
-          </p:nvSpPr>
-          <p:spPr>
-            <a:xfrm>
-              <a:off x="601435" y="1295400"/>
-              <a:ext cx="2675165" cy="381000"/>
-            </a:xfrm>
-            <a:prstGeom prst="roundRect">
-              <a:avLst/>
-            </a:prstGeom>
-          </p:spPr>
-          <p:style>
-            <a:lnRef idx="0">
-              <a:schemeClr val="accent1"/>
-            </a:lnRef>
-            <a:fillRef idx="3">
-              <a:schemeClr val="accent1"/>
-            </a:fillRef>
-            <a:effectRef idx="3">
-              <a:schemeClr val="accent1"/>
-            </a:effectRef>
-            <a:fontRef idx="minor">
-              <a:schemeClr val="lt1"/>
-            </a:fontRef>
-          </p:style>
-          <p:txBody>
-            <a:bodyPr rtlCol="0" anchor="ctr"/>
-            <a:lstStyle/>
-            <a:p>
-              <a:pPr algn="ctr"/>
-              <a:r>
-                <a:rPr lang="en-US" dirty="0" smtClean="0"/>
-                <a:t>March</a:t>
-              </a:r>
-              <a:endParaRPr lang="en-US" dirty="0"/>
-            </a:p>
-          </p:txBody>
-        </p:sp>
-        <p:sp>
-          <p:nvSpPr>
-            <p:cNvPr id="108" name="Rounded Rectangle 107"/>
-            <p:cNvSpPr/>
-            <p:nvPr/>
-          </p:nvSpPr>
-          <p:spPr>
-            <a:xfrm>
-              <a:off x="605517" y="1741714"/>
-              <a:ext cx="1295400" cy="1230086"/>
-            </a:xfrm>
-            <a:prstGeom prst="roundRect">
-              <a:avLst/>
-            </a:prstGeom>
-          </p:spPr>
-          <p:style>
-            <a:lnRef idx="0">
-              <a:schemeClr val="accent3"/>
-            </a:lnRef>
-            <a:fillRef idx="3">
-              <a:schemeClr val="accent3"/>
-            </a:fillRef>
-            <a:effectRef idx="3">
-              <a:schemeClr val="accent3"/>
-            </a:effectRef>
-            <a:fontRef idx="minor">
-              <a:schemeClr val="lt1"/>
-            </a:fontRef>
-          </p:style>
-          <p:txBody>
-            <a:bodyPr rtlCol="0" anchor="t"/>
-            <a:lstStyle/>
-            <a:p>
-              <a:pPr algn="ctr"/>
-              <a:r>
-                <a:rPr lang="en-US" dirty="0" smtClean="0"/>
-                <a:t>Bid</a:t>
-              </a:r>
-            </a:p>
-            <a:p>
-              <a:r>
-                <a:rPr lang="en-US" dirty="0" smtClean="0"/>
-                <a:t>150x95.50</a:t>
-              </a:r>
-              <a:endParaRPr lang="en-US" dirty="0"/>
-            </a:p>
-          </p:txBody>
-        </p:sp>
-        <p:sp>
-          <p:nvSpPr>
-            <p:cNvPr id="109" name="Rounded Rectangle 108"/>
-            <p:cNvSpPr/>
-            <p:nvPr/>
-          </p:nvSpPr>
-          <p:spPr>
-            <a:xfrm>
-              <a:off x="1981200" y="1741714"/>
-              <a:ext cx="1295400" cy="1230086"/>
-            </a:xfrm>
-            <a:prstGeom prst="roundRect">
-              <a:avLst/>
-            </a:prstGeom>
-          </p:spPr>
-          <p:style>
-            <a:lnRef idx="0">
-              <a:schemeClr val="accent3"/>
-            </a:lnRef>
-            <a:fillRef idx="3">
-              <a:schemeClr val="accent3"/>
-            </a:fillRef>
-            <a:effectRef idx="3">
-              <a:schemeClr val="accent3"/>
-            </a:effectRef>
-            <a:fontRef idx="minor">
-              <a:schemeClr val="lt1"/>
-            </a:fontRef>
-          </p:style>
-          <p:txBody>
-            <a:bodyPr rtlCol="0" anchor="t"/>
-            <a:lstStyle/>
-            <a:p>
-              <a:pPr algn="ctr"/>
-              <a:r>
-                <a:rPr lang="en-US" dirty="0" smtClean="0"/>
-                <a:t>Ask</a:t>
-              </a:r>
-            </a:p>
-          </p:txBody>
-        </p:sp>
-      </p:grpSp>
-      <p:cxnSp>
-        <p:nvCxnSpPr>
-          <p:cNvPr id="4" name="Straight Arrow Connector 3"/>
-          <p:cNvCxnSpPr>
-            <a:endCxn id="47" idx="2"/>
-          </p:cNvCxnSpPr>
-          <p:nvPr/>
-        </p:nvCxnSpPr>
-        <p:spPr>
-          <a:xfrm flipV="1">
-            <a:off x="7162800" y="2856131"/>
-            <a:ext cx="16886" cy="2971800"/>
-          </a:xfrm>
-          <a:prstGeom prst="straightConnector1">
-            <a:avLst/>
-          </a:prstGeom>
-          <a:ln>
-            <a:tailEnd type="arrow"/>
-          </a:ln>
-        </p:spPr>
-        <p:style>
-          <a:lnRef idx="3">
-            <a:schemeClr val="dk1"/>
-          </a:lnRef>
-          <a:fillRef idx="0">
-            <a:schemeClr val="dk1"/>
-          </a:fillRef>
-          <a:effectRef idx="2">
-            <a:schemeClr val="dk1"/>
-          </a:effectRef>
-          <a:fontRef idx="minor">
-            <a:schemeClr val="tx1"/>
-          </a:fontRef>
-        </p:style>
-      </p:cxnSp>
-      <p:sp>
-        <p:nvSpPr>
-          <p:cNvPr id="47" name="TextBox 46"/>
-          <p:cNvSpPr txBox="1"/>
-          <p:nvPr/>
-        </p:nvSpPr>
-        <p:spPr>
-          <a:xfrm>
-            <a:off x="5425044" y="2209800"/>
-            <a:ext cx="3509283" cy="646331"/>
-          </a:xfrm>
-          <a:prstGeom prst="rect">
-            <a:avLst/>
-          </a:prstGeom>
-          <a:noFill/>
-        </p:spPr>
-        <p:txBody>
-          <a:bodyPr wrap="square" rtlCol="0">
-            <a:spAutoFit/>
+      <p:sp>
+        <p:nvSpPr>
+          <p:cNvPr id="3" name="Content Placeholder 2"/>
+          <p:cNvSpPr>
+            <a:spLocks noGrp="1"/>
+          </p:cNvSpPr>
+          <p:nvPr>
+            <p:ph idx="1"/>
+          </p:nvPr>
+        </p:nvSpPr>
+        <p:spPr/>
+        <p:txBody>
+          <a:bodyPr>
+            <a:normAutofit/>
           </a:bodyPr>
           <a:lstStyle/>
           <a:p>
             <a:r>
+              <a:rPr lang="en-US" dirty="0" err="1" smtClean="0"/>
+              <a:t>Implieds</a:t>
+            </a:r>
+            <a:r>
               <a:rPr lang="en-US" dirty="0" smtClean="0"/>
-              <a:t>Bid in Deferred + Bid in spread = Implied OUT bid in nearby</a:t>
-            </a:r>
-            <a:endParaRPr lang="en-US" dirty="0"/>
-          </a:p>
-        </p:txBody>
-      </p:sp>
-      <p:cxnSp>
-        <p:nvCxnSpPr>
-          <p:cNvPr id="45" name="Straight Arrow Connector 44"/>
-          <p:cNvCxnSpPr/>
-          <p:nvPr/>
-        </p:nvCxnSpPr>
-        <p:spPr>
-          <a:xfrm flipH="1">
-            <a:off x="4343400" y="2743200"/>
-            <a:ext cx="1238250" cy="1522631"/>
-          </a:xfrm>
-          <a:prstGeom prst="straightConnector1">
-            <a:avLst/>
-          </a:prstGeom>
-          <a:ln>
-            <a:tailEnd type="arrow"/>
-          </a:ln>
-        </p:spPr>
-        <p:style>
-          <a:lnRef idx="3">
-            <a:schemeClr val="dk1"/>
-          </a:lnRef>
-          <a:fillRef idx="0">
-            <a:schemeClr val="dk1"/>
-          </a:fillRef>
-          <a:effectRef idx="2">
-            <a:schemeClr val="dk1"/>
-          </a:effectRef>
-          <a:fontRef idx="minor">
-            <a:schemeClr val="tx1"/>
-          </a:fontRef>
-        </p:style>
-      </p:cxnSp>
-      <p:cxnSp>
-        <p:nvCxnSpPr>
-          <p:cNvPr id="48" name="Straight Arrow Connector 47"/>
-          <p:cNvCxnSpPr/>
-          <p:nvPr/>
-        </p:nvCxnSpPr>
-        <p:spPr>
-          <a:xfrm flipV="1">
-            <a:off x="4343400" y="2895600"/>
-            <a:ext cx="2476500" cy="2993572"/>
-          </a:xfrm>
-          <a:prstGeom prst="straightConnector1">
-            <a:avLst/>
-          </a:prstGeom>
-          <a:ln>
-            <a:tailEnd type="arrow"/>
-          </a:ln>
-        </p:spPr>
-        <p:style>
-          <a:lnRef idx="3">
-            <a:schemeClr val="dk1"/>
-          </a:lnRef>
-          <a:fillRef idx="0">
-            <a:schemeClr val="dk1"/>
-          </a:fillRef>
-          <a:effectRef idx="2">
-            <a:schemeClr val="dk1"/>
-          </a:effectRef>
-          <a:fontRef idx="minor">
-            <a:schemeClr val="tx1"/>
-          </a:fontRef>
-        </p:style>
-      </p:cxnSp>
+              <a:t> can give volumes that would result in an immediate fill</a:t>
+            </a:r>
+          </a:p>
+          <a:p>
+            <a:pPr lvl="1"/>
+            <a:r>
+              <a:rPr lang="en-US" dirty="0" smtClean="0"/>
+              <a:t>This effectively allows traders to jump the queue</a:t>
+            </a:r>
+          </a:p>
+          <a:p>
+            <a:r>
+              <a:rPr lang="en-US" dirty="0" smtClean="0"/>
+              <a:t>For traders willing to take on risk, </a:t>
+            </a:r>
+            <a:r>
+              <a:rPr lang="en-US" dirty="0" err="1" smtClean="0"/>
+              <a:t>implieds</a:t>
+            </a:r>
+            <a:r>
+              <a:rPr lang="en-US"/>
+              <a:t> </a:t>
+            </a:r>
+            <a:r>
+              <a:rPr lang="en-US" smtClean="0"/>
+              <a:t>can </a:t>
+            </a:r>
+            <a:r>
+              <a:rPr lang="en-US" dirty="0" smtClean="0"/>
+              <a:t>be used to </a:t>
+            </a:r>
+            <a:r>
+              <a:rPr lang="en-US" dirty="0" smtClean="0"/>
+              <a:t>quickly enter the market potentially at an initial profit</a:t>
+            </a:r>
+            <a:endParaRPr lang="en-US" dirty="0" smtClean="0"/>
+          </a:p>
+        </p:txBody>
+      </p:sp>
     </p:spTree>
     <p:extLst>
       <p:ext uri="{BB962C8B-B14F-4D97-AF65-F5344CB8AC3E}">
-        <p14:creationId xmlns:p14="http://schemas.microsoft.com/office/powerpoint/2010/main" val="832609892"/>
-      </p:ext>
-    </p:extLst>
-  </p:cSld>
-  <p:clrMapOvr>
-    <a:masterClrMapping/>
-  </p:clrMapOvr>
-  <p:timing>
-    <p:tnLst>
-      <p:par>
-        <p:cTn xmlns:p14="http://schemas.microsoft.com/office/powerpoint/2010/main" id="1" dur="indefinite" restart="never" nodeType="tmRoot"/>
-      </p:par>
-    </p:tnLst>
-  </p:timing>
-</p:sld>
-</file>
-
-<file path=ppt/slides/slide19.xml><?xml version="1.0" encoding="utf-8"?>
-<p:sld xmlns:a="http://schemas.openxmlformats.org/drawingml/2006/main" xmlns:r="http://schemas.openxmlformats.org/officeDocument/2006/relationships" xmlns:p="http://schemas.openxmlformats.org/presentationml/2006/main">
-  <p:cSld>
-    <p:spTree>
-      <p:nvGrpSpPr>
-        <p:cNvPr id="1" name=""/>
-        <p:cNvGrpSpPr/>
-        <p:nvPr/>
-      </p:nvGrpSpPr>
-      <p:grpSpPr>
-        <a:xfrm>
-          <a:off x="0" y="0"/>
-          <a:ext cx="0" cy="0"/>
-          <a:chOff x="0" y="0"/>
-          <a:chExt cx="0" cy="0"/>
-        </a:xfrm>
-      </p:grpSpPr>
-      <p:sp>
-        <p:nvSpPr>
-          <p:cNvPr id="2" name="Title 1"/>
-          <p:cNvSpPr>
-            <a:spLocks noGrp="1"/>
-          </p:cNvSpPr>
-          <p:nvPr>
-            <p:ph type="title"/>
-          </p:nvPr>
-        </p:nvSpPr>
-        <p:spPr/>
-        <p:txBody>
-          <a:bodyPr/>
-          <a:lstStyle/>
-          <a:p>
-            <a:r>
-              <a:rPr lang="en-US" dirty="0" smtClean="0"/>
-              <a:t>Question</a:t>
-            </a:r>
-            <a:endParaRPr lang="en-US" dirty="0"/>
-          </a:p>
-        </p:txBody>
-      </p:sp>
-      <p:sp>
-        <p:nvSpPr>
-          <p:cNvPr id="3" name="Content Placeholder 2"/>
-          <p:cNvSpPr>
-            <a:spLocks noGrp="1"/>
-          </p:cNvSpPr>
-          <p:nvPr>
-            <p:ph idx="1"/>
-          </p:nvPr>
-        </p:nvSpPr>
-        <p:spPr/>
-        <p:txBody>
-          <a:bodyPr/>
-          <a:lstStyle/>
-          <a:p>
-            <a:r>
-              <a:rPr lang="en-US" dirty="0" smtClean="0"/>
-              <a:t>Would an example of a 3</a:t>
-            </a:r>
-            <a:r>
-              <a:rPr lang="en-US" baseline="30000" dirty="0" smtClean="0"/>
-              <a:t>rd</a:t>
-            </a:r>
-            <a:r>
-              <a:rPr lang="en-US" dirty="0" smtClean="0"/>
-              <a:t> generation implied be:</a:t>
-            </a:r>
-          </a:p>
-          <a:p>
-            <a:r>
-              <a:rPr lang="en-US" dirty="0" smtClean="0"/>
-              <a:t>Implied^3 </a:t>
-            </a:r>
-            <a:r>
-              <a:rPr lang="en-US" dirty="0"/>
-              <a:t>bid in spread = </a:t>
-            </a:r>
-            <a:r>
-              <a:rPr lang="en-US" dirty="0" smtClean="0"/>
-              <a:t>implied </a:t>
-            </a:r>
-            <a:r>
-              <a:rPr lang="en-US" dirty="0"/>
-              <a:t>bid in nearby </a:t>
-            </a:r>
-            <a:r>
-              <a:rPr lang="en-US" dirty="0" smtClean="0"/>
-              <a:t>–implied^2 </a:t>
-            </a:r>
-            <a:r>
-              <a:rPr lang="en-US" dirty="0"/>
-              <a:t>ask in </a:t>
-            </a:r>
-            <a:r>
-              <a:rPr lang="en-US" dirty="0" smtClean="0"/>
-              <a:t>deferred</a:t>
-            </a:r>
-          </a:p>
-          <a:p>
-            <a:r>
-              <a:rPr lang="en-US" dirty="0" smtClean="0"/>
-              <a:t>Implied^3 </a:t>
-            </a:r>
-            <a:r>
-              <a:rPr lang="en-US" dirty="0"/>
-              <a:t>bid in spread = </a:t>
-            </a:r>
-            <a:r>
-              <a:rPr lang="en-US" dirty="0" smtClean="0"/>
-              <a:t>implied^2 </a:t>
-            </a:r>
-            <a:r>
-              <a:rPr lang="en-US" dirty="0"/>
-              <a:t>bid in nearby – </a:t>
-            </a:r>
-            <a:r>
-              <a:rPr lang="en-US" dirty="0" smtClean="0"/>
-              <a:t>implied^2 </a:t>
-            </a:r>
-            <a:r>
-              <a:rPr lang="en-US" dirty="0"/>
-              <a:t>ask in deferred</a:t>
-            </a:r>
-          </a:p>
-          <a:p>
-            <a:r>
-              <a:rPr lang="en-US" dirty="0" smtClean="0"/>
-              <a:t>Are both the above examples termed 3</a:t>
-            </a:r>
-            <a:r>
-              <a:rPr lang="en-US" baseline="30000" dirty="0" smtClean="0"/>
-              <a:t>rd</a:t>
-            </a:r>
-            <a:r>
-              <a:rPr lang="en-US" dirty="0" smtClean="0"/>
-              <a:t> generation?</a:t>
-            </a:r>
-            <a:endParaRPr lang="en-US" dirty="0"/>
-          </a:p>
-        </p:txBody>
-      </p:sp>
-    </p:spTree>
-    <p:extLst>
-      <p:ext uri="{BB962C8B-B14F-4D97-AF65-F5344CB8AC3E}">
-        <p14:creationId xmlns:p14="http://schemas.microsoft.com/office/powerpoint/2010/main" val="3877822862"/>
+        <p14:creationId xmlns:p14="http://schemas.microsoft.com/office/powerpoint/2010/main" val="4187688032"/>
       </p:ext>
     </p:extLst>
   </p:cSld>
@@ -5857,545 +4198,6 @@
 </p:sld>
 </file>
 
-<file path=ppt/slides/slide20.xml><?xml version="1.0" encoding="utf-8"?>
-<p:sld xmlns:a="http://schemas.openxmlformats.org/drawingml/2006/main" xmlns:r="http://schemas.openxmlformats.org/officeDocument/2006/relationships" xmlns:p="http://schemas.openxmlformats.org/presentationml/2006/main">
-  <p:cSld>
-    <p:spTree>
-      <p:nvGrpSpPr>
-        <p:cNvPr id="1" name=""/>
-        <p:cNvGrpSpPr/>
-        <p:nvPr/>
-      </p:nvGrpSpPr>
-      <p:grpSpPr>
-        <a:xfrm>
-          <a:off x="0" y="0"/>
-          <a:ext cx="0" cy="0"/>
-          <a:chOff x="0" y="0"/>
-          <a:chExt cx="0" cy="0"/>
-        </a:xfrm>
-      </p:grpSpPr>
-      <p:sp>
-        <p:nvSpPr>
-          <p:cNvPr id="2" name="Title 1"/>
-          <p:cNvSpPr>
-            <a:spLocks noGrp="1"/>
-          </p:cNvSpPr>
-          <p:nvPr>
-            <p:ph type="title"/>
-          </p:nvPr>
-        </p:nvSpPr>
-        <p:spPr/>
-        <p:txBody>
-          <a:bodyPr/>
-          <a:lstStyle/>
-          <a:p>
-            <a:r>
-              <a:rPr lang="en-US" smtClean="0"/>
-              <a:t>Possibly Related?</a:t>
-            </a:r>
-            <a:endParaRPr lang="en-US" dirty="0"/>
-          </a:p>
-        </p:txBody>
-      </p:sp>
-      <p:sp>
-        <p:nvSpPr>
-          <p:cNvPr id="3" name="Content Placeholder 2"/>
-          <p:cNvSpPr>
-            <a:spLocks noGrp="1"/>
-          </p:cNvSpPr>
-          <p:nvPr>
-            <p:ph idx="1"/>
-          </p:nvPr>
-        </p:nvSpPr>
-        <p:spPr/>
-        <p:txBody>
-          <a:bodyPr/>
-          <a:lstStyle/>
-          <a:p>
-            <a:r>
-              <a:rPr lang="en-US" dirty="0">
-                <a:hlinkClick r:id="rId2"/>
-              </a:rPr>
-              <a:t>http://</a:t>
-            </a:r>
-            <a:r>
-              <a:rPr lang="en-US" dirty="0" smtClean="0">
-                <a:hlinkClick r:id="rId2"/>
-              </a:rPr>
-              <a:t>www.google.com/patents?vid=USPAT7039610</a:t>
-            </a:r>
-            <a:endParaRPr lang="en-US" dirty="0" smtClean="0"/>
-          </a:p>
-          <a:p>
-            <a:endParaRPr lang="en-US" dirty="0"/>
-          </a:p>
-        </p:txBody>
-      </p:sp>
-    </p:spTree>
-    <p:extLst>
-      <p:ext uri="{BB962C8B-B14F-4D97-AF65-F5344CB8AC3E}">
-        <p14:creationId xmlns:p14="http://schemas.microsoft.com/office/powerpoint/2010/main" val="4244845833"/>
-      </p:ext>
-    </p:extLst>
-  </p:cSld>
-  <p:clrMapOvr>
-    <a:masterClrMapping/>
-  </p:clrMapOvr>
-  <p:timing>
-    <p:tnLst>
-      <p:par>
-        <p:cTn xmlns:p14="http://schemas.microsoft.com/office/powerpoint/2010/main" id="1" dur="indefinite" restart="never" nodeType="tmRoot"/>
-      </p:par>
-    </p:tnLst>
-  </p:timing>
-</p:sld>
-</file>
-
-<file path=ppt/slides/slide21.xml><?xml version="1.0" encoding="utf-8"?>
-<p:sld xmlns:a="http://schemas.openxmlformats.org/drawingml/2006/main" xmlns:r="http://schemas.openxmlformats.org/officeDocument/2006/relationships" xmlns:p="http://schemas.openxmlformats.org/presentationml/2006/main">
-  <p:cSld>
-    <p:spTree>
-      <p:nvGrpSpPr>
-        <p:cNvPr id="1" name=""/>
-        <p:cNvGrpSpPr/>
-        <p:nvPr/>
-      </p:nvGrpSpPr>
-      <p:grpSpPr>
-        <a:xfrm>
-          <a:off x="0" y="0"/>
-          <a:ext cx="0" cy="0"/>
-          <a:chOff x="0" y="0"/>
-          <a:chExt cx="0" cy="0"/>
-        </a:xfrm>
-      </p:grpSpPr>
-      <p:sp>
-        <p:nvSpPr>
-          <p:cNvPr id="2" name="Title 1"/>
-          <p:cNvSpPr>
-            <a:spLocks noGrp="1"/>
-          </p:cNvSpPr>
-          <p:nvPr>
-            <p:ph type="title"/>
-          </p:nvPr>
-        </p:nvSpPr>
-        <p:spPr/>
-        <p:txBody>
-          <a:bodyPr/>
-          <a:lstStyle/>
-          <a:p>
-            <a:r>
-              <a:rPr lang="en-US" dirty="0" smtClean="0"/>
-              <a:t>Exchange Connectivity – ICE</a:t>
-            </a:r>
-            <a:endParaRPr lang="en-US" dirty="0"/>
-          </a:p>
-        </p:txBody>
-      </p:sp>
-      <p:sp>
-        <p:nvSpPr>
-          <p:cNvPr id="3" name="Content Placeholder 2"/>
-          <p:cNvSpPr>
-            <a:spLocks noGrp="1"/>
-          </p:cNvSpPr>
-          <p:nvPr>
-            <p:ph idx="1"/>
-          </p:nvPr>
-        </p:nvSpPr>
-        <p:spPr/>
-        <p:txBody>
-          <a:bodyPr/>
-          <a:lstStyle/>
-          <a:p>
-            <a:r>
-              <a:rPr lang="en-US" dirty="0" smtClean="0"/>
-              <a:t>FIX 4.2</a:t>
-            </a:r>
-          </a:p>
-          <a:p>
-            <a:r>
-              <a:rPr lang="en-US" dirty="0">
-                <a:hlinkClick r:id="rId2"/>
-              </a:rPr>
-              <a:t>https://</a:t>
-            </a:r>
-            <a:r>
-              <a:rPr lang="en-US" dirty="0" smtClean="0">
-                <a:hlinkClick r:id="rId2"/>
-              </a:rPr>
-              <a:t>www.theice.com/connectivity.jhtml</a:t>
-            </a:r>
-          </a:p>
-          <a:p>
-            <a:r>
-              <a:rPr lang="en-US" dirty="0" smtClean="0">
-                <a:hlinkClick r:id="rId2"/>
-              </a:rPr>
-              <a:t>https</a:t>
-            </a:r>
-            <a:r>
-              <a:rPr lang="en-US" dirty="0">
-                <a:hlinkClick r:id="rId2"/>
-              </a:rPr>
-              <a:t>://</a:t>
-            </a:r>
-            <a:r>
-              <a:rPr lang="en-US" dirty="0" smtClean="0">
-                <a:hlinkClick r:id="rId2"/>
-              </a:rPr>
-              <a:t>www.theice.com/api.jhtml</a:t>
-            </a:r>
-            <a:endParaRPr lang="en-US" dirty="0" smtClean="0"/>
-          </a:p>
-          <a:p>
-            <a:r>
-              <a:rPr lang="en-US" dirty="0" smtClean="0"/>
-              <a:t>Colocation available in Chicago</a:t>
-            </a:r>
-          </a:p>
-          <a:p>
-            <a:pPr lvl="1"/>
-            <a:r>
-              <a:rPr lang="en-US" dirty="0" smtClean="0"/>
-              <a:t>Chicago </a:t>
-            </a:r>
-            <a:r>
-              <a:rPr lang="en-US" dirty="0" err="1" smtClean="0"/>
-              <a:t>CoLo</a:t>
-            </a:r>
-            <a:endParaRPr lang="en-US" dirty="0" smtClean="0"/>
-          </a:p>
-          <a:p>
-            <a:pPr lvl="1"/>
-            <a:r>
-              <a:rPr lang="en-US" dirty="0" smtClean="0"/>
-              <a:t>$4000 installation</a:t>
-            </a:r>
-          </a:p>
-          <a:p>
-            <a:pPr lvl="1"/>
-            <a:r>
-              <a:rPr lang="en-US" dirty="0" smtClean="0"/>
-              <a:t>$3500/month</a:t>
-            </a:r>
-          </a:p>
-        </p:txBody>
-      </p:sp>
-    </p:spTree>
-    <p:extLst>
-      <p:ext uri="{BB962C8B-B14F-4D97-AF65-F5344CB8AC3E}">
-        <p14:creationId xmlns:p14="http://schemas.microsoft.com/office/powerpoint/2010/main" val="24666976"/>
-      </p:ext>
-    </p:extLst>
-  </p:cSld>
-  <p:clrMapOvr>
-    <a:masterClrMapping/>
-  </p:clrMapOvr>
-</p:sld>
-</file>
-
-<file path=ppt/slides/slide22.xml><?xml version="1.0" encoding="utf-8"?>
-<p:sld xmlns:a="http://schemas.openxmlformats.org/drawingml/2006/main" xmlns:r="http://schemas.openxmlformats.org/officeDocument/2006/relationships" xmlns:p="http://schemas.openxmlformats.org/presentationml/2006/main">
-  <p:cSld>
-    <p:spTree>
-      <p:nvGrpSpPr>
-        <p:cNvPr id="1" name=""/>
-        <p:cNvGrpSpPr/>
-        <p:nvPr/>
-      </p:nvGrpSpPr>
-      <p:grpSpPr>
-        <a:xfrm>
-          <a:off x="0" y="0"/>
-          <a:ext cx="0" cy="0"/>
-          <a:chOff x="0" y="0"/>
-          <a:chExt cx="0" cy="0"/>
-        </a:xfrm>
-      </p:grpSpPr>
-      <p:sp>
-        <p:nvSpPr>
-          <p:cNvPr id="2" name="Title 1"/>
-          <p:cNvSpPr>
-            <a:spLocks noGrp="1"/>
-          </p:cNvSpPr>
-          <p:nvPr>
-            <p:ph type="title"/>
-          </p:nvPr>
-        </p:nvSpPr>
-        <p:spPr/>
-        <p:txBody>
-          <a:bodyPr/>
-          <a:lstStyle/>
-          <a:p>
-            <a:r>
-              <a:rPr lang="en-US" dirty="0" smtClean="0"/>
-              <a:t>Exchange Connectivity – CME</a:t>
-            </a:r>
-            <a:endParaRPr lang="en-US" dirty="0"/>
-          </a:p>
-        </p:txBody>
-      </p:sp>
-      <p:sp>
-        <p:nvSpPr>
-          <p:cNvPr id="3" name="Content Placeholder 2"/>
-          <p:cNvSpPr>
-            <a:spLocks noGrp="1"/>
-          </p:cNvSpPr>
-          <p:nvPr>
-            <p:ph idx="1"/>
-          </p:nvPr>
-        </p:nvSpPr>
-        <p:spPr/>
-        <p:txBody>
-          <a:bodyPr>
-            <a:normAutofit/>
-          </a:bodyPr>
-          <a:lstStyle/>
-          <a:p>
-            <a:r>
-              <a:rPr lang="en-US" dirty="0"/>
-              <a:t>FIX 5.0 - FIX/FAST</a:t>
-            </a:r>
-            <a:endParaRPr lang="en-US" dirty="0" smtClean="0"/>
-          </a:p>
-          <a:p>
-            <a:pPr lvl="1"/>
-            <a:r>
-              <a:rPr lang="en-US" dirty="0">
-                <a:hlinkClick r:id="rId2"/>
-              </a:rPr>
-              <a:t>http://</a:t>
-            </a:r>
-            <a:r>
-              <a:rPr lang="en-US" dirty="0" smtClean="0">
-                <a:hlinkClick r:id="rId2"/>
-              </a:rPr>
-              <a:t>www.fixprotocol.org/fast</a:t>
-            </a:r>
-            <a:endParaRPr lang="en-US" dirty="0" smtClean="0"/>
-          </a:p>
-          <a:p>
-            <a:pPr lvl="1"/>
-            <a:r>
-              <a:rPr lang="en-US" dirty="0">
-                <a:hlinkClick r:id="rId3"/>
-              </a:rPr>
-              <a:t>http://</a:t>
-            </a:r>
-            <a:r>
-              <a:rPr lang="en-US" dirty="0" smtClean="0">
-                <a:hlinkClick r:id="rId3"/>
-              </a:rPr>
-              <a:t>www.fixprotocol.org/products/detail/5474</a:t>
-            </a:r>
-            <a:endParaRPr lang="en-US" dirty="0" smtClean="0"/>
-          </a:p>
-          <a:p>
-            <a:r>
-              <a:rPr lang="en-US" dirty="0" smtClean="0">
-                <a:hlinkClick r:id="rId4"/>
-              </a:rPr>
-              <a:t>http</a:t>
-            </a:r>
-            <a:r>
-              <a:rPr lang="en-US" dirty="0">
-                <a:hlinkClick r:id="rId4"/>
-              </a:rPr>
-              <a:t>://www.cmegroup.com/globex/files/connectivityoptions.pdf</a:t>
-            </a:r>
-            <a:endParaRPr lang="en-US" dirty="0"/>
-          </a:p>
-          <a:p>
-            <a:r>
-              <a:rPr lang="en-US" dirty="0" smtClean="0"/>
-              <a:t>Colocation available in Chicago</a:t>
-            </a:r>
-          </a:p>
-          <a:p>
-            <a:pPr lvl="1"/>
-            <a:r>
-              <a:rPr lang="en-US" dirty="0" smtClean="0"/>
-              <a:t>CME </a:t>
-            </a:r>
-            <a:r>
-              <a:rPr lang="en-US" dirty="0" err="1" smtClean="0"/>
-              <a:t>DIRECTLink</a:t>
-            </a:r>
-            <a:r>
-              <a:rPr lang="en-US" dirty="0" smtClean="0"/>
-              <a:t> </a:t>
-            </a:r>
-          </a:p>
-        </p:txBody>
-      </p:sp>
-    </p:spTree>
-    <p:extLst>
-      <p:ext uri="{BB962C8B-B14F-4D97-AF65-F5344CB8AC3E}">
-        <p14:creationId xmlns:p14="http://schemas.microsoft.com/office/powerpoint/2010/main" val="3716820503"/>
-      </p:ext>
-    </p:extLst>
-  </p:cSld>
-  <p:clrMapOvr>
-    <a:masterClrMapping/>
-  </p:clrMapOvr>
-</p:sld>
-</file>
-
-<file path=ppt/slides/slide23.xml><?xml version="1.0" encoding="utf-8"?>
-<p:sld xmlns:a="http://schemas.openxmlformats.org/drawingml/2006/main" xmlns:r="http://schemas.openxmlformats.org/officeDocument/2006/relationships" xmlns:p="http://schemas.openxmlformats.org/presentationml/2006/main">
-  <p:cSld>
-    <p:spTree>
-      <p:nvGrpSpPr>
-        <p:cNvPr id="1" name=""/>
-        <p:cNvGrpSpPr/>
-        <p:nvPr/>
-      </p:nvGrpSpPr>
-      <p:grpSpPr>
-        <a:xfrm>
-          <a:off x="0" y="0"/>
-          <a:ext cx="0" cy="0"/>
-          <a:chOff x="0" y="0"/>
-          <a:chExt cx="0" cy="0"/>
-        </a:xfrm>
-      </p:grpSpPr>
-      <p:sp>
-        <p:nvSpPr>
-          <p:cNvPr id="2" name="Title 1"/>
-          <p:cNvSpPr>
-            <a:spLocks noGrp="1"/>
-          </p:cNvSpPr>
-          <p:nvPr>
-            <p:ph type="title"/>
-          </p:nvPr>
-        </p:nvSpPr>
-        <p:spPr/>
-        <p:txBody>
-          <a:bodyPr/>
-          <a:lstStyle/>
-          <a:p>
-            <a:r>
-              <a:rPr lang="en-US" dirty="0" smtClean="0"/>
-              <a:t>Exchange Connectivity – LIFFE</a:t>
-            </a:r>
-            <a:endParaRPr lang="en-US" dirty="0"/>
-          </a:p>
-        </p:txBody>
-      </p:sp>
-      <p:sp>
-        <p:nvSpPr>
-          <p:cNvPr id="3" name="Content Placeholder 2"/>
-          <p:cNvSpPr>
-            <a:spLocks noGrp="1"/>
-          </p:cNvSpPr>
-          <p:nvPr>
-            <p:ph idx="1"/>
-          </p:nvPr>
-        </p:nvSpPr>
-        <p:spPr/>
-        <p:txBody>
-          <a:bodyPr>
-            <a:normAutofit lnSpcReduction="10000"/>
-          </a:bodyPr>
-          <a:lstStyle/>
-          <a:p>
-            <a:r>
-              <a:rPr lang="en-US"/>
-              <a:t>Proprietary </a:t>
-            </a:r>
-            <a:r>
-              <a:rPr lang="en-US" smtClean="0"/>
-              <a:t>C++ API</a:t>
-            </a:r>
-            <a:endParaRPr lang="en-US" dirty="0"/>
-          </a:p>
-          <a:p>
-            <a:pPr lvl="1"/>
-            <a:r>
-              <a:rPr lang="en-US" dirty="0">
-                <a:hlinkClick r:id="rId2"/>
-              </a:rPr>
-              <a:t>http://www.euronext.com/fic/000/010/645/106455.pdf</a:t>
-            </a:r>
-            <a:endParaRPr lang="en-US" dirty="0"/>
-          </a:p>
-          <a:p>
-            <a:r>
-              <a:rPr lang="en-US" dirty="0" smtClean="0">
-                <a:hlinkClick r:id="rId3"/>
-              </a:rPr>
-              <a:t>http</a:t>
-            </a:r>
-            <a:r>
-              <a:rPr lang="en-US" dirty="0">
-                <a:hlinkClick r:id="rId3"/>
-              </a:rPr>
-              <a:t>://</a:t>
-            </a:r>
-            <a:r>
-              <a:rPr lang="en-US" dirty="0" smtClean="0">
-                <a:hlinkClick r:id="rId3"/>
-              </a:rPr>
-              <a:t>www.euronext.com/fic/000/010/619/106194.pdf</a:t>
-            </a:r>
-            <a:endParaRPr lang="en-US" dirty="0" smtClean="0"/>
-          </a:p>
-          <a:p>
-            <a:r>
-              <a:rPr lang="en-US" dirty="0" smtClean="0"/>
-              <a:t>Colocation available in London?</a:t>
-            </a:r>
-            <a:endParaRPr lang="en-US" dirty="0"/>
-          </a:p>
-          <a:p>
-            <a:pPr lvl="1"/>
-            <a:r>
-              <a:rPr lang="en-US" dirty="0" smtClean="0"/>
-              <a:t>Direct </a:t>
-            </a:r>
-            <a:r>
-              <a:rPr lang="en-US" dirty="0"/>
-              <a:t>access to LIFFE CONNECT™ is </a:t>
-            </a:r>
-            <a:r>
-              <a:rPr lang="en-US" dirty="0" smtClean="0"/>
-              <a:t>available to </a:t>
-            </a:r>
-            <a:r>
-              <a:rPr lang="en-US" dirty="0"/>
-              <a:t>an exchange member or to an affiliate of </a:t>
-            </a:r>
-            <a:r>
-              <a:rPr lang="en-US" dirty="0" smtClean="0"/>
-              <a:t>an existing </a:t>
-            </a:r>
-            <a:r>
-              <a:rPr lang="en-US" dirty="0"/>
-              <a:t>member</a:t>
-            </a:r>
-            <a:r>
-              <a:rPr lang="en-US" dirty="0" smtClean="0"/>
-              <a:t>.</a:t>
-            </a:r>
-          </a:p>
-          <a:p>
-            <a:pPr marL="457200" lvl="1" indent="0">
-              <a:buNone/>
-            </a:pPr>
-            <a:endParaRPr lang="en-US" dirty="0" smtClean="0"/>
-          </a:p>
-        </p:txBody>
-      </p:sp>
-    </p:spTree>
-    <p:extLst>
-      <p:ext uri="{BB962C8B-B14F-4D97-AF65-F5344CB8AC3E}">
-        <p14:creationId xmlns:p14="http://schemas.microsoft.com/office/powerpoint/2010/main" val="3788737332"/>
-      </p:ext>
-    </p:extLst>
-  </p:cSld>
-  <p:clrMapOvr>
-    <a:masterClrMapping/>
-  </p:clrMapOvr>
-</p:sld>
-</file>
-
 <file path=ppt/slides/slide3.xml><?xml version="1.0" encoding="utf-8"?>
 <p:sld xmlns:a="http://schemas.openxmlformats.org/drawingml/2006/main" xmlns:r="http://schemas.openxmlformats.org/officeDocument/2006/relationships" xmlns:p="http://schemas.openxmlformats.org/presentationml/2006/main">
   <p:cSld>
@@ -6499,300 +4301,6 @@
 </file>
 
 <file path=ppt/slides/slide4.xml><?xml version="1.0" encoding="utf-8"?>
-<p:sld xmlns:a="http://schemas.openxmlformats.org/drawingml/2006/main" xmlns:r="http://schemas.openxmlformats.org/officeDocument/2006/relationships" xmlns:p="http://schemas.openxmlformats.org/presentationml/2006/main">
-  <p:cSld>
-    <p:spTree>
-      <p:nvGrpSpPr>
-        <p:cNvPr id="1" name=""/>
-        <p:cNvGrpSpPr/>
-        <p:nvPr/>
-      </p:nvGrpSpPr>
-      <p:grpSpPr>
-        <a:xfrm>
-          <a:off x="0" y="0"/>
-          <a:ext cx="0" cy="0"/>
-          <a:chOff x="0" y="0"/>
-          <a:chExt cx="0" cy="0"/>
-        </a:xfrm>
-      </p:grpSpPr>
-      <p:sp>
-        <p:nvSpPr>
-          <p:cNvPr id="2" name="Title 1"/>
-          <p:cNvSpPr>
-            <a:spLocks noGrp="1"/>
-          </p:cNvSpPr>
-          <p:nvPr>
-            <p:ph type="title"/>
-          </p:nvPr>
-        </p:nvSpPr>
-        <p:spPr/>
-        <p:txBody>
-          <a:bodyPr/>
-          <a:lstStyle/>
-          <a:p>
-            <a:r>
-              <a:rPr lang="en-US" dirty="0" smtClean="0"/>
-              <a:t>Question</a:t>
-            </a:r>
-            <a:endParaRPr lang="en-US" dirty="0"/>
-          </a:p>
-        </p:txBody>
-      </p:sp>
-      <p:sp>
-        <p:nvSpPr>
-          <p:cNvPr id="3" name="Content Placeholder 2"/>
-          <p:cNvSpPr>
-            <a:spLocks noGrp="1"/>
-          </p:cNvSpPr>
-          <p:nvPr>
-            <p:ph idx="1"/>
-          </p:nvPr>
-        </p:nvSpPr>
-        <p:spPr/>
-        <p:txBody>
-          <a:bodyPr>
-            <a:noAutofit/>
-          </a:bodyPr>
-          <a:lstStyle/>
-          <a:p>
-            <a:pPr marL="342900" lvl="1" indent="-342900">
-              <a:buFont typeface="Arial" pitchFamily="34" charset="0"/>
-              <a:buChar char="•"/>
-            </a:pPr>
-            <a:r>
-              <a:rPr lang="en-US" sz="3000" dirty="0" smtClean="0"/>
-              <a:t>Do people buying the spread account for the bid </a:t>
-            </a:r>
-            <a:r>
-              <a:rPr lang="en-US" sz="3000" dirty="0"/>
-              <a:t>value in a spread </a:t>
-            </a:r>
-            <a:r>
-              <a:rPr lang="en-US" sz="3000" dirty="0" smtClean="0"/>
-              <a:t>matrix for example the March/June bid?</a:t>
-            </a:r>
-          </a:p>
-          <a:p>
-            <a:pPr marL="342900" lvl="1" indent="-342900">
-              <a:buFont typeface="Arial" pitchFamily="34" charset="0"/>
-              <a:buChar char="•"/>
-            </a:pPr>
-            <a:r>
-              <a:rPr lang="en-US" sz="3000" dirty="0"/>
-              <a:t>Do people </a:t>
-            </a:r>
-            <a:r>
-              <a:rPr lang="en-US" sz="3000" dirty="0" smtClean="0"/>
-              <a:t>selling the </a:t>
-            </a:r>
-            <a:r>
-              <a:rPr lang="en-US" sz="3000" dirty="0"/>
-              <a:t>spread account for the </a:t>
-            </a:r>
-            <a:r>
-              <a:rPr lang="en-US" sz="3000" dirty="0" smtClean="0"/>
-              <a:t>ask value </a:t>
-            </a:r>
-            <a:r>
-              <a:rPr lang="en-US" sz="3000" dirty="0"/>
-              <a:t>in a spread </a:t>
-            </a:r>
-            <a:r>
-              <a:rPr lang="en-US" sz="3000" dirty="0" smtClean="0"/>
-              <a:t>matrix</a:t>
-            </a:r>
-            <a:r>
-              <a:rPr lang="en-US" sz="3000" dirty="0"/>
-              <a:t> </a:t>
-            </a:r>
-            <a:r>
-              <a:rPr lang="en-US" sz="3000" dirty="0" smtClean="0"/>
-              <a:t>for example the March/June ask?</a:t>
-            </a:r>
-            <a:endParaRPr lang="en-US" sz="3000" dirty="0"/>
-          </a:p>
-        </p:txBody>
-      </p:sp>
-    </p:spTree>
-    <p:extLst>
-      <p:ext uri="{BB962C8B-B14F-4D97-AF65-F5344CB8AC3E}">
-        <p14:creationId xmlns:p14="http://schemas.microsoft.com/office/powerpoint/2010/main" val="2182704888"/>
-      </p:ext>
-    </p:extLst>
-  </p:cSld>
-  <p:clrMapOvr>
-    <a:masterClrMapping/>
-  </p:clrMapOvr>
-  <p:timing>
-    <p:tnLst>
-      <p:par>
-        <p:cTn xmlns:p14="http://schemas.microsoft.com/office/powerpoint/2010/main" id="1" dur="indefinite" restart="never" nodeType="tmRoot"/>
-      </p:par>
-    </p:tnLst>
-  </p:timing>
-</p:sld>
-</file>
-
-<file path=ppt/slides/slide5.xml><?xml version="1.0" encoding="utf-8"?>
-<p:sld xmlns:a="http://schemas.openxmlformats.org/drawingml/2006/main" xmlns:r="http://schemas.openxmlformats.org/officeDocument/2006/relationships" xmlns:p="http://schemas.openxmlformats.org/presentationml/2006/main">
-  <p:cSld>
-    <p:spTree>
-      <p:nvGrpSpPr>
-        <p:cNvPr id="1" name=""/>
-        <p:cNvGrpSpPr/>
-        <p:nvPr/>
-      </p:nvGrpSpPr>
-      <p:grpSpPr>
-        <a:xfrm>
-          <a:off x="0" y="0"/>
-          <a:ext cx="0" cy="0"/>
-          <a:chOff x="0" y="0"/>
-          <a:chExt cx="0" cy="0"/>
-        </a:xfrm>
-      </p:grpSpPr>
-      <p:sp>
-        <p:nvSpPr>
-          <p:cNvPr id="2" name="Title 1"/>
-          <p:cNvSpPr>
-            <a:spLocks noGrp="1"/>
-          </p:cNvSpPr>
-          <p:nvPr>
-            <p:ph type="title"/>
-          </p:nvPr>
-        </p:nvSpPr>
-        <p:spPr/>
-        <p:txBody>
-          <a:bodyPr/>
-          <a:lstStyle/>
-          <a:p>
-            <a:r>
-              <a:rPr lang="en-US" dirty="0" smtClean="0"/>
-              <a:t>Question</a:t>
-            </a:r>
-            <a:endParaRPr lang="en-US" dirty="0"/>
-          </a:p>
-        </p:txBody>
-      </p:sp>
-      <p:sp>
-        <p:nvSpPr>
-          <p:cNvPr id="3" name="Content Placeholder 2"/>
-          <p:cNvSpPr>
-            <a:spLocks noGrp="1"/>
-          </p:cNvSpPr>
-          <p:nvPr>
-            <p:ph idx="1"/>
-          </p:nvPr>
-        </p:nvSpPr>
-        <p:spPr/>
-        <p:txBody>
-          <a:bodyPr>
-            <a:noAutofit/>
-          </a:bodyPr>
-          <a:lstStyle/>
-          <a:p>
-            <a:r>
-              <a:rPr lang="en-US" sz="3000" dirty="0" smtClean="0"/>
-              <a:t>Are the bids and asks for the spreads all implied INs or do markets support trading the spread natively?</a:t>
-            </a:r>
-          </a:p>
-          <a:p>
-            <a:pPr lvl="1"/>
-            <a:r>
-              <a:rPr lang="en-US" sz="2600" dirty="0"/>
-              <a:t>For example, if I want to buy the March/June </a:t>
-            </a:r>
-            <a:r>
-              <a:rPr lang="en-US" sz="2600" dirty="0" smtClean="0"/>
-              <a:t>spread:</a:t>
-            </a:r>
-            <a:endParaRPr lang="en-US" sz="2600" dirty="0"/>
-          </a:p>
-          <a:p>
-            <a:pPr marL="914400" lvl="2" indent="0">
-              <a:buNone/>
-            </a:pPr>
-            <a:r>
-              <a:rPr lang="en-US" sz="2200" dirty="0"/>
-              <a:t>1. </a:t>
-            </a:r>
-            <a:r>
-              <a:rPr lang="en-US" sz="2200" dirty="0" smtClean="0"/>
-              <a:t>Must I buy </a:t>
-            </a:r>
-            <a:r>
-              <a:rPr lang="en-US" sz="2200" dirty="0"/>
-              <a:t>a March contract and sell a June contract</a:t>
-            </a:r>
-          </a:p>
-          <a:p>
-            <a:pPr marL="914400" lvl="2" indent="0">
-              <a:buNone/>
-            </a:pPr>
-            <a:r>
-              <a:rPr lang="en-US" sz="2200" dirty="0"/>
-              <a:t>2. Or is it possible to buy a single instrument that represents the March/June spread</a:t>
-            </a:r>
-            <a:r>
-              <a:rPr lang="en-US" sz="2200" dirty="0" smtClean="0"/>
-              <a:t>?</a:t>
-            </a:r>
-            <a:endParaRPr lang="en-US" sz="3000" dirty="0" smtClean="0"/>
-          </a:p>
-          <a:p>
-            <a:r>
-              <a:rPr lang="en-US" sz="3000" dirty="0" smtClean="0"/>
-              <a:t>It looks like the answer is 2 for CME – see RT in this:</a:t>
-            </a:r>
-            <a:endParaRPr lang="en-US" sz="3000" dirty="0"/>
-          </a:p>
-          <a:p>
-            <a:pPr lvl="1"/>
-            <a:r>
-              <a:rPr lang="en-US" sz="2600" dirty="0" smtClean="0">
-                <a:hlinkClick r:id="rId2"/>
-              </a:rPr>
-              <a:t>http</a:t>
-            </a:r>
-            <a:r>
-              <a:rPr lang="en-US" sz="2600" dirty="0">
-                <a:hlinkClick r:id="rId2"/>
-              </a:rPr>
-              <a:t>://</a:t>
-            </a:r>
-            <a:r>
-              <a:rPr lang="en-US" sz="2600" dirty="0" smtClean="0">
-                <a:hlinkClick r:id="rId2"/>
-              </a:rPr>
-              <a:t>www.cmegroup.com/globex/files/SDKcomexFutures.pdf</a:t>
-            </a:r>
-            <a:endParaRPr lang="en-US" sz="2600" dirty="0" smtClean="0"/>
-          </a:p>
-          <a:p>
-            <a:endParaRPr lang="en-US" sz="3000" dirty="0" smtClean="0"/>
-          </a:p>
-        </p:txBody>
-      </p:sp>
-    </p:spTree>
-    <p:extLst>
-      <p:ext uri="{BB962C8B-B14F-4D97-AF65-F5344CB8AC3E}">
-        <p14:creationId xmlns:p14="http://schemas.microsoft.com/office/powerpoint/2010/main" val="845656557"/>
-      </p:ext>
-    </p:extLst>
-  </p:cSld>
-  <p:clrMapOvr>
-    <a:masterClrMapping/>
-  </p:clrMapOvr>
-  <p:timing>
-    <p:tnLst>
-      <p:par>
-        <p:cTn xmlns:p14="http://schemas.microsoft.com/office/powerpoint/2010/main" id="1" dur="indefinite" restart="never" nodeType="tmRoot"/>
-      </p:par>
-    </p:tnLst>
-  </p:timing>
-</p:sld>
-</file>
-
-<file path=ppt/slides/slide6.xml><?xml version="1.0" encoding="utf-8"?>
 <p:sld xmlns:a="http://schemas.openxmlformats.org/drawingml/2006/main" xmlns:r="http://schemas.openxmlformats.org/officeDocument/2006/relationships" xmlns:p="http://schemas.openxmlformats.org/presentationml/2006/main">
   <p:cSld>
     <p:spTree>
@@ -6916,7 +4424,7 @@
 </p:sld>
 </file>
 
-<file path=ppt/slides/slide7.xml><?xml version="1.0" encoding="utf-8"?>
+<file path=ppt/slides/slide5.xml><?xml version="1.0" encoding="utf-8"?>
 <p:sld xmlns:a="http://schemas.openxmlformats.org/drawingml/2006/main" xmlns:r="http://schemas.openxmlformats.org/officeDocument/2006/relationships" xmlns:p="http://schemas.openxmlformats.org/presentationml/2006/main">
   <p:cSld>
     <p:spTree>
@@ -8068,7 +5576,7 @@
 </p:sld>
 </file>
 
-<file path=ppt/slides/slide8.xml><?xml version="1.0" encoding="utf-8"?>
+<file path=ppt/slides/slide6.xml><?xml version="1.0" encoding="utf-8"?>
 <p:sld xmlns:a="http://schemas.openxmlformats.org/drawingml/2006/main" xmlns:r="http://schemas.openxmlformats.org/officeDocument/2006/relationships" xmlns:p="http://schemas.openxmlformats.org/presentationml/2006/main">
   <p:cSld>
     <p:spTree>
@@ -9359,6 +6867,319 @@
 </p:sld>
 </file>
 
+<file path=ppt/slides/slide7.xml><?xml version="1.0" encoding="utf-8"?>
+<p:sld xmlns:a="http://schemas.openxmlformats.org/drawingml/2006/main" xmlns:r="http://schemas.openxmlformats.org/officeDocument/2006/relationships" xmlns:p="http://schemas.openxmlformats.org/presentationml/2006/main">
+  <p:cSld>
+    <p:spTree>
+      <p:nvGrpSpPr>
+        <p:cNvPr id="1" name=""/>
+        <p:cNvGrpSpPr/>
+        <p:nvPr/>
+      </p:nvGrpSpPr>
+      <p:grpSpPr>
+        <a:xfrm>
+          <a:off x="0" y="0"/>
+          <a:ext cx="0" cy="0"/>
+          <a:chOff x="0" y="0"/>
+          <a:chExt cx="0" cy="0"/>
+        </a:xfrm>
+      </p:grpSpPr>
+      <p:sp>
+        <p:nvSpPr>
+          <p:cNvPr id="2" name="Title 1"/>
+          <p:cNvSpPr>
+            <a:spLocks noGrp="1"/>
+          </p:cNvSpPr>
+          <p:nvPr>
+            <p:ph type="title"/>
+          </p:nvPr>
+        </p:nvSpPr>
+        <p:spPr/>
+        <p:txBody>
+          <a:bodyPr>
+            <a:normAutofit/>
+          </a:bodyPr>
+          <a:lstStyle/>
+          <a:p>
+            <a:r>
+              <a:rPr lang="en-US" dirty="0" smtClean="0"/>
+              <a:t>ICE</a:t>
+            </a:r>
+            <a:endParaRPr lang="en-US" dirty="0"/>
+          </a:p>
+        </p:txBody>
+      </p:sp>
+      <p:sp>
+        <p:nvSpPr>
+          <p:cNvPr id="3" name="Content Placeholder 2"/>
+          <p:cNvSpPr>
+            <a:spLocks noGrp="1"/>
+          </p:cNvSpPr>
+          <p:nvPr>
+            <p:ph idx="1"/>
+          </p:nvPr>
+        </p:nvSpPr>
+        <p:spPr/>
+        <p:txBody>
+          <a:bodyPr/>
+          <a:lstStyle/>
+          <a:p>
+            <a:r>
+              <a:rPr lang="en-US" dirty="0" smtClean="0"/>
+              <a:t>1</a:t>
+            </a:r>
+            <a:r>
+              <a:rPr lang="en-US" baseline="30000" dirty="0" smtClean="0"/>
+              <a:t>st</a:t>
+            </a:r>
+            <a:r>
+              <a:rPr lang="en-US" dirty="0" smtClean="0"/>
+              <a:t> Generation implied volume supported</a:t>
+            </a:r>
+          </a:p>
+          <a:p>
+            <a:r>
+              <a:rPr lang="en-US" dirty="0">
+                <a:hlinkClick r:id="rId2"/>
+              </a:rPr>
+              <a:t>https://</a:t>
+            </a:r>
+            <a:r>
+              <a:rPr lang="en-US" dirty="0" smtClean="0">
+                <a:hlinkClick r:id="rId2"/>
+              </a:rPr>
+              <a:t>icelive.theice.com/ice_files/ICELivePro_enhancements.pdf</a:t>
+            </a:r>
+            <a:endParaRPr lang="en-US" dirty="0" smtClean="0"/>
+          </a:p>
+          <a:p>
+            <a:endParaRPr lang="en-US" dirty="0"/>
+          </a:p>
+        </p:txBody>
+      </p:sp>
+    </p:spTree>
+    <p:extLst>
+      <p:ext uri="{BB962C8B-B14F-4D97-AF65-F5344CB8AC3E}">
+        <p14:creationId xmlns:p14="http://schemas.microsoft.com/office/powerpoint/2010/main" val="2193909352"/>
+      </p:ext>
+    </p:extLst>
+  </p:cSld>
+  <p:clrMapOvr>
+    <a:masterClrMapping/>
+  </p:clrMapOvr>
+  <p:timing>
+    <p:tnLst>
+      <p:par>
+        <p:cTn xmlns:p14="http://schemas.microsoft.com/office/powerpoint/2010/main" id="1" dur="indefinite" restart="never" nodeType="tmRoot"/>
+      </p:par>
+    </p:tnLst>
+  </p:timing>
+</p:sld>
+</file>
+
+<file path=ppt/slides/slide8.xml><?xml version="1.0" encoding="utf-8"?>
+<p:sld xmlns:a="http://schemas.openxmlformats.org/drawingml/2006/main" xmlns:r="http://schemas.openxmlformats.org/officeDocument/2006/relationships" xmlns:p="http://schemas.openxmlformats.org/presentationml/2006/main">
+  <p:cSld>
+    <p:spTree>
+      <p:nvGrpSpPr>
+        <p:cNvPr id="1" name=""/>
+        <p:cNvGrpSpPr/>
+        <p:nvPr/>
+      </p:nvGrpSpPr>
+      <p:grpSpPr>
+        <a:xfrm>
+          <a:off x="0" y="0"/>
+          <a:ext cx="0" cy="0"/>
+          <a:chOff x="0" y="0"/>
+          <a:chExt cx="0" cy="0"/>
+        </a:xfrm>
+      </p:grpSpPr>
+      <p:sp>
+        <p:nvSpPr>
+          <p:cNvPr id="2" name="Title 1"/>
+          <p:cNvSpPr>
+            <a:spLocks noGrp="1"/>
+          </p:cNvSpPr>
+          <p:nvPr>
+            <p:ph type="title"/>
+          </p:nvPr>
+        </p:nvSpPr>
+        <p:spPr/>
+        <p:txBody>
+          <a:bodyPr/>
+          <a:lstStyle/>
+          <a:p>
+            <a:r>
+              <a:rPr lang="en-US" dirty="0" smtClean="0"/>
+              <a:t>LIFFE - EURIBOR</a:t>
+            </a:r>
+            <a:endParaRPr lang="en-US" dirty="0"/>
+          </a:p>
+        </p:txBody>
+      </p:sp>
+      <p:sp>
+        <p:nvSpPr>
+          <p:cNvPr id="3" name="Content Placeholder 2"/>
+          <p:cNvSpPr>
+            <a:spLocks noGrp="1"/>
+          </p:cNvSpPr>
+          <p:nvPr>
+            <p:ph idx="1"/>
+          </p:nvPr>
+        </p:nvSpPr>
+        <p:spPr/>
+        <p:txBody>
+          <a:bodyPr>
+            <a:normAutofit fontScale="70000" lnSpcReduction="20000"/>
+          </a:bodyPr>
+          <a:lstStyle/>
+          <a:p>
+            <a:r>
+              <a:rPr lang="en-US" dirty="0"/>
+              <a:t>1</a:t>
+            </a:r>
+            <a:r>
+              <a:rPr lang="en-US" baseline="30000" dirty="0"/>
+              <a:t>st</a:t>
+            </a:r>
+            <a:r>
+              <a:rPr lang="en-US" dirty="0"/>
+              <a:t> Generation implied volume </a:t>
+            </a:r>
+            <a:r>
+              <a:rPr lang="en-US" dirty="0" smtClean="0"/>
+              <a:t>supported</a:t>
+            </a:r>
+          </a:p>
+          <a:p>
+            <a:r>
+              <a:rPr lang="en-US" dirty="0">
+                <a:hlinkClick r:id="rId2"/>
+              </a:rPr>
+              <a:t>http://</a:t>
+            </a:r>
+            <a:r>
+              <a:rPr lang="en-US" dirty="0" smtClean="0">
+                <a:hlinkClick r:id="rId2"/>
+              </a:rPr>
+              <a:t>www.nyse.com/pdfs/6471_LRS.pdf</a:t>
+            </a:r>
+            <a:endParaRPr lang="en-US" dirty="0" smtClean="0"/>
+          </a:p>
+          <a:p>
+            <a:r>
+              <a:rPr lang="en-US" dirty="0"/>
+              <a:t>The </a:t>
+            </a:r>
+            <a:r>
+              <a:rPr lang="en-US" dirty="0" err="1"/>
+              <a:t>ArcaBook</a:t>
+            </a:r>
+            <a:r>
+              <a:rPr lang="en-US" dirty="0"/>
+              <a:t> market data feed for NYSE </a:t>
+            </a:r>
+            <a:r>
+              <a:rPr lang="en-US" dirty="0" err="1"/>
+              <a:t>Liffe</a:t>
+            </a:r>
+            <a:r>
+              <a:rPr lang="en-US" dirty="0"/>
+              <a:t> also disseminates ‘Implied Out’ </a:t>
+            </a:r>
+            <a:r>
+              <a:rPr lang="en-US" dirty="0" smtClean="0"/>
+              <a:t>prices. Indeed</a:t>
+            </a:r>
+            <a:r>
+              <a:rPr lang="en-US" dirty="0"/>
+              <a:t>, the LIFFE CONNECT platform supports both Implied Ins and Implied Outs prices</a:t>
+            </a:r>
+            <a:r>
+              <a:rPr lang="en-US" dirty="0" smtClean="0"/>
+              <a:t>.</a:t>
+            </a:r>
+          </a:p>
+          <a:p>
+            <a:pPr lvl="1"/>
+            <a:r>
+              <a:rPr lang="en-US" dirty="0" smtClean="0"/>
+              <a:t>‘ </a:t>
+            </a:r>
+            <a:r>
+              <a:rPr lang="en-US" dirty="0"/>
+              <a:t>Implied Ins’ are prices in a strategy market derived from prices in the associated </a:t>
+            </a:r>
+            <a:r>
+              <a:rPr lang="en-US" dirty="0" smtClean="0"/>
+              <a:t>outright markets</a:t>
+            </a:r>
+            <a:r>
+              <a:rPr lang="en-US" dirty="0"/>
+              <a:t>. They are calculated by the Trading Host but not disseminated</a:t>
+            </a:r>
+            <a:r>
+              <a:rPr lang="en-US" dirty="0" smtClean="0"/>
+              <a:t>.</a:t>
+            </a:r>
+          </a:p>
+          <a:p>
+            <a:pPr lvl="1"/>
+            <a:r>
+              <a:rPr lang="en-US" dirty="0" smtClean="0"/>
+              <a:t>‘ </a:t>
+            </a:r>
+            <a:r>
+              <a:rPr lang="en-US" dirty="0"/>
+              <a:t>Implied Outs’ are prices in an outright market derived from prices in one strategy </a:t>
+            </a:r>
+            <a:r>
+              <a:rPr lang="en-US" dirty="0" smtClean="0"/>
+              <a:t>and prices </a:t>
+            </a:r>
+            <a:r>
+              <a:rPr lang="en-US" dirty="0"/>
+              <a:t>in associated legs of the strategy. Although the LIFFE CONNECT. Trading </a:t>
+            </a:r>
+            <a:r>
+              <a:rPr lang="en-US" dirty="0" smtClean="0"/>
+              <a:t>Host continuously </a:t>
+            </a:r>
+            <a:r>
+              <a:rPr lang="en-US" dirty="0"/>
+              <a:t>calculates ‘implied out’ prices, it only transmits ‘implied out’ prices </a:t>
+            </a:r>
+            <a:r>
+              <a:rPr lang="en-US" dirty="0" smtClean="0"/>
+              <a:t>when they </a:t>
+            </a:r>
+            <a:r>
+              <a:rPr lang="en-US" dirty="0"/>
+              <a:t>are equal to or better than the Best price in the central Order Book.</a:t>
+            </a:r>
+          </a:p>
+        </p:txBody>
+      </p:sp>
+    </p:spTree>
+    <p:extLst>
+      <p:ext uri="{BB962C8B-B14F-4D97-AF65-F5344CB8AC3E}">
+        <p14:creationId xmlns:p14="http://schemas.microsoft.com/office/powerpoint/2010/main" val="1745493679"/>
+      </p:ext>
+    </p:extLst>
+  </p:cSld>
+  <p:clrMapOvr>
+    <a:masterClrMapping/>
+  </p:clrMapOvr>
+  <p:timing>
+    <p:tnLst>
+      <p:par>
+        <p:cTn xmlns:p14="http://schemas.microsoft.com/office/powerpoint/2010/main" id="1" dur="indefinite" restart="never" nodeType="tmRoot"/>
+      </p:par>
+    </p:tnLst>
+  </p:timing>
+</p:sld>
+</file>
+
 <file path=ppt/slides/slide9.xml><?xml version="1.0" encoding="utf-8"?>
 <p:sld xmlns:a="http://schemas.openxmlformats.org/drawingml/2006/main" xmlns:r="http://schemas.openxmlformats.org/officeDocument/2006/relationships" xmlns:p="http://schemas.openxmlformats.org/presentationml/2006/main">
   <p:cSld>
@@ -9388,71 +7209,88 @@
         </p:nvSpPr>
         <p:spPr/>
         <p:txBody>
-          <a:bodyPr>
-            <a:normAutofit/>
-          </a:bodyPr>
-          <a:lstStyle/>
-          <a:p>
-            <a:r>
-              <a:rPr lang="en-US" dirty="0" smtClean="0"/>
-              <a:t>ICE</a:t>
-            </a:r>
-            <a:endParaRPr lang="en-US" dirty="0"/>
-          </a:p>
-        </p:txBody>
-      </p:sp>
-      <p:sp>
-        <p:nvSpPr>
-          <p:cNvPr id="3" name="Content Placeholder 2"/>
-          <p:cNvSpPr>
-            <a:spLocks noGrp="1"/>
-          </p:cNvSpPr>
-          <p:nvPr>
-            <p:ph idx="1"/>
-          </p:nvPr>
-        </p:nvSpPr>
-        <p:spPr/>
-        <p:txBody>
           <a:bodyPr/>
           <a:lstStyle/>
           <a:p>
             <a:r>
               <a:rPr lang="en-US" dirty="0" smtClean="0"/>
+              <a:t>CME</a:t>
+            </a:r>
+            <a:endParaRPr lang="en-US" dirty="0"/>
+          </a:p>
+        </p:txBody>
+      </p:sp>
+      <p:sp>
+        <p:nvSpPr>
+          <p:cNvPr id="3" name="Content Placeholder 2"/>
+          <p:cNvSpPr>
+            <a:spLocks noGrp="1"/>
+          </p:cNvSpPr>
+          <p:nvPr>
+            <p:ph idx="1"/>
+          </p:nvPr>
+        </p:nvSpPr>
+        <p:spPr/>
+        <p:txBody>
+          <a:bodyPr/>
+          <a:lstStyle/>
+          <a:p>
+            <a:r>
+              <a:rPr lang="en-US" dirty="0"/>
               <a:t>1</a:t>
             </a:r>
             <a:r>
+              <a:rPr lang="en-US" baseline="30000" dirty="0"/>
+              <a:t>st</a:t>
+            </a:r>
+            <a:r>
+              <a:rPr lang="en-US" dirty="0"/>
+              <a:t> </a:t>
+            </a:r>
+            <a:r>
+              <a:rPr lang="en-US" dirty="0" smtClean="0"/>
+              <a:t>and 2</a:t>
+            </a:r>
+            <a:r>
               <a:rPr lang="en-US" baseline="30000" dirty="0" smtClean="0"/>
-              <a:t>st</a:t>
+              <a:t>nd</a:t>
             </a:r>
             <a:r>
               <a:rPr lang="en-US" dirty="0" smtClean="0"/>
-              <a:t> Generation implied volume supported</a:t>
-            </a:r>
-          </a:p>
-          <a:p>
+              <a:t> Generation </a:t>
+            </a:r>
+            <a:r>
+              <a:rPr lang="en-US" dirty="0"/>
+              <a:t>implied volume supported</a:t>
+            </a:r>
+          </a:p>
+          <a:p>
+            <a:r>
+              <a:rPr lang="en-US" dirty="0" smtClean="0">
+                <a:hlinkClick r:id="rId2"/>
+              </a:rPr>
+              <a:t>http</a:t>
+            </a:r>
             <a:r>
               <a:rPr lang="en-US" dirty="0">
                 <a:hlinkClick r:id="rId2"/>
               </a:rPr>
-              <a:t>https://</a:t>
+              <a:t>://</a:t>
             </a:r>
             <a:r>
               <a:rPr lang="en-US" dirty="0" smtClean="0">
                 <a:hlinkClick r:id="rId2"/>
               </a:rPr>
-              <a:t>icelive.theice.com/ice_files/ICELivePro_enhancements.pdf</a:t>
+              <a:t>www.cmegroup.com/globex/files/ImpliedPriceOverview.pdf</a:t>
             </a:r>
             <a:endParaRPr lang="en-US" dirty="0" smtClean="0"/>
-          </a:p>
-          <a:p>
-            <a:endParaRPr lang="en-US" dirty="0"/>
           </a:p>
         </p:txBody>
       </p:sp>
     </p:spTree>
     <p:extLst>
       <p:ext uri="{BB962C8B-B14F-4D97-AF65-F5344CB8AC3E}">
-        <p14:creationId xmlns:p14="http://schemas.microsoft.com/office/powerpoint/2010/main" val="2193909352"/>
+        <p14:creationId xmlns:p14="http://schemas.microsoft.com/office/powerpoint/2010/main" val="2363632775"/>
       </p:ext>
     </p:extLst>
   </p:cSld>

--- a/doc/Implier - Background.pptx
+++ b/doc/Implier - Background.pptx
@@ -9,18 +9,19 @@
     <p:sldId id="279" r:id="rId3"/>
     <p:sldId id="257" r:id="rId4"/>
     <p:sldId id="259" r:id="rId5"/>
-    <p:sldId id="258" r:id="rId6"/>
-    <p:sldId id="282" r:id="rId7"/>
-    <p:sldId id="265" r:id="rId8"/>
-    <p:sldId id="266" r:id="rId9"/>
-    <p:sldId id="267" r:id="rId10"/>
-    <p:sldId id="271" r:id="rId11"/>
-    <p:sldId id="272" r:id="rId12"/>
-    <p:sldId id="273" r:id="rId13"/>
-    <p:sldId id="274" r:id="rId14"/>
-    <p:sldId id="276" r:id="rId15"/>
-    <p:sldId id="288" r:id="rId16"/>
-    <p:sldId id="289" r:id="rId17"/>
+    <p:sldId id="290" r:id="rId6"/>
+    <p:sldId id="258" r:id="rId7"/>
+    <p:sldId id="282" r:id="rId8"/>
+    <p:sldId id="265" r:id="rId9"/>
+    <p:sldId id="266" r:id="rId10"/>
+    <p:sldId id="267" r:id="rId11"/>
+    <p:sldId id="271" r:id="rId12"/>
+    <p:sldId id="272" r:id="rId13"/>
+    <p:sldId id="273" r:id="rId14"/>
+    <p:sldId id="274" r:id="rId15"/>
+    <p:sldId id="276" r:id="rId16"/>
+    <p:sldId id="288" r:id="rId17"/>
+    <p:sldId id="289" r:id="rId18"/>
   </p:sldIdLst>
   <p:sldSz cx="9144000" cy="6858000" type="screen4x3"/>
   <p:notesSz cx="6858000" cy="9144000"/>
@@ -304,7 +305,7 @@
             <a:fld id="{1D8BD707-D9CF-40AE-B4C6-C98DA3205C09}" type="datetimeFigureOut">
               <a:rPr lang="en-US" smtClean="0"/>
               <a:pPr/>
-              <a:t>3/20/2010</a:t>
+              <a:t>5/23/2010</a:t>
             </a:fld>
             <a:endParaRPr lang="en-US"/>
           </a:p>
@@ -471,7 +472,7 @@
             <a:fld id="{1D8BD707-D9CF-40AE-B4C6-C98DA3205C09}" type="datetimeFigureOut">
               <a:rPr lang="en-US" smtClean="0"/>
               <a:pPr/>
-              <a:t>3/20/2010</a:t>
+              <a:t>5/23/2010</a:t>
             </a:fld>
             <a:endParaRPr lang="en-US"/>
           </a:p>
@@ -648,7 +649,7 @@
             <a:fld id="{1D8BD707-D9CF-40AE-B4C6-C98DA3205C09}" type="datetimeFigureOut">
               <a:rPr lang="en-US" smtClean="0"/>
               <a:pPr/>
-              <a:t>3/20/2010</a:t>
+              <a:t>5/23/2010</a:t>
             </a:fld>
             <a:endParaRPr lang="en-US"/>
           </a:p>
@@ -815,7 +816,7 @@
             <a:fld id="{1D8BD707-D9CF-40AE-B4C6-C98DA3205C09}" type="datetimeFigureOut">
               <a:rPr lang="en-US" smtClean="0"/>
               <a:pPr/>
-              <a:t>3/20/2010</a:t>
+              <a:t>5/23/2010</a:t>
             </a:fld>
             <a:endParaRPr lang="en-US"/>
           </a:p>
@@ -1058,7 +1059,7 @@
             <a:fld id="{1D8BD707-D9CF-40AE-B4C6-C98DA3205C09}" type="datetimeFigureOut">
               <a:rPr lang="en-US" smtClean="0"/>
               <a:pPr/>
-              <a:t>3/20/2010</a:t>
+              <a:t>5/23/2010</a:t>
             </a:fld>
             <a:endParaRPr lang="en-US"/>
           </a:p>
@@ -1343,7 +1344,7 @@
             <a:fld id="{1D8BD707-D9CF-40AE-B4C6-C98DA3205C09}" type="datetimeFigureOut">
               <a:rPr lang="en-US" smtClean="0"/>
               <a:pPr/>
-              <a:t>3/20/2010</a:t>
+              <a:t>5/23/2010</a:t>
             </a:fld>
             <a:endParaRPr lang="en-US"/>
           </a:p>
@@ -1762,7 +1763,7 @@
             <a:fld id="{1D8BD707-D9CF-40AE-B4C6-C98DA3205C09}" type="datetimeFigureOut">
               <a:rPr lang="en-US" smtClean="0"/>
               <a:pPr/>
-              <a:t>3/20/2010</a:t>
+              <a:t>5/23/2010</a:t>
             </a:fld>
             <a:endParaRPr lang="en-US"/>
           </a:p>
@@ -1877,7 +1878,7 @@
             <a:fld id="{1D8BD707-D9CF-40AE-B4C6-C98DA3205C09}" type="datetimeFigureOut">
               <a:rPr lang="en-US" smtClean="0"/>
               <a:pPr/>
-              <a:t>3/20/2010</a:t>
+              <a:t>5/23/2010</a:t>
             </a:fld>
             <a:endParaRPr lang="en-US"/>
           </a:p>
@@ -1969,7 +1970,7 @@
             <a:fld id="{1D8BD707-D9CF-40AE-B4C6-C98DA3205C09}" type="datetimeFigureOut">
               <a:rPr lang="en-US" smtClean="0"/>
               <a:pPr/>
-              <a:t>3/20/2010</a:t>
+              <a:t>5/23/2010</a:t>
             </a:fld>
             <a:endParaRPr lang="en-US"/>
           </a:p>
@@ -2243,7 +2244,7 @@
             <a:fld id="{1D8BD707-D9CF-40AE-B4C6-C98DA3205C09}" type="datetimeFigureOut">
               <a:rPr lang="en-US" smtClean="0"/>
               <a:pPr/>
-              <a:t>3/20/2010</a:t>
+              <a:t>5/23/2010</a:t>
             </a:fld>
             <a:endParaRPr lang="en-US"/>
           </a:p>
@@ -2493,7 +2494,7 @@
             <a:fld id="{1D8BD707-D9CF-40AE-B4C6-C98DA3205C09}" type="datetimeFigureOut">
               <a:rPr lang="en-US" smtClean="0"/>
               <a:pPr/>
-              <a:t>3/20/2010</a:t>
+              <a:t>5/23/2010</a:t>
             </a:fld>
             <a:endParaRPr lang="en-US"/>
           </a:p>
@@ -2703,7 +2704,7 @@
             <a:fld id="{1D8BD707-D9CF-40AE-B4C6-C98DA3205C09}" type="datetimeFigureOut">
               <a:rPr lang="en-US" smtClean="0"/>
               <a:pPr/>
-              <a:t>3/20/2010</a:t>
+              <a:t>5/23/2010</a:t>
             </a:fld>
             <a:endParaRPr lang="en-US"/>
           </a:p>
@@ -3167,7 +3168,7 @@
           <a:p>
             <a:r>
               <a:rPr lang="en-US" dirty="0" smtClean="0"/>
-              <a:t>CME – Implied In</a:t>
+              <a:t>CME</a:t>
             </a:r>
             <a:endParaRPr lang="en-US" dirty="0"/>
           </a:p>
@@ -3188,70 +3189,62 @@
           <a:bodyPr/>
           <a:lstStyle/>
           <a:p>
-            <a:pPr marL="0" indent="0">
-              <a:buNone/>
-            </a:pPr>
+            <a:r>
+              <a:rPr lang="en-US" dirty="0"/>
+              <a:t>1</a:t>
+            </a:r>
+            <a:r>
+              <a:rPr lang="en-US" baseline="30000" dirty="0"/>
+              <a:t>st</a:t>
+            </a:r>
+            <a:r>
+              <a:rPr lang="en-US" dirty="0"/>
+              <a:t> </a:t>
+            </a:r>
             <a:r>
               <a:rPr lang="en-US" dirty="0" smtClean="0"/>
-              <a:t>1</a:t>
+              <a:t>and 2</a:t>
+            </a:r>
+            <a:r>
+              <a:rPr lang="en-US" baseline="30000" dirty="0" smtClean="0"/>
+              <a:t>nd</a:t>
+            </a:r>
+            <a:r>
+              <a:rPr lang="en-US" dirty="0" smtClean="0"/>
+              <a:t> Generation </a:t>
             </a:r>
             <a:r>
               <a:rPr lang="en-US" dirty="0"/>
-              <a:t>. There is a Bid in SIZ6 at 13955.</a:t>
-            </a:r>
-          </a:p>
-          <a:p>
-            <a:pPr marL="0" indent="0">
-              <a:buNone/>
-            </a:pPr>
-            <a:r>
-              <a:rPr lang="en-US" dirty="0"/>
-              <a:t>2. There is an Ask in SIG7 at </a:t>
-            </a:r>
-            <a:r>
-              <a:rPr lang="en-US" dirty="0" smtClean="0"/>
-              <a:t>14025.</a:t>
-            </a:r>
-          </a:p>
-          <a:p>
-            <a:pPr marL="0" indent="0">
-              <a:buNone/>
-            </a:pPr>
-            <a:r>
-              <a:rPr lang="en-US" dirty="0" smtClean="0"/>
-              <a:t>3. This </a:t>
-            </a:r>
-            <a:r>
-              <a:rPr lang="en-US" dirty="0"/>
-              <a:t>creates an Implied IN Bid in the Silver calendar spread SIZ6-SIG7 at -70</a:t>
-            </a:r>
-            <a:r>
-              <a:rPr lang="en-US" dirty="0" smtClean="0"/>
-              <a:t>.</a:t>
-            </a:r>
-          </a:p>
-          <a:p>
-            <a:pPr marL="0" indent="0">
-              <a:buNone/>
-            </a:pPr>
+              <a:t>implied volume supported</a:t>
+            </a:r>
+          </a:p>
+          <a:p>
+            <a:r>
+              <a:rPr lang="en-US" dirty="0" smtClean="0">
+                <a:hlinkClick r:id="rId2"/>
+              </a:rPr>
+              <a:t>http</a:t>
+            </a:r>
+            <a:r>
+              <a:rPr lang="en-US" dirty="0">
+                <a:hlinkClick r:id="rId2"/>
+              </a:rPr>
+              <a:t>://</a:t>
+            </a:r>
+            <a:r>
+              <a:rPr lang="en-US" dirty="0" smtClean="0">
+                <a:hlinkClick r:id="rId2"/>
+              </a:rPr>
+              <a:t>www.cmegroup.com/globex/files/ImpliedPriceOverview.pdf</a:t>
+            </a:r>
             <a:endParaRPr lang="en-US" dirty="0" smtClean="0"/>
-          </a:p>
-          <a:p>
-            <a:pPr marL="0" indent="0">
-              <a:buNone/>
-            </a:pPr>
-            <a:r>
-              <a:rPr lang="en-US" dirty="0" smtClean="0"/>
-              <a:t>Implied IN Bid in nearby/deferred spread = Bid in nearby – Ask in deferred</a:t>
-            </a:r>
-            <a:endParaRPr lang="en-US" dirty="0"/>
           </a:p>
         </p:txBody>
       </p:sp>
     </p:spTree>
     <p:extLst>
       <p:ext uri="{BB962C8B-B14F-4D97-AF65-F5344CB8AC3E}">
-        <p14:creationId xmlns:p14="http://schemas.microsoft.com/office/powerpoint/2010/main" val="2060120788"/>
+        <p14:creationId xmlns:p14="http://schemas.microsoft.com/office/powerpoint/2010/main" val="2363632775"/>
       </p:ext>
     </p:extLst>
   </p:cSld>
@@ -3302,7 +3295,7 @@
           <a:p>
             <a:r>
               <a:rPr lang="en-US" dirty="0" smtClean="0"/>
-              <a:t>CME – Implied Out Bid</a:t>
+              <a:t>CME – Implied In</a:t>
             </a:r>
             <a:endParaRPr lang="en-US" dirty="0"/>
           </a:p>
@@ -3320,9 +3313,7 @@
         </p:nvSpPr>
         <p:spPr/>
         <p:txBody>
-          <a:bodyPr>
-            <a:normAutofit fontScale="92500" lnSpcReduction="20000"/>
-          </a:bodyPr>
+          <a:bodyPr/>
           <a:lstStyle/>
           <a:p>
             <a:pPr marL="0" indent="0">
@@ -3343,7 +3334,24 @@
             </a:pPr>
             <a:r>
               <a:rPr lang="en-US" dirty="0"/>
-              <a:t>2. There is an Ask in the Silver calendar spread of SIZ6-SIG7 at -74</a:t>
+              <a:t>2. There is an Ask in SIG7 at </a:t>
+            </a:r>
+            <a:r>
+              <a:rPr lang="en-US" dirty="0" smtClean="0"/>
+              <a:t>14025.</a:t>
+            </a:r>
+          </a:p>
+          <a:p>
+            <a:pPr marL="0" indent="0">
+              <a:buNone/>
+            </a:pPr>
+            <a:r>
+              <a:rPr lang="en-US" dirty="0" smtClean="0"/>
+              <a:t>3. This </a:t>
+            </a:r>
+            <a:r>
+              <a:rPr lang="en-US" dirty="0"/>
+              <a:t>creates an Implied IN Bid in the Silver calendar spread SIZ6-SIG7 at -70</a:t>
             </a:r>
             <a:r>
               <a:rPr lang="en-US" dirty="0" smtClean="0"/>
@@ -3354,54 +3362,24 @@
             <a:pPr marL="0" indent="0">
               <a:buNone/>
             </a:pPr>
-            <a:r>
-              <a:rPr lang="en-US" dirty="0"/>
-              <a:t>3. This creates an Implied OUT Bid in SIG7 at 14029.</a:t>
-            </a:r>
+            <a:endParaRPr lang="en-US" dirty="0" smtClean="0"/>
           </a:p>
           <a:p>
             <a:pPr marL="0" indent="0">
               <a:buNone/>
             </a:pPr>
             <a:r>
-              <a:rPr lang="en-US" dirty="0"/>
-              <a:t>4. All implied OUT bids are rounded down to the next standard tick.</a:t>
-            </a:r>
-          </a:p>
-          <a:p>
-            <a:pPr marL="0" indent="0">
-              <a:buNone/>
-            </a:pPr>
-            <a:r>
-              <a:rPr lang="en-US" dirty="0"/>
-              <a:t>5. Implied OUT Bid is created in SIG7 at 14025</a:t>
-            </a:r>
-            <a:r>
               <a:rPr lang="en-US" dirty="0" smtClean="0"/>
-              <a:t>.</a:t>
-            </a:r>
-          </a:p>
-          <a:p>
-            <a:pPr marL="0" indent="0">
-              <a:buNone/>
-            </a:pPr>
+              <a:t>Implied IN Bid in nearby/deferred spread = Bid in nearby – Ask in deferred</a:t>
+            </a:r>
             <a:endParaRPr lang="en-US" dirty="0"/>
-          </a:p>
-          <a:p>
-            <a:pPr marL="0" indent="0">
-              <a:buNone/>
-            </a:pPr>
-            <a:r>
-              <a:rPr lang="en-US" dirty="0" smtClean="0"/>
-              <a:t>Implied OUT bid in deferred = Bid in nearby – Ask in spread of nearby/deferred</a:t>
-            </a:r>
           </a:p>
         </p:txBody>
       </p:sp>
     </p:spTree>
     <p:extLst>
       <p:ext uri="{BB962C8B-B14F-4D97-AF65-F5344CB8AC3E}">
-        <p14:creationId xmlns:p14="http://schemas.microsoft.com/office/powerpoint/2010/main" val="170838426"/>
+        <p14:creationId xmlns:p14="http://schemas.microsoft.com/office/powerpoint/2010/main" val="2060120788"/>
       </p:ext>
     </p:extLst>
   </p:cSld>
@@ -3452,7 +3430,7 @@
           <a:p>
             <a:r>
               <a:rPr lang="en-US" dirty="0" smtClean="0"/>
-              <a:t>CME – Implied Out Ask</a:t>
+              <a:t>CME – Implied Out Bid</a:t>
             </a:r>
             <a:endParaRPr lang="en-US" dirty="0"/>
           </a:p>
@@ -3471,7 +3449,7 @@
         <p:spPr/>
         <p:txBody>
           <a:bodyPr>
-            <a:normAutofit fontScale="85000" lnSpcReduction="10000"/>
+            <a:normAutofit fontScale="92500" lnSpcReduction="20000"/>
           </a:bodyPr>
           <a:lstStyle/>
           <a:p>
@@ -3479,8 +3457,12 @@
               <a:buNone/>
             </a:pPr>
             <a:r>
+              <a:rPr lang="en-US" dirty="0" smtClean="0"/>
+              <a:t>1</a:t>
+            </a:r>
+            <a:r>
               <a:rPr lang="en-US" dirty="0"/>
-              <a:t>1. There is an Ask in SIZ6 at 13955.</a:t>
+              <a:t>. There is a Bid in SIZ6 at 13955.</a:t>
             </a:r>
           </a:p>
           <a:p>
@@ -3489,34 +3471,7 @@
             </a:pPr>
             <a:r>
               <a:rPr lang="en-US" dirty="0"/>
-              <a:t>2. There is a Bid in the Silver calendar spread of SIZ6-SIG7 at -74.</a:t>
-            </a:r>
-          </a:p>
-          <a:p>
-            <a:pPr marL="0" indent="0">
-              <a:buNone/>
-            </a:pPr>
-            <a:r>
-              <a:rPr lang="en-US" dirty="0"/>
-              <a:t>3. This calculates an Implied OUT Ask in SIG7 at 14029.</a:t>
-            </a:r>
-          </a:p>
-          <a:p>
-            <a:pPr marL="0" indent="0">
-              <a:buNone/>
-            </a:pPr>
-            <a:r>
-              <a:rPr lang="en-US" dirty="0"/>
-              <a:t>4. All implied OUT asks are rounded up to the next standard tick.</a:t>
-            </a:r>
-          </a:p>
-          <a:p>
-            <a:pPr marL="0" indent="0">
-              <a:buNone/>
-            </a:pPr>
-            <a:r>
-              <a:rPr lang="en-US" dirty="0"/>
-              <a:t>5. Implied OUT Bid is created in SIG7 at 14030</a:t>
+              <a:t>2. There is an Ask in the Silver calendar spread of SIZ6-SIG7 at -74</a:t>
             </a:r>
             <a:r>
               <a:rPr lang="en-US" dirty="0" smtClean="0"/>
@@ -3527,6 +3482,37 @@
             <a:pPr marL="0" indent="0">
               <a:buNone/>
             </a:pPr>
+            <a:r>
+              <a:rPr lang="en-US" dirty="0"/>
+              <a:t>3. This creates an Implied OUT Bid in SIG7 at 14029.</a:t>
+            </a:r>
+          </a:p>
+          <a:p>
+            <a:pPr marL="0" indent="0">
+              <a:buNone/>
+            </a:pPr>
+            <a:r>
+              <a:rPr lang="en-US" dirty="0"/>
+              <a:t>4. All implied OUT bids are rounded down to the next standard tick.</a:t>
+            </a:r>
+          </a:p>
+          <a:p>
+            <a:pPr marL="0" indent="0">
+              <a:buNone/>
+            </a:pPr>
+            <a:r>
+              <a:rPr lang="en-US" dirty="0"/>
+              <a:t>5. Implied OUT Bid is created in SIG7 at 14025</a:t>
+            </a:r>
+            <a:r>
+              <a:rPr lang="en-US" dirty="0" smtClean="0"/>
+              <a:t>.</a:t>
+            </a:r>
+          </a:p>
+          <a:p>
+            <a:pPr marL="0" indent="0">
+              <a:buNone/>
+            </a:pPr>
             <a:endParaRPr lang="en-US" dirty="0"/>
           </a:p>
           <a:p>
@@ -3535,7 +3521,7 @@
             </a:pPr>
             <a:r>
               <a:rPr lang="en-US" dirty="0" smtClean="0"/>
-              <a:t>Implied OUT ask in deferred = ask in nearby – bid in spread nearby/deferred</a:t>
+              <a:t>Implied OUT bid in deferred = Bid in nearby – Ask in spread of nearby/deferred</a:t>
             </a:r>
           </a:p>
         </p:txBody>
@@ -3543,7 +3529,7 @@
     </p:spTree>
     <p:extLst>
       <p:ext uri="{BB962C8B-B14F-4D97-AF65-F5344CB8AC3E}">
-        <p14:creationId xmlns:p14="http://schemas.microsoft.com/office/powerpoint/2010/main" val="4238843867"/>
+        <p14:creationId xmlns:p14="http://schemas.microsoft.com/office/powerpoint/2010/main" val="170838426"/>
       </p:ext>
     </p:extLst>
   </p:cSld>
@@ -3594,15 +3580,7 @@
           <a:p>
             <a:r>
               <a:rPr lang="en-US" dirty="0" smtClean="0"/>
-              <a:t>CME – 2</a:t>
-            </a:r>
-            <a:r>
-              <a:rPr lang="en-US" baseline="30000" dirty="0" smtClean="0"/>
-              <a:t>nd</a:t>
-            </a:r>
-            <a:r>
-              <a:rPr lang="en-US" dirty="0" smtClean="0"/>
-              <a:t> Generation Implied</a:t>
+              <a:t>CME – Implied Out Ask</a:t>
             </a:r>
             <a:endParaRPr lang="en-US" dirty="0"/>
           </a:p>
@@ -3621,7 +3599,7 @@
         <p:spPr/>
         <p:txBody>
           <a:bodyPr>
-            <a:normAutofit lnSpcReduction="10000"/>
+            <a:normAutofit fontScale="85000" lnSpcReduction="10000"/>
           </a:bodyPr>
           <a:lstStyle/>
           <a:p>
@@ -3630,7 +3608,7 @@
             </a:pPr>
             <a:r>
               <a:rPr lang="en-US" dirty="0"/>
-              <a:t>1. There is an Implied OUT Bid in the SIZ6 at 14010.</a:t>
+              <a:t>1. There is an Ask in SIZ6 at 13955.</a:t>
             </a:r>
           </a:p>
           <a:p>
@@ -3639,7 +3617,7 @@
             </a:pPr>
             <a:r>
               <a:rPr lang="en-US" dirty="0"/>
-              <a:t>2. There is a real order for a 2-lot Ask in the SIF7 at 13995.</a:t>
+              <a:t>2. There is a Bid in the Silver calendar spread of SIZ6-SIG7 at -74.</a:t>
             </a:r>
           </a:p>
           <a:p>
@@ -3648,7 +3626,25 @@
             </a:pPr>
             <a:r>
               <a:rPr lang="en-US" dirty="0"/>
-              <a:t>3. This creates an Implied 2nd Gen IN Bid order in the SIZ6-SIF7 at 15</a:t>
+              <a:t>3. This calculates an Implied OUT Ask in SIG7 at 14029.</a:t>
+            </a:r>
+          </a:p>
+          <a:p>
+            <a:pPr marL="0" indent="0">
+              <a:buNone/>
+            </a:pPr>
+            <a:r>
+              <a:rPr lang="en-US" dirty="0"/>
+              <a:t>4. All implied OUT asks are rounded up to the next standard tick.</a:t>
+            </a:r>
+          </a:p>
+          <a:p>
+            <a:pPr marL="0" indent="0">
+              <a:buNone/>
+            </a:pPr>
+            <a:r>
+              <a:rPr lang="en-US" dirty="0"/>
+              <a:t>5. Implied OUT Bid is created in SIG7 at 14030</a:t>
             </a:r>
             <a:r>
               <a:rPr lang="en-US" dirty="0" smtClean="0"/>
@@ -3667,15 +3663,7 @@
             </a:pPr>
             <a:r>
               <a:rPr lang="en-US" dirty="0" smtClean="0"/>
-              <a:t>2</a:t>
-            </a:r>
-            <a:r>
-              <a:rPr lang="en-US" baseline="30000" dirty="0" smtClean="0"/>
-              <a:t>nd</a:t>
-            </a:r>
-            <a:r>
-              <a:rPr lang="en-US" dirty="0" smtClean="0"/>
-              <a:t> generation implied IN bid in spread = implied bid in nearby – ask in deferred</a:t>
+              <a:t>Implied OUT ask in deferred = ask in nearby – bid in spread nearby/deferred</a:t>
             </a:r>
           </a:p>
         </p:txBody>
@@ -3683,7 +3671,7 @@
     </p:spTree>
     <p:extLst>
       <p:ext uri="{BB962C8B-B14F-4D97-AF65-F5344CB8AC3E}">
-        <p14:creationId xmlns:p14="http://schemas.microsoft.com/office/powerpoint/2010/main" val="1254939572"/>
+        <p14:creationId xmlns:p14="http://schemas.microsoft.com/office/powerpoint/2010/main" val="4238843867"/>
       </p:ext>
     </p:extLst>
   </p:cSld>
@@ -3734,7 +3722,15 @@
           <a:p>
             <a:r>
               <a:rPr lang="en-US" dirty="0" smtClean="0"/>
-              <a:t>Generalizing</a:t>
+              <a:t>CME – 2</a:t>
+            </a:r>
+            <a:r>
+              <a:rPr lang="en-US" baseline="30000" dirty="0" smtClean="0"/>
+              <a:t>nd</a:t>
+            </a:r>
+            <a:r>
+              <a:rPr lang="en-US" dirty="0" smtClean="0"/>
+              <a:t> Generation Implied</a:t>
             </a:r>
             <a:endParaRPr lang="en-US" dirty="0"/>
           </a:p>
@@ -3752,39 +3748,70 @@
         </p:nvSpPr>
         <p:spPr/>
         <p:txBody>
-          <a:bodyPr/>
+          <a:bodyPr>
+            <a:normAutofit lnSpcReduction="10000"/>
+          </a:bodyPr>
           <a:lstStyle/>
           <a:p>
+            <a:pPr marL="0" indent="0">
+              <a:buNone/>
+            </a:pPr>
+            <a:r>
+              <a:rPr lang="en-US" dirty="0"/>
+              <a:t>1. There is an Implied OUT Bid in the SIZ6 at 14010.</a:t>
+            </a:r>
+          </a:p>
+          <a:p>
+            <a:pPr marL="0" indent="0">
+              <a:buNone/>
+            </a:pPr>
+            <a:r>
+              <a:rPr lang="en-US" dirty="0"/>
+              <a:t>2. There is a real order for a 2-lot Ask in the SIF7 at 13995.</a:t>
+            </a:r>
+          </a:p>
+          <a:p>
+            <a:pPr marL="0" indent="0">
+              <a:buNone/>
+            </a:pPr>
+            <a:r>
+              <a:rPr lang="en-US" dirty="0"/>
+              <a:t>3. This creates an Implied 2nd Gen IN Bid order in the SIZ6-SIF7 at 15</a:t>
+            </a:r>
             <a:r>
               <a:rPr lang="en-US" dirty="0" smtClean="0"/>
-              <a:t>Implied Bid in spread = Bid in nearby – Ask in deferred</a:t>
-            </a:r>
-          </a:p>
-          <a:p>
+              <a:t>.</a:t>
+            </a:r>
+          </a:p>
+          <a:p>
+            <a:pPr marL="0" indent="0">
+              <a:buNone/>
+            </a:pPr>
+            <a:endParaRPr lang="en-US" dirty="0"/>
+          </a:p>
+          <a:p>
+            <a:pPr marL="0" indent="0">
+              <a:buNone/>
+            </a:pPr>
             <a:r>
               <a:rPr lang="en-US" dirty="0" smtClean="0"/>
-              <a:t>Implied Ask in spread = Ask in nearby – Bid in deferred</a:t>
-            </a:r>
-          </a:p>
-          <a:p>
+              <a:t>2</a:t>
+            </a:r>
+            <a:r>
+              <a:rPr lang="en-US" baseline="30000" dirty="0" smtClean="0"/>
+              <a:t>nd</a:t>
+            </a:r>
             <a:r>
               <a:rPr lang="en-US" dirty="0" smtClean="0"/>
-              <a:t>Implied Bid in deferred = Bid in nearby – Ask in spread</a:t>
-            </a:r>
-          </a:p>
-          <a:p>
-            <a:r>
-              <a:rPr lang="en-US" dirty="0" smtClean="0"/>
-              <a:t>Implied Ask in deferred = Ask in nearby – Bid in spread</a:t>
-            </a:r>
-            <a:endParaRPr lang="en-US" dirty="0"/>
+              <a:t> generation implied IN bid in spread = implied bid in nearby – ask in deferred</a:t>
+            </a:r>
           </a:p>
         </p:txBody>
       </p:sp>
     </p:spTree>
     <p:extLst>
       <p:ext uri="{BB962C8B-B14F-4D97-AF65-F5344CB8AC3E}">
-        <p14:creationId xmlns:p14="http://schemas.microsoft.com/office/powerpoint/2010/main" val="2770255972"/>
+        <p14:creationId xmlns:p14="http://schemas.microsoft.com/office/powerpoint/2010/main" val="1254939572"/>
       </p:ext>
     </p:extLst>
   </p:cSld>
@@ -3835,7 +3862,7 @@
           <a:p>
             <a:r>
               <a:rPr lang="en-US" dirty="0" smtClean="0"/>
-              <a:t>Pure Arbitrage</a:t>
+              <a:t>Generalizing</a:t>
             </a:r>
             <a:endParaRPr lang="en-US" dirty="0"/>
           </a:p>
@@ -3857,59 +3884,35 @@
           <a:lstStyle/>
           <a:p>
             <a:r>
-              <a:rPr lang="en-US" dirty="0" err="1" smtClean="0"/>
-              <a:t>Implieds</a:t>
-            </a:r>
-            <a:r>
               <a:rPr lang="en-US" dirty="0" smtClean="0"/>
-              <a:t> can result in </a:t>
-            </a:r>
-            <a:r>
-              <a:rPr lang="en-US" dirty="0" err="1" smtClean="0"/>
-              <a:t>multileg</a:t>
-            </a:r>
+              <a:t>Implied Bid in spread = Bid in nearby – Ask in deferred</a:t>
+            </a:r>
+          </a:p>
+          <a:p>
             <a:r>
               <a:rPr lang="en-US" dirty="0" smtClean="0"/>
-              <a:t> trades that give a price below the market price</a:t>
-            </a:r>
-          </a:p>
-          <a:p>
-            <a:pPr lvl="1"/>
+              <a:t>Implied Ask in spread = Ask in nearby – Bid in deferred</a:t>
+            </a:r>
+          </a:p>
+          <a:p>
             <a:r>
               <a:rPr lang="en-US" dirty="0" smtClean="0"/>
-              <a:t>This is an opportunity for pure arbitrage</a:t>
-            </a:r>
-            <a:endParaRPr lang="en-US" dirty="0" smtClean="0"/>
+              <a:t>Implied Bid in deferred = Bid in nearby – Ask in spread</a:t>
+            </a:r>
           </a:p>
           <a:p>
             <a:r>
               <a:rPr lang="en-US" dirty="0" smtClean="0"/>
-              <a:t>Buying one of these </a:t>
-            </a:r>
-            <a:r>
-              <a:rPr lang="en-US" dirty="0" err="1" smtClean="0"/>
-              <a:t>multileg</a:t>
-            </a:r>
-            <a:r>
-              <a:rPr lang="en-US" dirty="0" smtClean="0"/>
-              <a:t> instruments gives a butterfly that needs unrolling</a:t>
-            </a:r>
-            <a:endParaRPr lang="en-US" dirty="0" smtClean="0"/>
-          </a:p>
-          <a:p>
-            <a:pPr lvl="1"/>
-            <a:r>
-              <a:rPr lang="en-US" dirty="0" smtClean="0"/>
-              <a:t>The trade can be unrolled at a later date provided the expiration is not immediate</a:t>
-            </a:r>
-            <a:endParaRPr lang="en-US" dirty="0" smtClean="0"/>
+              <a:t>Implied Ask in deferred = Ask in nearby – Bid in spread</a:t>
+            </a:r>
+            <a:endParaRPr lang="en-US" dirty="0"/>
           </a:p>
         </p:txBody>
       </p:sp>
     </p:spTree>
     <p:extLst>
       <p:ext uri="{BB962C8B-B14F-4D97-AF65-F5344CB8AC3E}">
-        <p14:creationId xmlns:p14="http://schemas.microsoft.com/office/powerpoint/2010/main" val="3937704795"/>
+        <p14:creationId xmlns:p14="http://schemas.microsoft.com/office/powerpoint/2010/main" val="2770255972"/>
       </p:ext>
     </p:extLst>
   </p:cSld>
@@ -3955,6 +3958,128 @@
         </p:nvSpPr>
         <p:spPr/>
         <p:txBody>
+          <a:bodyPr/>
+          <a:lstStyle/>
+          <a:p>
+            <a:r>
+              <a:rPr lang="en-US" dirty="0" smtClean="0"/>
+              <a:t>Pure Arbitrage</a:t>
+            </a:r>
+            <a:endParaRPr lang="en-US" dirty="0"/>
+          </a:p>
+        </p:txBody>
+      </p:sp>
+      <p:sp>
+        <p:nvSpPr>
+          <p:cNvPr id="3" name="Content Placeholder 2"/>
+          <p:cNvSpPr>
+            <a:spLocks noGrp="1"/>
+          </p:cNvSpPr>
+          <p:nvPr>
+            <p:ph idx="1"/>
+          </p:nvPr>
+        </p:nvSpPr>
+        <p:spPr/>
+        <p:txBody>
+          <a:bodyPr/>
+          <a:lstStyle/>
+          <a:p>
+            <a:r>
+              <a:rPr lang="en-US" dirty="0" err="1" smtClean="0"/>
+              <a:t>Implieds</a:t>
+            </a:r>
+            <a:r>
+              <a:rPr lang="en-US" dirty="0" smtClean="0"/>
+              <a:t> can result in </a:t>
+            </a:r>
+            <a:r>
+              <a:rPr lang="en-US" dirty="0" err="1" smtClean="0"/>
+              <a:t>multileg</a:t>
+            </a:r>
+            <a:r>
+              <a:rPr lang="en-US" dirty="0" smtClean="0"/>
+              <a:t> trades that give a price below the market price</a:t>
+            </a:r>
+          </a:p>
+          <a:p>
+            <a:pPr lvl="1"/>
+            <a:r>
+              <a:rPr lang="en-US" dirty="0" smtClean="0"/>
+              <a:t>This is an opportunity for pure arbitrage</a:t>
+            </a:r>
+          </a:p>
+          <a:p>
+            <a:r>
+              <a:rPr lang="en-US" dirty="0" smtClean="0"/>
+              <a:t>Buying one of these </a:t>
+            </a:r>
+            <a:r>
+              <a:rPr lang="en-US" dirty="0" err="1" smtClean="0"/>
+              <a:t>multileg</a:t>
+            </a:r>
+            <a:r>
+              <a:rPr lang="en-US" dirty="0" smtClean="0"/>
+              <a:t> instruments gives a butterfly that needs unrolling</a:t>
+            </a:r>
+          </a:p>
+          <a:p>
+            <a:pPr lvl="1"/>
+            <a:r>
+              <a:rPr lang="en-US" dirty="0" smtClean="0"/>
+              <a:t>The trade can be unrolled at a later date provided the expiration is not immediate</a:t>
+            </a:r>
+          </a:p>
+        </p:txBody>
+      </p:sp>
+    </p:spTree>
+    <p:extLst>
+      <p:ext uri="{BB962C8B-B14F-4D97-AF65-F5344CB8AC3E}">
+        <p14:creationId xmlns:p14="http://schemas.microsoft.com/office/powerpoint/2010/main" val="3937704795"/>
+      </p:ext>
+    </p:extLst>
+  </p:cSld>
+  <p:clrMapOvr>
+    <a:masterClrMapping/>
+  </p:clrMapOvr>
+  <p:timing>
+    <p:tnLst>
+      <p:par>
+        <p:cTn xmlns:p14="http://schemas.microsoft.com/office/powerpoint/2010/main" id="1" dur="indefinite" restart="never" nodeType="tmRoot"/>
+      </p:par>
+    </p:tnLst>
+  </p:timing>
+</p:sld>
+</file>
+
+<file path=ppt/slides/slide17.xml><?xml version="1.0" encoding="utf-8"?>
+<p:sld xmlns:a="http://schemas.openxmlformats.org/drawingml/2006/main" xmlns:r="http://schemas.openxmlformats.org/officeDocument/2006/relationships" xmlns:p="http://schemas.openxmlformats.org/presentationml/2006/main">
+  <p:cSld>
+    <p:spTree>
+      <p:nvGrpSpPr>
+        <p:cNvPr id="1" name=""/>
+        <p:cNvGrpSpPr/>
+        <p:nvPr/>
+      </p:nvGrpSpPr>
+      <p:grpSpPr>
+        <a:xfrm>
+          <a:off x="0" y="0"/>
+          <a:ext cx="0" cy="0"/>
+          <a:chOff x="0" y="0"/>
+          <a:chExt cx="0" cy="0"/>
+        </a:xfrm>
+      </p:grpSpPr>
+      <p:sp>
+        <p:nvSpPr>
+          <p:cNvPr id="2" name="Title 1"/>
+          <p:cNvSpPr>
+            <a:spLocks noGrp="1"/>
+          </p:cNvSpPr>
+          <p:nvPr>
+            <p:ph type="title"/>
+          </p:nvPr>
+        </p:nvSpPr>
+        <p:spPr/>
+        <p:txBody>
           <a:bodyPr>
             <a:normAutofit fontScale="90000"/>
           </a:bodyPr>
@@ -4020,13 +4145,8 @@
             </a:r>
             <a:r>
               <a:rPr lang="en-US" dirty="0" smtClean="0"/>
-              <a:t>be used to </a:t>
-            </a:r>
-            <a:r>
-              <a:rPr lang="en-US" dirty="0" smtClean="0"/>
-              <a:t>quickly enter the market potentially at an initial profit</a:t>
-            </a:r>
-            <a:endParaRPr lang="en-US" dirty="0" smtClean="0"/>
+              <a:t>be used to quickly enter the market potentially at an initial profit</a:t>
+            </a:r>
           </a:p>
         </p:txBody>
       </p:sp>
@@ -4425,6 +4545,107 @@
 </file>
 
 <file path=ppt/slides/slide5.xml><?xml version="1.0" encoding="utf-8"?>
+<p:sld xmlns:a="http://schemas.openxmlformats.org/drawingml/2006/main" xmlns:r="http://schemas.openxmlformats.org/officeDocument/2006/relationships" xmlns:p="http://schemas.openxmlformats.org/presentationml/2006/main">
+  <p:cSld>
+    <p:spTree>
+      <p:nvGrpSpPr>
+        <p:cNvPr id="1" name=""/>
+        <p:cNvGrpSpPr/>
+        <p:nvPr/>
+      </p:nvGrpSpPr>
+      <p:grpSpPr>
+        <a:xfrm>
+          <a:off x="0" y="0"/>
+          <a:ext cx="0" cy="0"/>
+          <a:chOff x="0" y="0"/>
+          <a:chExt cx="0" cy="0"/>
+        </a:xfrm>
+      </p:grpSpPr>
+      <p:sp>
+        <p:nvSpPr>
+          <p:cNvPr id="2" name="Title 1"/>
+          <p:cNvSpPr>
+            <a:spLocks noGrp="1"/>
+          </p:cNvSpPr>
+          <p:nvPr>
+            <p:ph type="title"/>
+          </p:nvPr>
+        </p:nvSpPr>
+        <p:spPr/>
+        <p:txBody>
+          <a:bodyPr/>
+          <a:lstStyle/>
+          <a:p>
+            <a:r>
+              <a:rPr lang="en-US" dirty="0" smtClean="0"/>
+              <a:t>TT Spread Matrix</a:t>
+            </a:r>
+            <a:endParaRPr lang="en-US" dirty="0"/>
+          </a:p>
+        </p:txBody>
+      </p:sp>
+      <p:pic>
+        <p:nvPicPr>
+          <p:cNvPr id="3" name="Picture 2" descr="C:\Users\ben\Desktop\2010 q2\implier\Misc\TTSpreadMatrix.png"/>
+          <p:cNvPicPr>
+            <a:picLocks noChangeAspect="1" noChangeArrowheads="1"/>
+          </p:cNvPicPr>
+          <p:nvPr/>
+        </p:nvPicPr>
+        <p:blipFill>
+          <a:blip r:embed="rId2">
+            <a:extLst>
+              <a:ext uri="{28A0092B-C50C-407E-A947-70E740481C1C}">
+                <a14:useLocalDpi xmlns:a14="http://schemas.microsoft.com/office/drawing/2010/main" val="0"/>
+              </a:ext>
+            </a:extLst>
+          </a:blip>
+          <a:srcRect/>
+          <a:stretch>
+            <a:fillRect/>
+          </a:stretch>
+        </p:blipFill>
+        <p:spPr bwMode="auto">
+          <a:xfrm>
+            <a:off x="0" y="1284513"/>
+            <a:ext cx="9144000" cy="5573487"/>
+          </a:xfrm>
+          <a:prstGeom prst="rect">
+            <a:avLst/>
+          </a:prstGeom>
+          <a:noFill/>
+          <a:extLst>
+            <a:ext uri="{909E8E84-426E-40DD-AFC4-6F175D3DCCD1}">
+              <a14:hiddenFill xmlns:a14="http://schemas.microsoft.com/office/drawing/2010/main">
+                <a:solidFill>
+                  <a:srgbClr xmlns:mc="http://schemas.openxmlformats.org/markup-compatibility/2006" val="FFFFFF" mc:Ignorable=""/>
+                </a:solidFill>
+              </a14:hiddenFill>
+            </a:ext>
+          </a:extLst>
+        </p:spPr>
+      </p:pic>
+    </p:spTree>
+    <p:extLst>
+      <p:ext uri="{BB962C8B-B14F-4D97-AF65-F5344CB8AC3E}">
+        <p14:creationId xmlns:p14="http://schemas.microsoft.com/office/powerpoint/2010/main" val="1318953831"/>
+      </p:ext>
+    </p:extLst>
+  </p:cSld>
+  <p:clrMapOvr>
+    <a:masterClrMapping/>
+  </p:clrMapOvr>
+  <p:timing>
+    <p:tnLst>
+      <p:par>
+        <p:cTn xmlns:p14="http://schemas.microsoft.com/office/powerpoint/2010/main" id="1" dur="indefinite" restart="never" nodeType="tmRoot"/>
+      </p:par>
+    </p:tnLst>
+  </p:timing>
+</p:sld>
+</file>
+
+<file path=ppt/slides/slide6.xml><?xml version="1.0" encoding="utf-8"?>
 <p:sld xmlns:a="http://schemas.openxmlformats.org/drawingml/2006/main" xmlns:r="http://schemas.openxmlformats.org/officeDocument/2006/relationships" xmlns:p="http://schemas.openxmlformats.org/presentationml/2006/main">
   <p:cSld>
     <p:spTree>
@@ -5576,7 +5797,7 @@
 </p:sld>
 </file>
 
-<file path=ppt/slides/slide6.xml><?xml version="1.0" encoding="utf-8"?>
+<file path=ppt/slides/slide7.xml><?xml version="1.0" encoding="utf-8"?>
 <p:sld xmlns:a="http://schemas.openxmlformats.org/drawingml/2006/main" xmlns:r="http://schemas.openxmlformats.org/officeDocument/2006/relationships" xmlns:p="http://schemas.openxmlformats.org/presentationml/2006/main">
   <p:cSld>
     <p:spTree>
@@ -6867,116 +7088,6 @@
 </p:sld>
 </file>
 
-<file path=ppt/slides/slide7.xml><?xml version="1.0" encoding="utf-8"?>
-<p:sld xmlns:a="http://schemas.openxmlformats.org/drawingml/2006/main" xmlns:r="http://schemas.openxmlformats.org/officeDocument/2006/relationships" xmlns:p="http://schemas.openxmlformats.org/presentationml/2006/main">
-  <p:cSld>
-    <p:spTree>
-      <p:nvGrpSpPr>
-        <p:cNvPr id="1" name=""/>
-        <p:cNvGrpSpPr/>
-        <p:nvPr/>
-      </p:nvGrpSpPr>
-      <p:grpSpPr>
-        <a:xfrm>
-          <a:off x="0" y="0"/>
-          <a:ext cx="0" cy="0"/>
-          <a:chOff x="0" y="0"/>
-          <a:chExt cx="0" cy="0"/>
-        </a:xfrm>
-      </p:grpSpPr>
-      <p:sp>
-        <p:nvSpPr>
-          <p:cNvPr id="2" name="Title 1"/>
-          <p:cNvSpPr>
-            <a:spLocks noGrp="1"/>
-          </p:cNvSpPr>
-          <p:nvPr>
-            <p:ph type="title"/>
-          </p:nvPr>
-        </p:nvSpPr>
-        <p:spPr/>
-        <p:txBody>
-          <a:bodyPr>
-            <a:normAutofit/>
-          </a:bodyPr>
-          <a:lstStyle/>
-          <a:p>
-            <a:r>
-              <a:rPr lang="en-US" dirty="0" smtClean="0"/>
-              <a:t>ICE</a:t>
-            </a:r>
-            <a:endParaRPr lang="en-US" dirty="0"/>
-          </a:p>
-        </p:txBody>
-      </p:sp>
-      <p:sp>
-        <p:nvSpPr>
-          <p:cNvPr id="3" name="Content Placeholder 2"/>
-          <p:cNvSpPr>
-            <a:spLocks noGrp="1"/>
-          </p:cNvSpPr>
-          <p:nvPr>
-            <p:ph idx="1"/>
-          </p:nvPr>
-        </p:nvSpPr>
-        <p:spPr/>
-        <p:txBody>
-          <a:bodyPr/>
-          <a:lstStyle/>
-          <a:p>
-            <a:r>
-              <a:rPr lang="en-US" dirty="0" smtClean="0"/>
-              <a:t>1</a:t>
-            </a:r>
-            <a:r>
-              <a:rPr lang="en-US" baseline="30000" dirty="0" smtClean="0"/>
-              <a:t>st</a:t>
-            </a:r>
-            <a:r>
-              <a:rPr lang="en-US" dirty="0" smtClean="0"/>
-              <a:t> Generation implied volume supported</a:t>
-            </a:r>
-          </a:p>
-          <a:p>
-            <a:r>
-              <a:rPr lang="en-US" dirty="0">
-                <a:hlinkClick r:id="rId2"/>
-              </a:rPr>
-              <a:t>https://</a:t>
-            </a:r>
-            <a:r>
-              <a:rPr lang="en-US" dirty="0" smtClean="0">
-                <a:hlinkClick r:id="rId2"/>
-              </a:rPr>
-              <a:t>icelive.theice.com/ice_files/ICELivePro_enhancements.pdf</a:t>
-            </a:r>
-            <a:endParaRPr lang="en-US" dirty="0" smtClean="0"/>
-          </a:p>
-          <a:p>
-            <a:endParaRPr lang="en-US" dirty="0"/>
-          </a:p>
-        </p:txBody>
-      </p:sp>
-    </p:spTree>
-    <p:extLst>
-      <p:ext uri="{BB962C8B-B14F-4D97-AF65-F5344CB8AC3E}">
-        <p14:creationId xmlns:p14="http://schemas.microsoft.com/office/powerpoint/2010/main" val="2193909352"/>
-      </p:ext>
-    </p:extLst>
-  </p:cSld>
-  <p:clrMapOvr>
-    <a:masterClrMapping/>
-  </p:clrMapOvr>
-  <p:timing>
-    <p:tnLst>
-      <p:par>
-        <p:cTn xmlns:p14="http://schemas.microsoft.com/office/powerpoint/2010/main" id="1" dur="indefinite" restart="never" nodeType="tmRoot"/>
-      </p:par>
-    </p:tnLst>
-  </p:timing>
-</p:sld>
-</file>
-
 <file path=ppt/slides/slide8.xml><?xml version="1.0" encoding="utf-8"?>
 <p:sld xmlns:a="http://schemas.openxmlformats.org/drawingml/2006/main" xmlns:r="http://schemas.openxmlformats.org/officeDocument/2006/relationships" xmlns:p="http://schemas.openxmlformats.org/presentationml/2006/main">
   <p:cSld>
@@ -7006,49 +7117,45 @@
         </p:nvSpPr>
         <p:spPr/>
         <p:txBody>
+          <a:bodyPr>
+            <a:normAutofit/>
+          </a:bodyPr>
+          <a:lstStyle/>
+          <a:p>
+            <a:r>
+              <a:rPr lang="en-US" dirty="0" smtClean="0"/>
+              <a:t>ICE</a:t>
+            </a:r>
+            <a:endParaRPr lang="en-US" dirty="0"/>
+          </a:p>
+        </p:txBody>
+      </p:sp>
+      <p:sp>
+        <p:nvSpPr>
+          <p:cNvPr id="3" name="Content Placeholder 2"/>
+          <p:cNvSpPr>
+            <a:spLocks noGrp="1"/>
+          </p:cNvSpPr>
+          <p:nvPr>
+            <p:ph idx="1"/>
+          </p:nvPr>
+        </p:nvSpPr>
+        <p:spPr/>
+        <p:txBody>
           <a:bodyPr/>
           <a:lstStyle/>
           <a:p>
             <a:r>
               <a:rPr lang="en-US" dirty="0" smtClean="0"/>
-              <a:t>LIFFE - EURIBOR</a:t>
-            </a:r>
-            <a:endParaRPr lang="en-US" dirty="0"/>
-          </a:p>
-        </p:txBody>
-      </p:sp>
-      <p:sp>
-        <p:nvSpPr>
-          <p:cNvPr id="3" name="Content Placeholder 2"/>
-          <p:cNvSpPr>
-            <a:spLocks noGrp="1"/>
-          </p:cNvSpPr>
-          <p:nvPr>
-            <p:ph idx="1"/>
-          </p:nvPr>
-        </p:nvSpPr>
-        <p:spPr/>
-        <p:txBody>
-          <a:bodyPr>
-            <a:normAutofit fontScale="70000" lnSpcReduction="20000"/>
-          </a:bodyPr>
-          <a:lstStyle/>
-          <a:p>
-            <a:r>
-              <a:rPr lang="en-US" dirty="0"/>
               <a:t>1</a:t>
             </a:r>
             <a:r>
-              <a:rPr lang="en-US" baseline="30000" dirty="0"/>
+              <a:rPr lang="en-US" baseline="30000" dirty="0" smtClean="0"/>
               <a:t>st</a:t>
             </a:r>
             <a:r>
-              <a:rPr lang="en-US" dirty="0"/>
-              <a:t> Generation implied volume </a:t>
-            </a:r>
-            <a:r>
               <a:rPr lang="en-US" dirty="0" smtClean="0"/>
-              <a:t>supported</a:t>
+              <a:t> Generation implied volume supported</a:t>
             </a:r>
           </a:p>
           <a:p>
@@ -7056,114 +7163,25 @@
               <a:rPr lang="en-US" dirty="0">
                 <a:hlinkClick r:id="rId2"/>
               </a:rPr>
-              <a:t>http://</a:t>
+              <a:t>https://</a:t>
             </a:r>
             <a:r>
               <a:rPr lang="en-US" dirty="0" smtClean="0">
                 <a:hlinkClick r:id="rId2"/>
               </a:rPr>
-              <a:t>www.nyse.com/pdfs/6471_LRS.pdf</a:t>
+              <a:t>icelive.theice.com/ice_files/ICELivePro_enhancements.pdf</a:t>
             </a:r>
             <a:endParaRPr lang="en-US" dirty="0" smtClean="0"/>
           </a:p>
           <a:p>
-            <a:r>
-              <a:rPr lang="en-US" dirty="0"/>
-              <a:t>The </a:t>
-            </a:r>
-            <a:r>
-              <a:rPr lang="en-US" dirty="0" err="1"/>
-              <a:t>ArcaBook</a:t>
-            </a:r>
-            <a:r>
-              <a:rPr lang="en-US" dirty="0"/>
-              <a:t> market data feed for NYSE </a:t>
-            </a:r>
-            <a:r>
-              <a:rPr lang="en-US" dirty="0" err="1"/>
-              <a:t>Liffe</a:t>
-            </a:r>
-            <a:r>
-              <a:rPr lang="en-US" dirty="0"/>
-              <a:t> also disseminates ‘Implied Out’ </a:t>
-            </a:r>
-            <a:r>
-              <a:rPr lang="en-US" dirty="0" smtClean="0"/>
-              <a:t>prices. Indeed</a:t>
-            </a:r>
-            <a:r>
-              <a:rPr lang="en-US" dirty="0"/>
-              <a:t>, the LIFFE CONNECT platform supports both Implied Ins and Implied Outs prices</a:t>
-            </a:r>
-            <a:r>
-              <a:rPr lang="en-US" dirty="0" smtClean="0"/>
-              <a:t>.</a:t>
-            </a:r>
-          </a:p>
-          <a:p>
-            <a:pPr lvl="1"/>
-            <a:r>
-              <a:rPr lang="en-US" dirty="0" smtClean="0"/>
-              <a:t>‘ </a:t>
-            </a:r>
-            <a:r>
-              <a:rPr lang="en-US" dirty="0"/>
-              <a:t>Implied Ins’ are prices in a strategy market derived from prices in the associated </a:t>
-            </a:r>
-            <a:r>
-              <a:rPr lang="en-US" dirty="0" smtClean="0"/>
-              <a:t>outright markets</a:t>
-            </a:r>
-            <a:r>
-              <a:rPr lang="en-US" dirty="0"/>
-              <a:t>. They are calculated by the Trading Host but not disseminated</a:t>
-            </a:r>
-            <a:r>
-              <a:rPr lang="en-US" dirty="0" smtClean="0"/>
-              <a:t>.</a:t>
-            </a:r>
-          </a:p>
-          <a:p>
-            <a:pPr lvl="1"/>
-            <a:r>
-              <a:rPr lang="en-US" dirty="0" smtClean="0"/>
-              <a:t>‘ </a:t>
-            </a:r>
-            <a:r>
-              <a:rPr lang="en-US" dirty="0"/>
-              <a:t>Implied Outs’ are prices in an outright market derived from prices in one strategy </a:t>
-            </a:r>
-            <a:r>
-              <a:rPr lang="en-US" dirty="0" smtClean="0"/>
-              <a:t>and prices </a:t>
-            </a:r>
-            <a:r>
-              <a:rPr lang="en-US" dirty="0"/>
-              <a:t>in associated legs of the strategy. Although the LIFFE CONNECT. Trading </a:t>
-            </a:r>
-            <a:r>
-              <a:rPr lang="en-US" dirty="0" smtClean="0"/>
-              <a:t>Host continuously </a:t>
-            </a:r>
-            <a:r>
-              <a:rPr lang="en-US" dirty="0"/>
-              <a:t>calculates ‘implied out’ prices, it only transmits ‘implied out’ prices </a:t>
-            </a:r>
-            <a:r>
-              <a:rPr lang="en-US" dirty="0" smtClean="0"/>
-              <a:t>when they </a:t>
-            </a:r>
-            <a:r>
-              <a:rPr lang="en-US" dirty="0"/>
-              <a:t>are equal to or better than the Best price in the central Order Book.</a:t>
-            </a:r>
+            <a:endParaRPr lang="en-US" dirty="0"/>
           </a:p>
         </p:txBody>
       </p:sp>
     </p:spTree>
     <p:extLst>
       <p:ext uri="{BB962C8B-B14F-4D97-AF65-F5344CB8AC3E}">
-        <p14:creationId xmlns:p14="http://schemas.microsoft.com/office/powerpoint/2010/main" val="1745493679"/>
+        <p14:creationId xmlns:p14="http://schemas.microsoft.com/office/powerpoint/2010/main" val="2193909352"/>
       </p:ext>
     </p:extLst>
   </p:cSld>
@@ -7214,7 +7232,7 @@
           <a:p>
             <a:r>
               <a:rPr lang="en-US" dirty="0" smtClean="0"/>
-              <a:t>CME</a:t>
+              <a:t>LIFFE - EURIBOR</a:t>
             </a:r>
             <a:endParaRPr lang="en-US" dirty="0"/>
           </a:p>
@@ -7232,7 +7250,9 @@
         </p:nvSpPr>
         <p:spPr/>
         <p:txBody>
-          <a:bodyPr/>
+          <a:bodyPr>
+            <a:normAutofit fontScale="70000" lnSpcReduction="20000"/>
+          </a:bodyPr>
           <a:lstStyle/>
           <a:p>
             <a:r>
@@ -7245,52 +7265,126 @@
             </a:r>
             <a:r>
               <a:rPr lang="en-US" dirty="0"/>
-              <a:t> </a:t>
+              <a:t> Generation implied volume </a:t>
             </a:r>
             <a:r>
               <a:rPr lang="en-US" dirty="0" smtClean="0"/>
-              <a:t>and 2</a:t>
-            </a:r>
-            <a:r>
-              <a:rPr lang="en-US" baseline="30000" dirty="0" smtClean="0"/>
-              <a:t>nd</a:t>
-            </a:r>
-            <a:r>
-              <a:rPr lang="en-US" dirty="0" smtClean="0"/>
-              <a:t> Generation </a:t>
-            </a:r>
-            <a:r>
-              <a:rPr lang="en-US" dirty="0"/>
-              <a:t>implied volume supported</a:t>
-            </a:r>
-          </a:p>
-          <a:p>
+              <a:t>supported</a:t>
+            </a:r>
+          </a:p>
+          <a:p>
+            <a:r>
+              <a:rPr lang="en-US" dirty="0">
+                <a:hlinkClick r:id="rId2"/>
+              </a:rPr>
+              <a:t>http://</a:t>
+            </a:r>
             <a:r>
               <a:rPr lang="en-US" dirty="0" smtClean="0">
                 <a:hlinkClick r:id="rId2"/>
               </a:rPr>
-              <a:t>http</a:t>
-            </a:r>
-            <a:r>
-              <a:rPr lang="en-US" dirty="0">
-                <a:hlinkClick r:id="rId2"/>
-              </a:rPr>
-              <a:t>://</a:t>
-            </a:r>
-            <a:r>
-              <a:rPr lang="en-US" dirty="0" smtClean="0">
-                <a:hlinkClick r:id="rId2"/>
-              </a:rPr>
-              <a:t>www.cmegroup.com/globex/files/ImpliedPriceOverview.pdf</a:t>
+              <a:t>www.nyse.com/pdfs/6471_LRS.pdf</a:t>
             </a:r>
             <a:endParaRPr lang="en-US" dirty="0" smtClean="0"/>
+          </a:p>
+          <a:p>
+            <a:r>
+              <a:rPr lang="en-US" dirty="0"/>
+              <a:t>The </a:t>
+            </a:r>
+            <a:r>
+              <a:rPr lang="en-US" dirty="0" err="1"/>
+              <a:t>ArcaBook</a:t>
+            </a:r>
+            <a:r>
+              <a:rPr lang="en-US" dirty="0"/>
+              <a:t> market data feed for NYSE </a:t>
+            </a:r>
+            <a:r>
+              <a:rPr lang="en-US" dirty="0" err="1"/>
+              <a:t>Liffe</a:t>
+            </a:r>
+            <a:r>
+              <a:rPr lang="en-US" dirty="0"/>
+              <a:t> also disseminates ‘Implied Out’ </a:t>
+            </a:r>
+            <a:r>
+              <a:rPr lang="en-US" dirty="0" smtClean="0"/>
+              <a:t>prices. Indeed</a:t>
+            </a:r>
+            <a:r>
+              <a:rPr lang="en-US" dirty="0"/>
+              <a:t>, the LIFFE CONNECT platform supports both Implied Ins and Implied Outs prices</a:t>
+            </a:r>
+            <a:r>
+              <a:rPr lang="en-US" dirty="0" smtClean="0"/>
+              <a:t>.</a:t>
+            </a:r>
+          </a:p>
+          <a:p>
+            <a:pPr lvl="1"/>
+            <a:r>
+              <a:rPr lang="en-US" dirty="0" smtClean="0"/>
+              <a:t>‘ </a:t>
+            </a:r>
+            <a:r>
+              <a:rPr lang="en-US" dirty="0"/>
+              <a:t>Implied Ins’ are prices in a strategy market derived from prices in the associated </a:t>
+            </a:r>
+            <a:r>
+              <a:rPr lang="en-US" dirty="0" smtClean="0"/>
+              <a:t>outright markets</a:t>
+            </a:r>
+            <a:r>
+              <a:rPr lang="en-US" dirty="0"/>
+              <a:t>. They are calculated by the Trading Host but not disseminated</a:t>
+            </a:r>
+            <a:r>
+              <a:rPr lang="en-US" dirty="0" smtClean="0"/>
+              <a:t>.</a:t>
+            </a:r>
+          </a:p>
+          <a:p>
+            <a:pPr lvl="1"/>
+            <a:r>
+              <a:rPr lang="en-US" dirty="0" smtClean="0"/>
+              <a:t>‘ </a:t>
+            </a:r>
+            <a:r>
+              <a:rPr lang="en-US" dirty="0"/>
+              <a:t>Implied Outs’ are prices in an outright market derived from prices in one strategy </a:t>
+            </a:r>
+            <a:r>
+              <a:rPr lang="en-US" dirty="0" smtClean="0"/>
+              <a:t>and prices </a:t>
+            </a:r>
+            <a:r>
+              <a:rPr lang="en-US" dirty="0"/>
+              <a:t>in associated legs of the strategy. Although the LIFFE CONNECT. Trading </a:t>
+            </a:r>
+            <a:r>
+              <a:rPr lang="en-US" dirty="0" smtClean="0"/>
+              <a:t>Host continuously </a:t>
+            </a:r>
+            <a:r>
+              <a:rPr lang="en-US" dirty="0"/>
+              <a:t>calculates ‘implied out’ prices, it only transmits ‘implied out’ prices </a:t>
+            </a:r>
+            <a:r>
+              <a:rPr lang="en-US" dirty="0" smtClean="0"/>
+              <a:t>when they </a:t>
+            </a:r>
+            <a:r>
+              <a:rPr lang="en-US" dirty="0"/>
+              <a:t>are equal to or better than the Best price in the central Order Book.</a:t>
+            </a:r>
           </a:p>
         </p:txBody>
       </p:sp>
     </p:spTree>
     <p:extLst>
       <p:ext uri="{BB962C8B-B14F-4D97-AF65-F5344CB8AC3E}">
-        <p14:creationId xmlns:p14="http://schemas.microsoft.com/office/powerpoint/2010/main" val="2363632775"/>
+        <p14:creationId xmlns:p14="http://schemas.microsoft.com/office/powerpoint/2010/main" val="1745493679"/>
       </p:ext>
     </p:extLst>
   </p:cSld>

--- a/doc/Implier - Background.pptx
+++ b/doc/Implier - Background.pptx
@@ -9,19 +9,18 @@
     <p:sldId id="279" r:id="rId3"/>
     <p:sldId id="257" r:id="rId4"/>
     <p:sldId id="259" r:id="rId5"/>
-    <p:sldId id="290" r:id="rId6"/>
-    <p:sldId id="258" r:id="rId7"/>
-    <p:sldId id="282" r:id="rId8"/>
-    <p:sldId id="265" r:id="rId9"/>
-    <p:sldId id="266" r:id="rId10"/>
-    <p:sldId id="267" r:id="rId11"/>
-    <p:sldId id="271" r:id="rId12"/>
-    <p:sldId id="272" r:id="rId13"/>
-    <p:sldId id="273" r:id="rId14"/>
-    <p:sldId id="274" r:id="rId15"/>
-    <p:sldId id="276" r:id="rId16"/>
-    <p:sldId id="288" r:id="rId17"/>
-    <p:sldId id="289" r:id="rId18"/>
+    <p:sldId id="258" r:id="rId6"/>
+    <p:sldId id="282" r:id="rId7"/>
+    <p:sldId id="265" r:id="rId8"/>
+    <p:sldId id="266" r:id="rId9"/>
+    <p:sldId id="267" r:id="rId10"/>
+    <p:sldId id="271" r:id="rId11"/>
+    <p:sldId id="272" r:id="rId12"/>
+    <p:sldId id="273" r:id="rId13"/>
+    <p:sldId id="274" r:id="rId14"/>
+    <p:sldId id="276" r:id="rId15"/>
+    <p:sldId id="288" r:id="rId16"/>
+    <p:sldId id="289" r:id="rId17"/>
   </p:sldIdLst>
   <p:sldSz cx="9144000" cy="6858000" type="screen4x3"/>
   <p:notesSz cx="6858000" cy="9144000"/>
@@ -305,7 +304,7 @@
             <a:fld id="{1D8BD707-D9CF-40AE-B4C6-C98DA3205C09}" type="datetimeFigureOut">
               <a:rPr lang="en-US" smtClean="0"/>
               <a:pPr/>
-              <a:t>5/23/2010</a:t>
+              <a:t>3/20/2010</a:t>
             </a:fld>
             <a:endParaRPr lang="en-US"/>
           </a:p>
@@ -472,7 +471,7 @@
             <a:fld id="{1D8BD707-D9CF-40AE-B4C6-C98DA3205C09}" type="datetimeFigureOut">
               <a:rPr lang="en-US" smtClean="0"/>
               <a:pPr/>
-              <a:t>5/23/2010</a:t>
+              <a:t>3/20/2010</a:t>
             </a:fld>
             <a:endParaRPr lang="en-US"/>
           </a:p>
@@ -649,7 +648,7 @@
             <a:fld id="{1D8BD707-D9CF-40AE-B4C6-C98DA3205C09}" type="datetimeFigureOut">
               <a:rPr lang="en-US" smtClean="0"/>
               <a:pPr/>
-              <a:t>5/23/2010</a:t>
+              <a:t>3/20/2010</a:t>
             </a:fld>
             <a:endParaRPr lang="en-US"/>
           </a:p>
@@ -816,7 +815,7 @@
             <a:fld id="{1D8BD707-D9CF-40AE-B4C6-C98DA3205C09}" type="datetimeFigureOut">
               <a:rPr lang="en-US" smtClean="0"/>
               <a:pPr/>
-              <a:t>5/23/2010</a:t>
+              <a:t>3/20/2010</a:t>
             </a:fld>
             <a:endParaRPr lang="en-US"/>
           </a:p>
@@ -1059,7 +1058,7 @@
             <a:fld id="{1D8BD707-D9CF-40AE-B4C6-C98DA3205C09}" type="datetimeFigureOut">
               <a:rPr lang="en-US" smtClean="0"/>
               <a:pPr/>
-              <a:t>5/23/2010</a:t>
+              <a:t>3/20/2010</a:t>
             </a:fld>
             <a:endParaRPr lang="en-US"/>
           </a:p>
@@ -1344,7 +1343,7 @@
             <a:fld id="{1D8BD707-D9CF-40AE-B4C6-C98DA3205C09}" type="datetimeFigureOut">
               <a:rPr lang="en-US" smtClean="0"/>
               <a:pPr/>
-              <a:t>5/23/2010</a:t>
+              <a:t>3/20/2010</a:t>
             </a:fld>
             <a:endParaRPr lang="en-US"/>
           </a:p>
@@ -1763,7 +1762,7 @@
             <a:fld id="{1D8BD707-D9CF-40AE-B4C6-C98DA3205C09}" type="datetimeFigureOut">
               <a:rPr lang="en-US" smtClean="0"/>
               <a:pPr/>
-              <a:t>5/23/2010</a:t>
+              <a:t>3/20/2010</a:t>
             </a:fld>
             <a:endParaRPr lang="en-US"/>
           </a:p>
@@ -1878,7 +1877,7 @@
             <a:fld id="{1D8BD707-D9CF-40AE-B4C6-C98DA3205C09}" type="datetimeFigureOut">
               <a:rPr lang="en-US" smtClean="0"/>
               <a:pPr/>
-              <a:t>5/23/2010</a:t>
+              <a:t>3/20/2010</a:t>
             </a:fld>
             <a:endParaRPr lang="en-US"/>
           </a:p>
@@ -1970,7 +1969,7 @@
             <a:fld id="{1D8BD707-D9CF-40AE-B4C6-C98DA3205C09}" type="datetimeFigureOut">
               <a:rPr lang="en-US" smtClean="0"/>
               <a:pPr/>
-              <a:t>5/23/2010</a:t>
+              <a:t>3/20/2010</a:t>
             </a:fld>
             <a:endParaRPr lang="en-US"/>
           </a:p>
@@ -2244,7 +2243,7 @@
             <a:fld id="{1D8BD707-D9CF-40AE-B4C6-C98DA3205C09}" type="datetimeFigureOut">
               <a:rPr lang="en-US" smtClean="0"/>
               <a:pPr/>
-              <a:t>5/23/2010</a:t>
+              <a:t>3/20/2010</a:t>
             </a:fld>
             <a:endParaRPr lang="en-US"/>
           </a:p>
@@ -2494,7 +2493,7 @@
             <a:fld id="{1D8BD707-D9CF-40AE-B4C6-C98DA3205C09}" type="datetimeFigureOut">
               <a:rPr lang="en-US" smtClean="0"/>
               <a:pPr/>
-              <a:t>5/23/2010</a:t>
+              <a:t>3/20/2010</a:t>
             </a:fld>
             <a:endParaRPr lang="en-US"/>
           </a:p>
@@ -2704,7 +2703,7 @@
             <a:fld id="{1D8BD707-D9CF-40AE-B4C6-C98DA3205C09}" type="datetimeFigureOut">
               <a:rPr lang="en-US" smtClean="0"/>
               <a:pPr/>
-              <a:t>5/23/2010</a:t>
+              <a:t>3/20/2010</a:t>
             </a:fld>
             <a:endParaRPr lang="en-US"/>
           </a:p>
@@ -3168,7 +3167,7 @@
           <a:p>
             <a:r>
               <a:rPr lang="en-US" dirty="0" smtClean="0"/>
-              <a:t>CME</a:t>
+              <a:t>CME – Implied In</a:t>
             </a:r>
             <a:endParaRPr lang="en-US" dirty="0"/>
           </a:p>
@@ -3189,62 +3188,70 @@
           <a:bodyPr/>
           <a:lstStyle/>
           <a:p>
+            <a:pPr marL="0" indent="0">
+              <a:buNone/>
+            </a:pPr>
+            <a:r>
+              <a:rPr lang="en-US" dirty="0" smtClean="0"/>
+              <a:t>1</a:t>
+            </a:r>
             <a:r>
               <a:rPr lang="en-US" dirty="0"/>
-              <a:t>1</a:t>
-            </a:r>
-            <a:r>
-              <a:rPr lang="en-US" baseline="30000" dirty="0"/>
-              <a:t>st</a:t>
-            </a:r>
+              <a:t>. There is a Bid in SIZ6 at 13955.</a:t>
+            </a:r>
+          </a:p>
+          <a:p>
+            <a:pPr marL="0" indent="0">
+              <a:buNone/>
+            </a:pPr>
             <a:r>
               <a:rPr lang="en-US" dirty="0"/>
-              <a:t> </a:t>
+              <a:t>2. There is an Ask in SIG7 at </a:t>
             </a:r>
             <a:r>
               <a:rPr lang="en-US" dirty="0" smtClean="0"/>
-              <a:t>and 2</a:t>
-            </a:r>
-            <a:r>
-              <a:rPr lang="en-US" baseline="30000" dirty="0" smtClean="0"/>
-              <a:t>nd</a:t>
-            </a:r>
+              <a:t>14025.</a:t>
+            </a:r>
+          </a:p>
+          <a:p>
+            <a:pPr marL="0" indent="0">
+              <a:buNone/>
+            </a:pPr>
             <a:r>
               <a:rPr lang="en-US" dirty="0" smtClean="0"/>
-              <a:t> Generation </a:t>
+              <a:t>3. This </a:t>
             </a:r>
             <a:r>
               <a:rPr lang="en-US" dirty="0"/>
-              <a:t>implied volume supported</a:t>
-            </a:r>
-          </a:p>
-          <a:p>
-            <a:r>
-              <a:rPr lang="en-US" dirty="0" smtClean="0">
-                <a:hlinkClick r:id="rId2"/>
-              </a:rPr>
-              <a:t>http</a:t>
-            </a:r>
-            <a:r>
-              <a:rPr lang="en-US" dirty="0">
-                <a:hlinkClick r:id="rId2"/>
-              </a:rPr>
-              <a:t>://</a:t>
-            </a:r>
-            <a:r>
-              <a:rPr lang="en-US" dirty="0" smtClean="0">
-                <a:hlinkClick r:id="rId2"/>
-              </a:rPr>
-              <a:t>www.cmegroup.com/globex/files/ImpliedPriceOverview.pdf</a:t>
-            </a:r>
+              <a:t>creates an Implied IN Bid in the Silver calendar spread SIZ6-SIG7 at -70</a:t>
+            </a:r>
+            <a:r>
+              <a:rPr lang="en-US" dirty="0" smtClean="0"/>
+              <a:t>.</a:t>
+            </a:r>
+          </a:p>
+          <a:p>
+            <a:pPr marL="0" indent="0">
+              <a:buNone/>
+            </a:pPr>
             <a:endParaRPr lang="en-US" dirty="0" smtClean="0"/>
+          </a:p>
+          <a:p>
+            <a:pPr marL="0" indent="0">
+              <a:buNone/>
+            </a:pPr>
+            <a:r>
+              <a:rPr lang="en-US" dirty="0" smtClean="0"/>
+              <a:t>Implied IN Bid in nearby/deferred spread = Bid in nearby – Ask in deferred</a:t>
+            </a:r>
+            <a:endParaRPr lang="en-US" dirty="0"/>
           </a:p>
         </p:txBody>
       </p:sp>
     </p:spTree>
     <p:extLst>
       <p:ext uri="{BB962C8B-B14F-4D97-AF65-F5344CB8AC3E}">
-        <p14:creationId xmlns:p14="http://schemas.microsoft.com/office/powerpoint/2010/main" val="2363632775"/>
+        <p14:creationId xmlns:p14="http://schemas.microsoft.com/office/powerpoint/2010/main" val="2060120788"/>
       </p:ext>
     </p:extLst>
   </p:cSld>
@@ -3295,7 +3302,7 @@
           <a:p>
             <a:r>
               <a:rPr lang="en-US" dirty="0" smtClean="0"/>
-              <a:t>CME – Implied In</a:t>
+              <a:t>CME – Implied Out Bid</a:t>
             </a:r>
             <a:endParaRPr lang="en-US" dirty="0"/>
           </a:p>
@@ -3313,7 +3320,9 @@
         </p:nvSpPr>
         <p:spPr/>
         <p:txBody>
-          <a:bodyPr/>
+          <a:bodyPr>
+            <a:normAutofit fontScale="92500" lnSpcReduction="20000"/>
+          </a:bodyPr>
           <a:lstStyle/>
           <a:p>
             <a:pPr marL="0" indent="0">
@@ -3334,24 +3343,7 @@
             </a:pPr>
             <a:r>
               <a:rPr lang="en-US" dirty="0"/>
-              <a:t>2. There is an Ask in SIG7 at </a:t>
-            </a:r>
-            <a:r>
-              <a:rPr lang="en-US" dirty="0" smtClean="0"/>
-              <a:t>14025.</a:t>
-            </a:r>
-          </a:p>
-          <a:p>
-            <a:pPr marL="0" indent="0">
-              <a:buNone/>
-            </a:pPr>
-            <a:r>
-              <a:rPr lang="en-US" dirty="0" smtClean="0"/>
-              <a:t>3. This </a:t>
-            </a:r>
-            <a:r>
-              <a:rPr lang="en-US" dirty="0"/>
-              <a:t>creates an Implied IN Bid in the Silver calendar spread SIZ6-SIG7 at -70</a:t>
+              <a:t>2. There is an Ask in the Silver calendar spread of SIZ6-SIG7 at -74</a:t>
             </a:r>
             <a:r>
               <a:rPr lang="en-US" dirty="0" smtClean="0"/>
@@ -3362,24 +3354,54 @@
             <a:pPr marL="0" indent="0">
               <a:buNone/>
             </a:pPr>
-            <a:endParaRPr lang="en-US" dirty="0" smtClean="0"/>
+            <a:r>
+              <a:rPr lang="en-US" dirty="0"/>
+              <a:t>3. This creates an Implied OUT Bid in SIG7 at 14029.</a:t>
+            </a:r>
           </a:p>
           <a:p>
             <a:pPr marL="0" indent="0">
               <a:buNone/>
             </a:pPr>
             <a:r>
+              <a:rPr lang="en-US" dirty="0"/>
+              <a:t>4. All implied OUT bids are rounded down to the next standard tick.</a:t>
+            </a:r>
+          </a:p>
+          <a:p>
+            <a:pPr marL="0" indent="0">
+              <a:buNone/>
+            </a:pPr>
+            <a:r>
+              <a:rPr lang="en-US" dirty="0"/>
+              <a:t>5. Implied OUT Bid is created in SIG7 at 14025</a:t>
+            </a:r>
+            <a:r>
               <a:rPr lang="en-US" dirty="0" smtClean="0"/>
-              <a:t>Implied IN Bid in nearby/deferred spread = Bid in nearby – Ask in deferred</a:t>
-            </a:r>
+              <a:t>.</a:t>
+            </a:r>
+          </a:p>
+          <a:p>
+            <a:pPr marL="0" indent="0">
+              <a:buNone/>
+            </a:pPr>
             <a:endParaRPr lang="en-US" dirty="0"/>
+          </a:p>
+          <a:p>
+            <a:pPr marL="0" indent="0">
+              <a:buNone/>
+            </a:pPr>
+            <a:r>
+              <a:rPr lang="en-US" dirty="0" smtClean="0"/>
+              <a:t>Implied OUT bid in deferred = Bid in nearby – Ask in spread of nearby/deferred</a:t>
+            </a:r>
           </a:p>
         </p:txBody>
       </p:sp>
     </p:spTree>
     <p:extLst>
       <p:ext uri="{BB962C8B-B14F-4D97-AF65-F5344CB8AC3E}">
-        <p14:creationId xmlns:p14="http://schemas.microsoft.com/office/powerpoint/2010/main" val="2060120788"/>
+        <p14:creationId xmlns:p14="http://schemas.microsoft.com/office/powerpoint/2010/main" val="170838426"/>
       </p:ext>
     </p:extLst>
   </p:cSld>
@@ -3430,7 +3452,7 @@
           <a:p>
             <a:r>
               <a:rPr lang="en-US" dirty="0" smtClean="0"/>
-              <a:t>CME – Implied Out Bid</a:t>
+              <a:t>CME – Implied Out Ask</a:t>
             </a:r>
             <a:endParaRPr lang="en-US" dirty="0"/>
           </a:p>
@@ -3449,7 +3471,7 @@
         <p:spPr/>
         <p:txBody>
           <a:bodyPr>
-            <a:normAutofit fontScale="92500" lnSpcReduction="20000"/>
+            <a:normAutofit fontScale="85000" lnSpcReduction="10000"/>
           </a:bodyPr>
           <a:lstStyle/>
           <a:p>
@@ -3457,12 +3479,8 @@
               <a:buNone/>
             </a:pPr>
             <a:r>
-              <a:rPr lang="en-US" dirty="0" smtClean="0"/>
-              <a:t>1</a:t>
-            </a:r>
-            <a:r>
               <a:rPr lang="en-US" dirty="0"/>
-              <a:t>. There is a Bid in SIZ6 at 13955.</a:t>
+              <a:t>1. There is an Ask in SIZ6 at 13955.</a:t>
             </a:r>
           </a:p>
           <a:p>
@@ -3471,7 +3489,34 @@
             </a:pPr>
             <a:r>
               <a:rPr lang="en-US" dirty="0"/>
-              <a:t>2. There is an Ask in the Silver calendar spread of SIZ6-SIG7 at -74</a:t>
+              <a:t>2. There is a Bid in the Silver calendar spread of SIZ6-SIG7 at -74.</a:t>
+            </a:r>
+          </a:p>
+          <a:p>
+            <a:pPr marL="0" indent="0">
+              <a:buNone/>
+            </a:pPr>
+            <a:r>
+              <a:rPr lang="en-US" dirty="0"/>
+              <a:t>3. This calculates an Implied OUT Ask in SIG7 at 14029.</a:t>
+            </a:r>
+          </a:p>
+          <a:p>
+            <a:pPr marL="0" indent="0">
+              <a:buNone/>
+            </a:pPr>
+            <a:r>
+              <a:rPr lang="en-US" dirty="0"/>
+              <a:t>4. All implied OUT asks are rounded up to the next standard tick.</a:t>
+            </a:r>
+          </a:p>
+          <a:p>
+            <a:pPr marL="0" indent="0">
+              <a:buNone/>
+            </a:pPr>
+            <a:r>
+              <a:rPr lang="en-US" dirty="0"/>
+              <a:t>5. Implied OUT Bid is created in SIG7 at 14030</a:t>
             </a:r>
             <a:r>
               <a:rPr lang="en-US" dirty="0" smtClean="0"/>
@@ -3482,46 +3527,15 @@
             <a:pPr marL="0" indent="0">
               <a:buNone/>
             </a:pPr>
-            <a:r>
-              <a:rPr lang="en-US" dirty="0"/>
-              <a:t>3. This creates an Implied OUT Bid in SIG7 at 14029.</a:t>
-            </a:r>
+            <a:endParaRPr lang="en-US" dirty="0"/>
           </a:p>
           <a:p>
             <a:pPr marL="0" indent="0">
               <a:buNone/>
             </a:pPr>
             <a:r>
-              <a:rPr lang="en-US" dirty="0"/>
-              <a:t>4. All implied OUT bids are rounded down to the next standard tick.</a:t>
-            </a:r>
-          </a:p>
-          <a:p>
-            <a:pPr marL="0" indent="0">
-              <a:buNone/>
-            </a:pPr>
-            <a:r>
-              <a:rPr lang="en-US" dirty="0"/>
-              <a:t>5. Implied OUT Bid is created in SIG7 at 14025</a:t>
-            </a:r>
-            <a:r>
               <a:rPr lang="en-US" dirty="0" smtClean="0"/>
-              <a:t>.</a:t>
-            </a:r>
-          </a:p>
-          <a:p>
-            <a:pPr marL="0" indent="0">
-              <a:buNone/>
-            </a:pPr>
-            <a:endParaRPr lang="en-US" dirty="0"/>
-          </a:p>
-          <a:p>
-            <a:pPr marL="0" indent="0">
-              <a:buNone/>
-            </a:pPr>
-            <a:r>
-              <a:rPr lang="en-US" dirty="0" smtClean="0"/>
-              <a:t>Implied OUT bid in deferred = Bid in nearby – Ask in spread of nearby/deferred</a:t>
+              <a:t>Implied OUT ask in deferred = ask in nearby – bid in spread nearby/deferred</a:t>
             </a:r>
           </a:p>
         </p:txBody>
@@ -3529,7 +3543,7 @@
     </p:spTree>
     <p:extLst>
       <p:ext uri="{BB962C8B-B14F-4D97-AF65-F5344CB8AC3E}">
-        <p14:creationId xmlns:p14="http://schemas.microsoft.com/office/powerpoint/2010/main" val="170838426"/>
+        <p14:creationId xmlns:p14="http://schemas.microsoft.com/office/powerpoint/2010/main" val="4238843867"/>
       </p:ext>
     </p:extLst>
   </p:cSld>
@@ -3580,7 +3594,15 @@
           <a:p>
             <a:r>
               <a:rPr lang="en-US" dirty="0" smtClean="0"/>
-              <a:t>CME – Implied Out Ask</a:t>
+              <a:t>CME – 2</a:t>
+            </a:r>
+            <a:r>
+              <a:rPr lang="en-US" baseline="30000" dirty="0" smtClean="0"/>
+              <a:t>nd</a:t>
+            </a:r>
+            <a:r>
+              <a:rPr lang="en-US" dirty="0" smtClean="0"/>
+              <a:t> Generation Implied</a:t>
             </a:r>
             <a:endParaRPr lang="en-US" dirty="0"/>
           </a:p>
@@ -3599,7 +3621,7 @@
         <p:spPr/>
         <p:txBody>
           <a:bodyPr>
-            <a:normAutofit fontScale="85000" lnSpcReduction="10000"/>
+            <a:normAutofit lnSpcReduction="10000"/>
           </a:bodyPr>
           <a:lstStyle/>
           <a:p>
@@ -3608,7 +3630,7 @@
             </a:pPr>
             <a:r>
               <a:rPr lang="en-US" dirty="0"/>
-              <a:t>1. There is an Ask in SIZ6 at 13955.</a:t>
+              <a:t>1. There is an Implied OUT Bid in the SIZ6 at 14010.</a:t>
             </a:r>
           </a:p>
           <a:p>
@@ -3617,7 +3639,7 @@
             </a:pPr>
             <a:r>
               <a:rPr lang="en-US" dirty="0"/>
-              <a:t>2. There is a Bid in the Silver calendar spread of SIZ6-SIG7 at -74.</a:t>
+              <a:t>2. There is a real order for a 2-lot Ask in the SIF7 at 13995.</a:t>
             </a:r>
           </a:p>
           <a:p>
@@ -3626,25 +3648,7 @@
             </a:pPr>
             <a:r>
               <a:rPr lang="en-US" dirty="0"/>
-              <a:t>3. This calculates an Implied OUT Ask in SIG7 at 14029.</a:t>
-            </a:r>
-          </a:p>
-          <a:p>
-            <a:pPr marL="0" indent="0">
-              <a:buNone/>
-            </a:pPr>
-            <a:r>
-              <a:rPr lang="en-US" dirty="0"/>
-              <a:t>4. All implied OUT asks are rounded up to the next standard tick.</a:t>
-            </a:r>
-          </a:p>
-          <a:p>
-            <a:pPr marL="0" indent="0">
-              <a:buNone/>
-            </a:pPr>
-            <a:r>
-              <a:rPr lang="en-US" dirty="0"/>
-              <a:t>5. Implied OUT Bid is created in SIG7 at 14030</a:t>
+              <a:t>3. This creates an Implied 2nd Gen IN Bid order in the SIZ6-SIF7 at 15</a:t>
             </a:r>
             <a:r>
               <a:rPr lang="en-US" dirty="0" smtClean="0"/>
@@ -3663,7 +3667,15 @@
             </a:pPr>
             <a:r>
               <a:rPr lang="en-US" dirty="0" smtClean="0"/>
-              <a:t>Implied OUT ask in deferred = ask in nearby – bid in spread nearby/deferred</a:t>
+              <a:t>2</a:t>
+            </a:r>
+            <a:r>
+              <a:rPr lang="en-US" baseline="30000" dirty="0" smtClean="0"/>
+              <a:t>nd</a:t>
+            </a:r>
+            <a:r>
+              <a:rPr lang="en-US" dirty="0" smtClean="0"/>
+              <a:t> generation implied IN bid in spread = implied bid in nearby – ask in deferred</a:t>
             </a:r>
           </a:p>
         </p:txBody>
@@ -3671,7 +3683,7 @@
     </p:spTree>
     <p:extLst>
       <p:ext uri="{BB962C8B-B14F-4D97-AF65-F5344CB8AC3E}">
-        <p14:creationId xmlns:p14="http://schemas.microsoft.com/office/powerpoint/2010/main" val="4238843867"/>
+        <p14:creationId xmlns:p14="http://schemas.microsoft.com/office/powerpoint/2010/main" val="1254939572"/>
       </p:ext>
     </p:extLst>
   </p:cSld>
@@ -3722,96 +3734,57 @@
           <a:p>
             <a:r>
               <a:rPr lang="en-US" dirty="0" smtClean="0"/>
-              <a:t>CME – 2</a:t>
-            </a:r>
-            <a:r>
-              <a:rPr lang="en-US" baseline="30000" dirty="0" smtClean="0"/>
-              <a:t>nd</a:t>
-            </a:r>
+              <a:t>Generalizing</a:t>
+            </a:r>
+            <a:endParaRPr lang="en-US" dirty="0"/>
+          </a:p>
+        </p:txBody>
+      </p:sp>
+      <p:sp>
+        <p:nvSpPr>
+          <p:cNvPr id="3" name="Content Placeholder 2"/>
+          <p:cNvSpPr>
+            <a:spLocks noGrp="1"/>
+          </p:cNvSpPr>
+          <p:nvPr>
+            <p:ph idx="1"/>
+          </p:nvPr>
+        </p:nvSpPr>
+        <p:spPr/>
+        <p:txBody>
+          <a:bodyPr/>
+          <a:lstStyle/>
+          <a:p>
             <a:r>
               <a:rPr lang="en-US" dirty="0" smtClean="0"/>
-              <a:t> Generation Implied</a:t>
+              <a:t>Implied Bid in spread = Bid in nearby – Ask in deferred</a:t>
+            </a:r>
+          </a:p>
+          <a:p>
+            <a:r>
+              <a:rPr lang="en-US" dirty="0" smtClean="0"/>
+              <a:t>Implied Ask in spread = Ask in nearby – Bid in deferred</a:t>
+            </a:r>
+          </a:p>
+          <a:p>
+            <a:r>
+              <a:rPr lang="en-US" dirty="0" smtClean="0"/>
+              <a:t>Implied Bid in deferred = Bid in nearby – Ask in spread</a:t>
+            </a:r>
+          </a:p>
+          <a:p>
+            <a:r>
+              <a:rPr lang="en-US" dirty="0" smtClean="0"/>
+              <a:t>Implied Ask in deferred = Ask in nearby – Bid in spread</a:t>
             </a:r>
             <a:endParaRPr lang="en-US" dirty="0"/>
-          </a:p>
-        </p:txBody>
-      </p:sp>
-      <p:sp>
-        <p:nvSpPr>
-          <p:cNvPr id="3" name="Content Placeholder 2"/>
-          <p:cNvSpPr>
-            <a:spLocks noGrp="1"/>
-          </p:cNvSpPr>
-          <p:nvPr>
-            <p:ph idx="1"/>
-          </p:nvPr>
-        </p:nvSpPr>
-        <p:spPr/>
-        <p:txBody>
-          <a:bodyPr>
-            <a:normAutofit lnSpcReduction="10000"/>
-          </a:bodyPr>
-          <a:lstStyle/>
-          <a:p>
-            <a:pPr marL="0" indent="0">
-              <a:buNone/>
-            </a:pPr>
-            <a:r>
-              <a:rPr lang="en-US" dirty="0"/>
-              <a:t>1. There is an Implied OUT Bid in the SIZ6 at 14010.</a:t>
-            </a:r>
-          </a:p>
-          <a:p>
-            <a:pPr marL="0" indent="0">
-              <a:buNone/>
-            </a:pPr>
-            <a:r>
-              <a:rPr lang="en-US" dirty="0"/>
-              <a:t>2. There is a real order for a 2-lot Ask in the SIF7 at 13995.</a:t>
-            </a:r>
-          </a:p>
-          <a:p>
-            <a:pPr marL="0" indent="0">
-              <a:buNone/>
-            </a:pPr>
-            <a:r>
-              <a:rPr lang="en-US" dirty="0"/>
-              <a:t>3. This creates an Implied 2nd Gen IN Bid order in the SIZ6-SIF7 at 15</a:t>
-            </a:r>
-            <a:r>
-              <a:rPr lang="en-US" dirty="0" smtClean="0"/>
-              <a:t>.</a:t>
-            </a:r>
-          </a:p>
-          <a:p>
-            <a:pPr marL="0" indent="0">
-              <a:buNone/>
-            </a:pPr>
-            <a:endParaRPr lang="en-US" dirty="0"/>
-          </a:p>
-          <a:p>
-            <a:pPr marL="0" indent="0">
-              <a:buNone/>
-            </a:pPr>
-            <a:r>
-              <a:rPr lang="en-US" dirty="0" smtClean="0"/>
-              <a:t>2</a:t>
-            </a:r>
-            <a:r>
-              <a:rPr lang="en-US" baseline="30000" dirty="0" smtClean="0"/>
-              <a:t>nd</a:t>
-            </a:r>
-            <a:r>
-              <a:rPr lang="en-US" dirty="0" smtClean="0"/>
-              <a:t> generation implied IN bid in spread = implied bid in nearby – ask in deferred</a:t>
-            </a:r>
           </a:p>
         </p:txBody>
       </p:sp>
     </p:spTree>
     <p:extLst>
       <p:ext uri="{BB962C8B-B14F-4D97-AF65-F5344CB8AC3E}">
-        <p14:creationId xmlns:p14="http://schemas.microsoft.com/office/powerpoint/2010/main" val="1254939572"/>
+        <p14:creationId xmlns:p14="http://schemas.microsoft.com/office/powerpoint/2010/main" val="2770255972"/>
       </p:ext>
     </p:extLst>
   </p:cSld>
@@ -3862,7 +3835,7 @@
           <a:p>
             <a:r>
               <a:rPr lang="en-US" dirty="0" smtClean="0"/>
-              <a:t>Generalizing</a:t>
+              <a:t>Pure Arbitrage</a:t>
             </a:r>
             <a:endParaRPr lang="en-US" dirty="0"/>
           </a:p>
@@ -3884,35 +3857,59 @@
           <a:lstStyle/>
           <a:p>
             <a:r>
+              <a:rPr lang="en-US" dirty="0" err="1" smtClean="0"/>
+              <a:t>Implieds</a:t>
+            </a:r>
+            <a:r>
               <a:rPr lang="en-US" dirty="0" smtClean="0"/>
-              <a:t>Implied Bid in spread = Bid in nearby – Ask in deferred</a:t>
-            </a:r>
-          </a:p>
-          <a:p>
+              <a:t> can result in </a:t>
+            </a:r>
+            <a:r>
+              <a:rPr lang="en-US" dirty="0" err="1" smtClean="0"/>
+              <a:t>multileg</a:t>
+            </a:r>
             <a:r>
               <a:rPr lang="en-US" dirty="0" smtClean="0"/>
-              <a:t>Implied Ask in spread = Ask in nearby – Bid in deferred</a:t>
-            </a:r>
-          </a:p>
-          <a:p>
+              <a:t> trades that give a price below the market price</a:t>
+            </a:r>
+          </a:p>
+          <a:p>
+            <a:pPr lvl="1"/>
             <a:r>
               <a:rPr lang="en-US" dirty="0" smtClean="0"/>
-              <a:t>Implied Bid in deferred = Bid in nearby – Ask in spread</a:t>
-            </a:r>
+              <a:t>This is an opportunity for pure arbitrage</a:t>
+            </a:r>
+            <a:endParaRPr lang="en-US" dirty="0" smtClean="0"/>
           </a:p>
           <a:p>
             <a:r>
               <a:rPr lang="en-US" dirty="0" smtClean="0"/>
-              <a:t>Implied Ask in deferred = Ask in nearby – Bid in spread</a:t>
-            </a:r>
-            <a:endParaRPr lang="en-US" dirty="0"/>
+              <a:t>Buying one of these </a:t>
+            </a:r>
+            <a:r>
+              <a:rPr lang="en-US" dirty="0" err="1" smtClean="0"/>
+              <a:t>multileg</a:t>
+            </a:r>
+            <a:r>
+              <a:rPr lang="en-US" dirty="0" smtClean="0"/>
+              <a:t> instruments gives a butterfly that needs unrolling</a:t>
+            </a:r>
+            <a:endParaRPr lang="en-US" dirty="0" smtClean="0"/>
+          </a:p>
+          <a:p>
+            <a:pPr lvl="1"/>
+            <a:r>
+              <a:rPr lang="en-US" dirty="0" smtClean="0"/>
+              <a:t>The trade can be unrolled at a later date provided the expiration is not immediate</a:t>
+            </a:r>
+            <a:endParaRPr lang="en-US" dirty="0" smtClean="0"/>
           </a:p>
         </p:txBody>
       </p:sp>
     </p:spTree>
     <p:extLst>
       <p:ext uri="{BB962C8B-B14F-4D97-AF65-F5344CB8AC3E}">
-        <p14:creationId xmlns:p14="http://schemas.microsoft.com/office/powerpoint/2010/main" val="2770255972"/>
+        <p14:creationId xmlns:p14="http://schemas.microsoft.com/office/powerpoint/2010/main" val="3937704795"/>
       </p:ext>
     </p:extLst>
   </p:cSld>
@@ -3958,128 +3955,6 @@
         </p:nvSpPr>
         <p:spPr/>
         <p:txBody>
-          <a:bodyPr/>
-          <a:lstStyle/>
-          <a:p>
-            <a:r>
-              <a:rPr lang="en-US" dirty="0" smtClean="0"/>
-              <a:t>Pure Arbitrage</a:t>
-            </a:r>
-            <a:endParaRPr lang="en-US" dirty="0"/>
-          </a:p>
-        </p:txBody>
-      </p:sp>
-      <p:sp>
-        <p:nvSpPr>
-          <p:cNvPr id="3" name="Content Placeholder 2"/>
-          <p:cNvSpPr>
-            <a:spLocks noGrp="1"/>
-          </p:cNvSpPr>
-          <p:nvPr>
-            <p:ph idx="1"/>
-          </p:nvPr>
-        </p:nvSpPr>
-        <p:spPr/>
-        <p:txBody>
-          <a:bodyPr/>
-          <a:lstStyle/>
-          <a:p>
-            <a:r>
-              <a:rPr lang="en-US" dirty="0" err="1" smtClean="0"/>
-              <a:t>Implieds</a:t>
-            </a:r>
-            <a:r>
-              <a:rPr lang="en-US" dirty="0" smtClean="0"/>
-              <a:t> can result in </a:t>
-            </a:r>
-            <a:r>
-              <a:rPr lang="en-US" dirty="0" err="1" smtClean="0"/>
-              <a:t>multileg</a:t>
-            </a:r>
-            <a:r>
-              <a:rPr lang="en-US" dirty="0" smtClean="0"/>
-              <a:t> trades that give a price below the market price</a:t>
-            </a:r>
-          </a:p>
-          <a:p>
-            <a:pPr lvl="1"/>
-            <a:r>
-              <a:rPr lang="en-US" dirty="0" smtClean="0"/>
-              <a:t>This is an opportunity for pure arbitrage</a:t>
-            </a:r>
-          </a:p>
-          <a:p>
-            <a:r>
-              <a:rPr lang="en-US" dirty="0" smtClean="0"/>
-              <a:t>Buying one of these </a:t>
-            </a:r>
-            <a:r>
-              <a:rPr lang="en-US" dirty="0" err="1" smtClean="0"/>
-              <a:t>multileg</a:t>
-            </a:r>
-            <a:r>
-              <a:rPr lang="en-US" dirty="0" smtClean="0"/>
-              <a:t> instruments gives a butterfly that needs unrolling</a:t>
-            </a:r>
-          </a:p>
-          <a:p>
-            <a:pPr lvl="1"/>
-            <a:r>
-              <a:rPr lang="en-US" dirty="0" smtClean="0"/>
-              <a:t>The trade can be unrolled at a later date provided the expiration is not immediate</a:t>
-            </a:r>
-          </a:p>
-        </p:txBody>
-      </p:sp>
-    </p:spTree>
-    <p:extLst>
-      <p:ext uri="{BB962C8B-B14F-4D97-AF65-F5344CB8AC3E}">
-        <p14:creationId xmlns:p14="http://schemas.microsoft.com/office/powerpoint/2010/main" val="3937704795"/>
-      </p:ext>
-    </p:extLst>
-  </p:cSld>
-  <p:clrMapOvr>
-    <a:masterClrMapping/>
-  </p:clrMapOvr>
-  <p:timing>
-    <p:tnLst>
-      <p:par>
-        <p:cTn xmlns:p14="http://schemas.microsoft.com/office/powerpoint/2010/main" id="1" dur="indefinite" restart="never" nodeType="tmRoot"/>
-      </p:par>
-    </p:tnLst>
-  </p:timing>
-</p:sld>
-</file>
-
-<file path=ppt/slides/slide17.xml><?xml version="1.0" encoding="utf-8"?>
-<p:sld xmlns:a="http://schemas.openxmlformats.org/drawingml/2006/main" xmlns:r="http://schemas.openxmlformats.org/officeDocument/2006/relationships" xmlns:p="http://schemas.openxmlformats.org/presentationml/2006/main">
-  <p:cSld>
-    <p:spTree>
-      <p:nvGrpSpPr>
-        <p:cNvPr id="1" name=""/>
-        <p:cNvGrpSpPr/>
-        <p:nvPr/>
-      </p:nvGrpSpPr>
-      <p:grpSpPr>
-        <a:xfrm>
-          <a:off x="0" y="0"/>
-          <a:ext cx="0" cy="0"/>
-          <a:chOff x="0" y="0"/>
-          <a:chExt cx="0" cy="0"/>
-        </a:xfrm>
-      </p:grpSpPr>
-      <p:sp>
-        <p:nvSpPr>
-          <p:cNvPr id="2" name="Title 1"/>
-          <p:cNvSpPr>
-            <a:spLocks noGrp="1"/>
-          </p:cNvSpPr>
-          <p:nvPr>
-            <p:ph type="title"/>
-          </p:nvPr>
-        </p:nvSpPr>
-        <p:spPr/>
-        <p:txBody>
           <a:bodyPr>
             <a:normAutofit fontScale="90000"/>
           </a:bodyPr>
@@ -4145,8 +4020,13 @@
             </a:r>
             <a:r>
               <a:rPr lang="en-US" dirty="0" smtClean="0"/>
-              <a:t>be used to quickly enter the market potentially at an initial profit</a:t>
-            </a:r>
+              <a:t>be used to </a:t>
+            </a:r>
+            <a:r>
+              <a:rPr lang="en-US" dirty="0" smtClean="0"/>
+              <a:t>quickly enter the market potentially at an initial profit</a:t>
+            </a:r>
+            <a:endParaRPr lang="en-US" dirty="0" smtClean="0"/>
           </a:p>
         </p:txBody>
       </p:sp>
@@ -4545,107 +4425,6 @@
 </file>
 
 <file path=ppt/slides/slide5.xml><?xml version="1.0" encoding="utf-8"?>
-<p:sld xmlns:a="http://schemas.openxmlformats.org/drawingml/2006/main" xmlns:r="http://schemas.openxmlformats.org/officeDocument/2006/relationships" xmlns:p="http://schemas.openxmlformats.org/presentationml/2006/main">
-  <p:cSld>
-    <p:spTree>
-      <p:nvGrpSpPr>
-        <p:cNvPr id="1" name=""/>
-        <p:cNvGrpSpPr/>
-        <p:nvPr/>
-      </p:nvGrpSpPr>
-      <p:grpSpPr>
-        <a:xfrm>
-          <a:off x="0" y="0"/>
-          <a:ext cx="0" cy="0"/>
-          <a:chOff x="0" y="0"/>
-          <a:chExt cx="0" cy="0"/>
-        </a:xfrm>
-      </p:grpSpPr>
-      <p:sp>
-        <p:nvSpPr>
-          <p:cNvPr id="2" name="Title 1"/>
-          <p:cNvSpPr>
-            <a:spLocks noGrp="1"/>
-          </p:cNvSpPr>
-          <p:nvPr>
-            <p:ph type="title"/>
-          </p:nvPr>
-        </p:nvSpPr>
-        <p:spPr/>
-        <p:txBody>
-          <a:bodyPr/>
-          <a:lstStyle/>
-          <a:p>
-            <a:r>
-              <a:rPr lang="en-US" dirty="0" smtClean="0"/>
-              <a:t>TT Spread Matrix</a:t>
-            </a:r>
-            <a:endParaRPr lang="en-US" dirty="0"/>
-          </a:p>
-        </p:txBody>
-      </p:sp>
-      <p:pic>
-        <p:nvPicPr>
-          <p:cNvPr id="3" name="Picture 2" descr="C:\Users\ben\Desktop\2010 q2\implier\Misc\TTSpreadMatrix.png"/>
-          <p:cNvPicPr>
-            <a:picLocks noChangeAspect="1" noChangeArrowheads="1"/>
-          </p:cNvPicPr>
-          <p:nvPr/>
-        </p:nvPicPr>
-        <p:blipFill>
-          <a:blip r:embed="rId2">
-            <a:extLst>
-              <a:ext uri="{28A0092B-C50C-407E-A947-70E740481C1C}">
-                <a14:useLocalDpi xmlns:a14="http://schemas.microsoft.com/office/drawing/2010/main" val="0"/>
-              </a:ext>
-            </a:extLst>
-          </a:blip>
-          <a:srcRect/>
-          <a:stretch>
-            <a:fillRect/>
-          </a:stretch>
-        </p:blipFill>
-        <p:spPr bwMode="auto">
-          <a:xfrm>
-            <a:off x="0" y="1284513"/>
-            <a:ext cx="9144000" cy="5573487"/>
-          </a:xfrm>
-          <a:prstGeom prst="rect">
-            <a:avLst/>
-          </a:prstGeom>
-          <a:noFill/>
-          <a:extLst>
-            <a:ext uri="{909E8E84-426E-40DD-AFC4-6F175D3DCCD1}">
-              <a14:hiddenFill xmlns:a14="http://schemas.microsoft.com/office/drawing/2010/main">
-                <a:solidFill>
-                  <a:srgbClr xmlns:mc="http://schemas.openxmlformats.org/markup-compatibility/2006" val="FFFFFF" mc:Ignorable=""/>
-                </a:solidFill>
-              </a14:hiddenFill>
-            </a:ext>
-          </a:extLst>
-        </p:spPr>
-      </p:pic>
-    </p:spTree>
-    <p:extLst>
-      <p:ext uri="{BB962C8B-B14F-4D97-AF65-F5344CB8AC3E}">
-        <p14:creationId xmlns:p14="http://schemas.microsoft.com/office/powerpoint/2010/main" val="1318953831"/>
-      </p:ext>
-    </p:extLst>
-  </p:cSld>
-  <p:clrMapOvr>
-    <a:masterClrMapping/>
-  </p:clrMapOvr>
-  <p:timing>
-    <p:tnLst>
-      <p:par>
-        <p:cTn xmlns:p14="http://schemas.microsoft.com/office/powerpoint/2010/main" id="1" dur="indefinite" restart="never" nodeType="tmRoot"/>
-      </p:par>
-    </p:tnLst>
-  </p:timing>
-</p:sld>
-</file>
-
-<file path=ppt/slides/slide6.xml><?xml version="1.0" encoding="utf-8"?>
 <p:sld xmlns:a="http://schemas.openxmlformats.org/drawingml/2006/main" xmlns:r="http://schemas.openxmlformats.org/officeDocument/2006/relationships" xmlns:p="http://schemas.openxmlformats.org/presentationml/2006/main">
   <p:cSld>
     <p:spTree>
@@ -5797,7 +5576,7 @@
 </p:sld>
 </file>
 
-<file path=ppt/slides/slide7.xml><?xml version="1.0" encoding="utf-8"?>
+<file path=ppt/slides/slide6.xml><?xml version="1.0" encoding="utf-8"?>
 <p:sld xmlns:a="http://schemas.openxmlformats.org/drawingml/2006/main" xmlns:r="http://schemas.openxmlformats.org/officeDocument/2006/relationships" xmlns:p="http://schemas.openxmlformats.org/presentationml/2006/main">
   <p:cSld>
     <p:spTree>
@@ -7088,6 +6867,116 @@
 </p:sld>
 </file>
 
+<file path=ppt/slides/slide7.xml><?xml version="1.0" encoding="utf-8"?>
+<p:sld xmlns:a="http://schemas.openxmlformats.org/drawingml/2006/main" xmlns:r="http://schemas.openxmlformats.org/officeDocument/2006/relationships" xmlns:p="http://schemas.openxmlformats.org/presentationml/2006/main">
+  <p:cSld>
+    <p:spTree>
+      <p:nvGrpSpPr>
+        <p:cNvPr id="1" name=""/>
+        <p:cNvGrpSpPr/>
+        <p:nvPr/>
+      </p:nvGrpSpPr>
+      <p:grpSpPr>
+        <a:xfrm>
+          <a:off x="0" y="0"/>
+          <a:ext cx="0" cy="0"/>
+          <a:chOff x="0" y="0"/>
+          <a:chExt cx="0" cy="0"/>
+        </a:xfrm>
+      </p:grpSpPr>
+      <p:sp>
+        <p:nvSpPr>
+          <p:cNvPr id="2" name="Title 1"/>
+          <p:cNvSpPr>
+            <a:spLocks noGrp="1"/>
+          </p:cNvSpPr>
+          <p:nvPr>
+            <p:ph type="title"/>
+          </p:nvPr>
+        </p:nvSpPr>
+        <p:spPr/>
+        <p:txBody>
+          <a:bodyPr>
+            <a:normAutofit/>
+          </a:bodyPr>
+          <a:lstStyle/>
+          <a:p>
+            <a:r>
+              <a:rPr lang="en-US" dirty="0" smtClean="0"/>
+              <a:t>ICE</a:t>
+            </a:r>
+            <a:endParaRPr lang="en-US" dirty="0"/>
+          </a:p>
+        </p:txBody>
+      </p:sp>
+      <p:sp>
+        <p:nvSpPr>
+          <p:cNvPr id="3" name="Content Placeholder 2"/>
+          <p:cNvSpPr>
+            <a:spLocks noGrp="1"/>
+          </p:cNvSpPr>
+          <p:nvPr>
+            <p:ph idx="1"/>
+          </p:nvPr>
+        </p:nvSpPr>
+        <p:spPr/>
+        <p:txBody>
+          <a:bodyPr/>
+          <a:lstStyle/>
+          <a:p>
+            <a:r>
+              <a:rPr lang="en-US" dirty="0" smtClean="0"/>
+              <a:t>1</a:t>
+            </a:r>
+            <a:r>
+              <a:rPr lang="en-US" baseline="30000" dirty="0" smtClean="0"/>
+              <a:t>st</a:t>
+            </a:r>
+            <a:r>
+              <a:rPr lang="en-US" dirty="0" smtClean="0"/>
+              <a:t> Generation implied volume supported</a:t>
+            </a:r>
+          </a:p>
+          <a:p>
+            <a:r>
+              <a:rPr lang="en-US" dirty="0">
+                <a:hlinkClick r:id="rId2"/>
+              </a:rPr>
+              <a:t>https://</a:t>
+            </a:r>
+            <a:r>
+              <a:rPr lang="en-US" dirty="0" smtClean="0">
+                <a:hlinkClick r:id="rId2"/>
+              </a:rPr>
+              <a:t>icelive.theice.com/ice_files/ICELivePro_enhancements.pdf</a:t>
+            </a:r>
+            <a:endParaRPr lang="en-US" dirty="0" smtClean="0"/>
+          </a:p>
+          <a:p>
+            <a:endParaRPr lang="en-US" dirty="0"/>
+          </a:p>
+        </p:txBody>
+      </p:sp>
+    </p:spTree>
+    <p:extLst>
+      <p:ext uri="{BB962C8B-B14F-4D97-AF65-F5344CB8AC3E}">
+        <p14:creationId xmlns:p14="http://schemas.microsoft.com/office/powerpoint/2010/main" val="2193909352"/>
+      </p:ext>
+    </p:extLst>
+  </p:cSld>
+  <p:clrMapOvr>
+    <a:masterClrMapping/>
+  </p:clrMapOvr>
+  <p:timing>
+    <p:tnLst>
+      <p:par>
+        <p:cTn xmlns:p14="http://schemas.microsoft.com/office/powerpoint/2010/main" id="1" dur="indefinite" restart="never" nodeType="tmRoot"/>
+      </p:par>
+    </p:tnLst>
+  </p:timing>
+</p:sld>
+</file>
+
 <file path=ppt/slides/slide8.xml><?xml version="1.0" encoding="utf-8"?>
 <p:sld xmlns:a="http://schemas.openxmlformats.org/drawingml/2006/main" xmlns:r="http://schemas.openxmlformats.org/officeDocument/2006/relationships" xmlns:p="http://schemas.openxmlformats.org/presentationml/2006/main">
   <p:cSld>
@@ -7117,45 +7006,49 @@
         </p:nvSpPr>
         <p:spPr/>
         <p:txBody>
+          <a:bodyPr/>
+          <a:lstStyle/>
+          <a:p>
+            <a:r>
+              <a:rPr lang="en-US" dirty="0" smtClean="0"/>
+              <a:t>LIFFE - EURIBOR</a:t>
+            </a:r>
+            <a:endParaRPr lang="en-US" dirty="0"/>
+          </a:p>
+        </p:txBody>
+      </p:sp>
+      <p:sp>
+        <p:nvSpPr>
+          <p:cNvPr id="3" name="Content Placeholder 2"/>
+          <p:cNvSpPr>
+            <a:spLocks noGrp="1"/>
+          </p:cNvSpPr>
+          <p:nvPr>
+            <p:ph idx="1"/>
+          </p:nvPr>
+        </p:nvSpPr>
+        <p:spPr/>
+        <p:txBody>
           <a:bodyPr>
-            <a:normAutofit/>
+            <a:normAutofit fontScale="70000" lnSpcReduction="20000"/>
           </a:bodyPr>
           <a:lstStyle/>
           <a:p>
             <a:r>
+              <a:rPr lang="en-US" dirty="0"/>
+              <a:t>1</a:t>
+            </a:r>
+            <a:r>
+              <a:rPr lang="en-US" baseline="30000" dirty="0"/>
+              <a:t>st</a:t>
+            </a:r>
+            <a:r>
+              <a:rPr lang="en-US" dirty="0"/>
+              <a:t> Generation implied volume </a:t>
+            </a:r>
+            <a:r>
               <a:rPr lang="en-US" dirty="0" smtClean="0"/>
-              <a:t>ICE</a:t>
-            </a:r>
-            <a:endParaRPr lang="en-US" dirty="0"/>
-          </a:p>
-        </p:txBody>
-      </p:sp>
-      <p:sp>
-        <p:nvSpPr>
-          <p:cNvPr id="3" name="Content Placeholder 2"/>
-          <p:cNvSpPr>
-            <a:spLocks noGrp="1"/>
-          </p:cNvSpPr>
-          <p:nvPr>
-            <p:ph idx="1"/>
-          </p:nvPr>
-        </p:nvSpPr>
-        <p:spPr/>
-        <p:txBody>
-          <a:bodyPr/>
-          <a:lstStyle/>
-          <a:p>
-            <a:r>
-              <a:rPr lang="en-US" dirty="0" smtClean="0"/>
-              <a:t>1</a:t>
-            </a:r>
-            <a:r>
-              <a:rPr lang="en-US" baseline="30000" dirty="0" smtClean="0"/>
-              <a:t>st</a:t>
-            </a:r>
-            <a:r>
-              <a:rPr lang="en-US" dirty="0" smtClean="0"/>
-              <a:t> Generation implied volume supported</a:t>
+              <a:t>supported</a:t>
             </a:r>
           </a:p>
           <a:p>
@@ -7163,25 +7056,114 @@
               <a:rPr lang="en-US" dirty="0">
                 <a:hlinkClick r:id="rId2"/>
               </a:rPr>
-              <a:t>https://</a:t>
+              <a:t>http://</a:t>
             </a:r>
             <a:r>
               <a:rPr lang="en-US" dirty="0" smtClean="0">
                 <a:hlinkClick r:id="rId2"/>
               </a:rPr>
-              <a:t>icelive.theice.com/ice_files/ICELivePro_enhancements.pdf</a:t>
+              <a:t>www.nyse.com/pdfs/6471_LRS.pdf</a:t>
             </a:r>
             <a:endParaRPr lang="en-US" dirty="0" smtClean="0"/>
           </a:p>
           <a:p>
-            <a:endParaRPr lang="en-US" dirty="0"/>
+            <a:r>
+              <a:rPr lang="en-US" dirty="0"/>
+              <a:t>The </a:t>
+            </a:r>
+            <a:r>
+              <a:rPr lang="en-US" dirty="0" err="1"/>
+              <a:t>ArcaBook</a:t>
+            </a:r>
+            <a:r>
+              <a:rPr lang="en-US" dirty="0"/>
+              <a:t> market data feed for NYSE </a:t>
+            </a:r>
+            <a:r>
+              <a:rPr lang="en-US" dirty="0" err="1"/>
+              <a:t>Liffe</a:t>
+            </a:r>
+            <a:r>
+              <a:rPr lang="en-US" dirty="0"/>
+              <a:t> also disseminates ‘Implied Out’ </a:t>
+            </a:r>
+            <a:r>
+              <a:rPr lang="en-US" dirty="0" smtClean="0"/>
+              <a:t>prices. Indeed</a:t>
+            </a:r>
+            <a:r>
+              <a:rPr lang="en-US" dirty="0"/>
+              <a:t>, the LIFFE CONNECT platform supports both Implied Ins and Implied Outs prices</a:t>
+            </a:r>
+            <a:r>
+              <a:rPr lang="en-US" dirty="0" smtClean="0"/>
+              <a:t>.</a:t>
+            </a:r>
+          </a:p>
+          <a:p>
+            <a:pPr lvl="1"/>
+            <a:r>
+              <a:rPr lang="en-US" dirty="0" smtClean="0"/>
+              <a:t>‘ </a:t>
+            </a:r>
+            <a:r>
+              <a:rPr lang="en-US" dirty="0"/>
+              <a:t>Implied Ins’ are prices in a strategy market derived from prices in the associated </a:t>
+            </a:r>
+            <a:r>
+              <a:rPr lang="en-US" dirty="0" smtClean="0"/>
+              <a:t>outright markets</a:t>
+            </a:r>
+            <a:r>
+              <a:rPr lang="en-US" dirty="0"/>
+              <a:t>. They are calculated by the Trading Host but not disseminated</a:t>
+            </a:r>
+            <a:r>
+              <a:rPr lang="en-US" dirty="0" smtClean="0"/>
+              <a:t>.</a:t>
+            </a:r>
+          </a:p>
+          <a:p>
+            <a:pPr lvl="1"/>
+            <a:r>
+              <a:rPr lang="en-US" dirty="0" smtClean="0"/>
+              <a:t>‘ </a:t>
+            </a:r>
+            <a:r>
+              <a:rPr lang="en-US" dirty="0"/>
+              <a:t>Implied Outs’ are prices in an outright market derived from prices in one strategy </a:t>
+            </a:r>
+            <a:r>
+              <a:rPr lang="en-US" dirty="0" smtClean="0"/>
+              <a:t>and prices </a:t>
+            </a:r>
+            <a:r>
+              <a:rPr lang="en-US" dirty="0"/>
+              <a:t>in associated legs of the strategy. Although the LIFFE CONNECT. Trading </a:t>
+            </a:r>
+            <a:r>
+              <a:rPr lang="en-US" dirty="0" smtClean="0"/>
+              <a:t>Host continuously </a:t>
+            </a:r>
+            <a:r>
+              <a:rPr lang="en-US" dirty="0"/>
+              <a:t>calculates ‘implied out’ prices, it only transmits ‘implied out’ prices </a:t>
+            </a:r>
+            <a:r>
+              <a:rPr lang="en-US" dirty="0" smtClean="0"/>
+              <a:t>when they </a:t>
+            </a:r>
+            <a:r>
+              <a:rPr lang="en-US" dirty="0"/>
+              <a:t>are equal to or better than the Best price in the central Order Book.</a:t>
+            </a:r>
           </a:p>
         </p:txBody>
       </p:sp>
     </p:spTree>
     <p:extLst>
       <p:ext uri="{BB962C8B-B14F-4D97-AF65-F5344CB8AC3E}">
-        <p14:creationId xmlns:p14="http://schemas.microsoft.com/office/powerpoint/2010/main" val="2193909352"/>
+        <p14:creationId xmlns:p14="http://schemas.microsoft.com/office/powerpoint/2010/main" val="1745493679"/>
       </p:ext>
     </p:extLst>
   </p:cSld>
@@ -7232,7 +7214,7 @@
           <a:p>
             <a:r>
               <a:rPr lang="en-US" dirty="0" smtClean="0"/>
-              <a:t>LIFFE - EURIBOR</a:t>
+              <a:t>CME</a:t>
             </a:r>
             <a:endParaRPr lang="en-US" dirty="0"/>
           </a:p>
@@ -7250,9 +7232,7 @@
         </p:nvSpPr>
         <p:spPr/>
         <p:txBody>
-          <a:bodyPr>
-            <a:normAutofit fontScale="70000" lnSpcReduction="20000"/>
-          </a:bodyPr>
+          <a:bodyPr/>
           <a:lstStyle/>
           <a:p>
             <a:r>
@@ -7265,126 +7245,52 @@
             </a:r>
             <a:r>
               <a:rPr lang="en-US" dirty="0"/>
-              <a:t> Generation implied volume </a:t>
+              <a:t> </a:t>
             </a:r>
             <a:r>
               <a:rPr lang="en-US" dirty="0" smtClean="0"/>
-              <a:t>supported</a:t>
-            </a:r>
-          </a:p>
-          <a:p>
+              <a:t>and 2</a:t>
+            </a:r>
+            <a:r>
+              <a:rPr lang="en-US" baseline="30000" dirty="0" smtClean="0"/>
+              <a:t>nd</a:t>
+            </a:r>
+            <a:r>
+              <a:rPr lang="en-US" dirty="0" smtClean="0"/>
+              <a:t> Generation </a:t>
+            </a:r>
+            <a:r>
+              <a:rPr lang="en-US" dirty="0"/>
+              <a:t>implied volume supported</a:t>
+            </a:r>
+          </a:p>
+          <a:p>
+            <a:r>
+              <a:rPr lang="en-US" dirty="0" smtClean="0">
+                <a:hlinkClick r:id="rId2"/>
+              </a:rPr>
+              <a:t>http</a:t>
+            </a:r>
             <a:r>
               <a:rPr lang="en-US" dirty="0">
                 <a:hlinkClick r:id="rId2"/>
               </a:rPr>
-              <a:t>http://</a:t>
+              <a:t>://</a:t>
             </a:r>
             <a:r>
               <a:rPr lang="en-US" dirty="0" smtClean="0">
                 <a:hlinkClick r:id="rId2"/>
               </a:rPr>
-              <a:t>www.nyse.com/pdfs/6471_LRS.pdf</a:t>
+              <a:t>www.cmegroup.com/globex/files/ImpliedPriceOverview.pdf</a:t>
             </a:r>
             <a:endParaRPr lang="en-US" dirty="0" smtClean="0"/>
-          </a:p>
-          <a:p>
-            <a:r>
-              <a:rPr lang="en-US" dirty="0"/>
-              <a:t>The </a:t>
-            </a:r>
-            <a:r>
-              <a:rPr lang="en-US" dirty="0" err="1"/>
-              <a:t>ArcaBook</a:t>
-            </a:r>
-            <a:r>
-              <a:rPr lang="en-US" dirty="0"/>
-              <a:t> market data feed for NYSE </a:t>
-            </a:r>
-            <a:r>
-              <a:rPr lang="en-US" dirty="0" err="1"/>
-              <a:t>Liffe</a:t>
-            </a:r>
-            <a:r>
-              <a:rPr lang="en-US" dirty="0"/>
-              <a:t> also disseminates ‘Implied Out’ </a:t>
-            </a:r>
-            <a:r>
-              <a:rPr lang="en-US" dirty="0" smtClean="0"/>
-              <a:t>prices. Indeed</a:t>
-            </a:r>
-            <a:r>
-              <a:rPr lang="en-US" dirty="0"/>
-              <a:t>, the LIFFE CONNECT platform supports both Implied Ins and Implied Outs prices</a:t>
-            </a:r>
-            <a:r>
-              <a:rPr lang="en-US" dirty="0" smtClean="0"/>
-              <a:t>.</a:t>
-            </a:r>
-          </a:p>
-          <a:p>
-            <a:pPr lvl="1"/>
-            <a:r>
-              <a:rPr lang="en-US" dirty="0" smtClean="0"/>
-              <a:t>‘ </a:t>
-            </a:r>
-            <a:r>
-              <a:rPr lang="en-US" dirty="0"/>
-              <a:t>Implied Ins’ are prices in a strategy market derived from prices in the associated </a:t>
-            </a:r>
-            <a:r>
-              <a:rPr lang="en-US" dirty="0" smtClean="0"/>
-              <a:t>outright markets</a:t>
-            </a:r>
-            <a:r>
-              <a:rPr lang="en-US" dirty="0"/>
-              <a:t>. They are calculated by the Trading Host but not disseminated</a:t>
-            </a:r>
-            <a:r>
-              <a:rPr lang="en-US" dirty="0" smtClean="0"/>
-              <a:t>.</a:t>
-            </a:r>
-          </a:p>
-          <a:p>
-            <a:pPr lvl="1"/>
-            <a:r>
-              <a:rPr lang="en-US" dirty="0" smtClean="0"/>
-              <a:t>‘ </a:t>
-            </a:r>
-            <a:r>
-              <a:rPr lang="en-US" dirty="0"/>
-              <a:t>Implied Outs’ are prices in an outright market derived from prices in one strategy </a:t>
-            </a:r>
-            <a:r>
-              <a:rPr lang="en-US" dirty="0" smtClean="0"/>
-              <a:t>and prices </a:t>
-            </a:r>
-            <a:r>
-              <a:rPr lang="en-US" dirty="0"/>
-              <a:t>in associated legs of the strategy. Although the LIFFE CONNECT. Trading </a:t>
-            </a:r>
-            <a:r>
-              <a:rPr lang="en-US" dirty="0" smtClean="0"/>
-              <a:t>Host continuously </a:t>
-            </a:r>
-            <a:r>
-              <a:rPr lang="en-US" dirty="0"/>
-              <a:t>calculates ‘implied out’ prices, it only transmits ‘implied out’ prices </a:t>
-            </a:r>
-            <a:r>
-              <a:rPr lang="en-US" dirty="0" smtClean="0"/>
-              <a:t>when they </a:t>
-            </a:r>
-            <a:r>
-              <a:rPr lang="en-US" dirty="0"/>
-              <a:t>are equal to or better than the Best price in the central Order Book.</a:t>
-            </a:r>
           </a:p>
         </p:txBody>
       </p:sp>
     </p:spTree>
     <p:extLst>
       <p:ext uri="{BB962C8B-B14F-4D97-AF65-F5344CB8AC3E}">
-        <p14:creationId xmlns:p14="http://schemas.microsoft.com/office/powerpoint/2010/main" val="1745493679"/>
+        <p14:creationId xmlns:p14="http://schemas.microsoft.com/office/powerpoint/2010/main" val="2363632775"/>
       </p:ext>
     </p:extLst>
   </p:cSld>
